--- a/AI-ML.pptx
+++ b/AI-ML.pptx
@@ -8,6 +8,12 @@
     <p:sldId id="256" r:id="rId2"/>
     <p:sldId id="257" r:id="rId3"/>
     <p:sldId id="258" r:id="rId4"/>
+    <p:sldId id="259" r:id="rId5"/>
+    <p:sldId id="260" r:id="rId6"/>
+    <p:sldId id="261" r:id="rId7"/>
+    <p:sldId id="262" r:id="rId8"/>
+    <p:sldId id="263" r:id="rId9"/>
+    <p:sldId id="264" r:id="rId10"/>
   </p:sldIdLst>
   <p:sldSz cx="12192000" cy="6858000"/>
   <p:notesSz cx="6858000" cy="9144000"/>
@@ -106,10 +112,1509 @@
       </a:defRPr>
     </a:lvl9pPr>
   </p:defaultTextStyle>
+  <p:extLst>
+    <p:ext uri="{EFAFB233-063F-42B5-8137-9DF3F51BA10A}">
+      <p15:sldGuideLst xmlns:p15="http://schemas.microsoft.com/office/powerpoint/2012/main"/>
+    </p:ext>
+  </p:extLst>
 </p:presentation>
 </file>
 
 <file path=ppt/diagrams/colors1.xml><?xml version="1.0" encoding="utf-8"?>
+<dgm:colorsDef xmlns:dgm="http://schemas.openxmlformats.org/drawingml/2006/diagram" xmlns:a="http://schemas.openxmlformats.org/drawingml/2006/main" uniqueId="urn:microsoft.com/office/officeart/2005/8/colors/accent1_2">
+  <dgm:title val=""/>
+  <dgm:desc val=""/>
+  <dgm:catLst>
+    <dgm:cat type="accent1" pri="11200"/>
+  </dgm:catLst>
+  <dgm:styleLbl name="node0">
+    <dgm:fillClrLst meth="repeat">
+      <a:schemeClr val="accent1"/>
+    </dgm:fillClrLst>
+    <dgm:linClrLst meth="repeat">
+      <a:schemeClr val="lt1"/>
+    </dgm:linClrLst>
+    <dgm:effectClrLst/>
+    <dgm:txLinClrLst/>
+    <dgm:txFillClrLst/>
+    <dgm:txEffectClrLst/>
+  </dgm:styleLbl>
+  <dgm:styleLbl name="alignNode1">
+    <dgm:fillClrLst meth="repeat">
+      <a:schemeClr val="accent1"/>
+    </dgm:fillClrLst>
+    <dgm:linClrLst meth="repeat">
+      <a:schemeClr val="accent1"/>
+    </dgm:linClrLst>
+    <dgm:effectClrLst/>
+    <dgm:txLinClrLst/>
+    <dgm:txFillClrLst/>
+    <dgm:txEffectClrLst/>
+  </dgm:styleLbl>
+  <dgm:styleLbl name="node1">
+    <dgm:fillClrLst meth="repeat">
+      <a:schemeClr val="accent1"/>
+    </dgm:fillClrLst>
+    <dgm:linClrLst meth="repeat">
+      <a:schemeClr val="lt1"/>
+    </dgm:linClrLst>
+    <dgm:effectClrLst/>
+    <dgm:txLinClrLst/>
+    <dgm:txFillClrLst/>
+    <dgm:txEffectClrLst/>
+  </dgm:styleLbl>
+  <dgm:styleLbl name="lnNode1">
+    <dgm:fillClrLst meth="repeat">
+      <a:schemeClr val="accent1"/>
+    </dgm:fillClrLst>
+    <dgm:linClrLst meth="repeat">
+      <a:schemeClr val="lt1"/>
+    </dgm:linClrLst>
+    <dgm:effectClrLst/>
+    <dgm:txLinClrLst/>
+    <dgm:txFillClrLst/>
+    <dgm:txEffectClrLst/>
+  </dgm:styleLbl>
+  <dgm:styleLbl name="vennNode1">
+    <dgm:fillClrLst meth="repeat">
+      <a:schemeClr val="accent1">
+        <a:alpha val="50000"/>
+      </a:schemeClr>
+    </dgm:fillClrLst>
+    <dgm:linClrLst meth="repeat">
+      <a:schemeClr val="lt1"/>
+    </dgm:linClrLst>
+    <dgm:effectClrLst/>
+    <dgm:txLinClrLst/>
+    <dgm:txFillClrLst/>
+    <dgm:txEffectClrLst/>
+  </dgm:styleLbl>
+  <dgm:styleLbl name="node2">
+    <dgm:fillClrLst meth="repeat">
+      <a:schemeClr val="accent1"/>
+    </dgm:fillClrLst>
+    <dgm:linClrLst meth="repeat">
+      <a:schemeClr val="lt1"/>
+    </dgm:linClrLst>
+    <dgm:effectClrLst/>
+    <dgm:txLinClrLst/>
+    <dgm:txFillClrLst/>
+    <dgm:txEffectClrLst/>
+  </dgm:styleLbl>
+  <dgm:styleLbl name="node3">
+    <dgm:fillClrLst meth="repeat">
+      <a:schemeClr val="accent1"/>
+    </dgm:fillClrLst>
+    <dgm:linClrLst meth="repeat">
+      <a:schemeClr val="lt1"/>
+    </dgm:linClrLst>
+    <dgm:effectClrLst/>
+    <dgm:txLinClrLst/>
+    <dgm:txFillClrLst/>
+    <dgm:txEffectClrLst/>
+  </dgm:styleLbl>
+  <dgm:styleLbl name="node4">
+    <dgm:fillClrLst meth="repeat">
+      <a:schemeClr val="accent1"/>
+    </dgm:fillClrLst>
+    <dgm:linClrLst meth="repeat">
+      <a:schemeClr val="lt1"/>
+    </dgm:linClrLst>
+    <dgm:effectClrLst/>
+    <dgm:txLinClrLst/>
+    <dgm:txFillClrLst/>
+    <dgm:txEffectClrLst/>
+  </dgm:styleLbl>
+  <dgm:styleLbl name="fgImgPlace1">
+    <dgm:fillClrLst meth="repeat">
+      <a:schemeClr val="accent1">
+        <a:tint val="50000"/>
+      </a:schemeClr>
+    </dgm:fillClrLst>
+    <dgm:linClrLst meth="repeat">
+      <a:schemeClr val="lt1"/>
+    </dgm:linClrLst>
+    <dgm:effectClrLst/>
+    <dgm:txLinClrLst/>
+    <dgm:txFillClrLst meth="repeat">
+      <a:schemeClr val="lt1"/>
+    </dgm:txFillClrLst>
+    <dgm:txEffectClrLst/>
+  </dgm:styleLbl>
+  <dgm:styleLbl name="alignImgPlace1">
+    <dgm:fillClrLst meth="repeat">
+      <a:schemeClr val="accent1">
+        <a:tint val="50000"/>
+      </a:schemeClr>
+    </dgm:fillClrLst>
+    <dgm:linClrLst meth="repeat">
+      <a:schemeClr val="lt1"/>
+    </dgm:linClrLst>
+    <dgm:effectClrLst/>
+    <dgm:txLinClrLst/>
+    <dgm:txFillClrLst meth="repeat">
+      <a:schemeClr val="lt1"/>
+    </dgm:txFillClrLst>
+    <dgm:txEffectClrLst/>
+  </dgm:styleLbl>
+  <dgm:styleLbl name="bgImgPlace1">
+    <dgm:fillClrLst meth="repeat">
+      <a:schemeClr val="accent1">
+        <a:tint val="50000"/>
+      </a:schemeClr>
+    </dgm:fillClrLst>
+    <dgm:linClrLst meth="repeat">
+      <a:schemeClr val="lt1"/>
+    </dgm:linClrLst>
+    <dgm:effectClrLst/>
+    <dgm:txLinClrLst/>
+    <dgm:txFillClrLst meth="repeat">
+      <a:schemeClr val="lt1"/>
+    </dgm:txFillClrLst>
+    <dgm:txEffectClrLst/>
+  </dgm:styleLbl>
+  <dgm:styleLbl name="sibTrans2D1">
+    <dgm:fillClrLst meth="repeat">
+      <a:schemeClr val="accent1">
+        <a:tint val="60000"/>
+      </a:schemeClr>
+    </dgm:fillClrLst>
+    <dgm:linClrLst meth="repeat">
+      <a:schemeClr val="accent1">
+        <a:tint val="60000"/>
+      </a:schemeClr>
+    </dgm:linClrLst>
+    <dgm:effectClrLst/>
+    <dgm:txLinClrLst/>
+    <dgm:txFillClrLst/>
+    <dgm:txEffectClrLst/>
+  </dgm:styleLbl>
+  <dgm:styleLbl name="fgSibTrans2D1">
+    <dgm:fillClrLst meth="repeat">
+      <a:schemeClr val="accent1">
+        <a:tint val="60000"/>
+      </a:schemeClr>
+    </dgm:fillClrLst>
+    <dgm:linClrLst meth="repeat">
+      <a:schemeClr val="accent1">
+        <a:tint val="60000"/>
+      </a:schemeClr>
+    </dgm:linClrLst>
+    <dgm:effectClrLst/>
+    <dgm:txLinClrLst/>
+    <dgm:txFillClrLst/>
+    <dgm:txEffectClrLst/>
+  </dgm:styleLbl>
+  <dgm:styleLbl name="bgSibTrans2D1">
+    <dgm:fillClrLst meth="repeat">
+      <a:schemeClr val="accent1">
+        <a:tint val="60000"/>
+      </a:schemeClr>
+    </dgm:fillClrLst>
+    <dgm:linClrLst meth="repeat">
+      <a:schemeClr val="accent1">
+        <a:tint val="60000"/>
+      </a:schemeClr>
+    </dgm:linClrLst>
+    <dgm:effectClrLst/>
+    <dgm:txLinClrLst/>
+    <dgm:txFillClrLst/>
+    <dgm:txEffectClrLst/>
+  </dgm:styleLbl>
+  <dgm:styleLbl name="sibTrans1D1">
+    <dgm:fillClrLst meth="repeat">
+      <a:schemeClr val="accent1"/>
+    </dgm:fillClrLst>
+    <dgm:linClrLst meth="repeat">
+      <a:schemeClr val="accent1"/>
+    </dgm:linClrLst>
+    <dgm:effectClrLst/>
+    <dgm:txLinClrLst/>
+    <dgm:txFillClrLst meth="repeat">
+      <a:schemeClr val="tx1"/>
+    </dgm:txFillClrLst>
+    <dgm:txEffectClrLst/>
+  </dgm:styleLbl>
+  <dgm:styleLbl name="callout">
+    <dgm:fillClrLst meth="repeat">
+      <a:schemeClr val="accent1"/>
+    </dgm:fillClrLst>
+    <dgm:linClrLst meth="repeat">
+      <a:schemeClr val="accent1">
+        <a:tint val="50000"/>
+      </a:schemeClr>
+    </dgm:linClrLst>
+    <dgm:effectClrLst/>
+    <dgm:txLinClrLst/>
+    <dgm:txFillClrLst meth="repeat">
+      <a:schemeClr val="tx1"/>
+    </dgm:txFillClrLst>
+    <dgm:txEffectClrLst/>
+  </dgm:styleLbl>
+  <dgm:styleLbl name="asst0">
+    <dgm:fillClrLst meth="repeat">
+      <a:schemeClr val="accent1"/>
+    </dgm:fillClrLst>
+    <dgm:linClrLst meth="repeat">
+      <a:schemeClr val="lt1"/>
+    </dgm:linClrLst>
+    <dgm:effectClrLst/>
+    <dgm:txLinClrLst/>
+    <dgm:txFillClrLst/>
+    <dgm:txEffectClrLst/>
+  </dgm:styleLbl>
+  <dgm:styleLbl name="asst1">
+    <dgm:fillClrLst meth="repeat">
+      <a:schemeClr val="accent1"/>
+    </dgm:fillClrLst>
+    <dgm:linClrLst meth="repeat">
+      <a:schemeClr val="lt1"/>
+    </dgm:linClrLst>
+    <dgm:effectClrLst/>
+    <dgm:txLinClrLst/>
+    <dgm:txFillClrLst/>
+    <dgm:txEffectClrLst/>
+  </dgm:styleLbl>
+  <dgm:styleLbl name="asst2">
+    <dgm:fillClrLst meth="repeat">
+      <a:schemeClr val="accent1"/>
+    </dgm:fillClrLst>
+    <dgm:linClrLst meth="repeat">
+      <a:schemeClr val="lt1"/>
+    </dgm:linClrLst>
+    <dgm:effectClrLst/>
+    <dgm:txLinClrLst/>
+    <dgm:txFillClrLst/>
+    <dgm:txEffectClrLst/>
+  </dgm:styleLbl>
+  <dgm:styleLbl name="asst3">
+    <dgm:fillClrLst meth="repeat">
+      <a:schemeClr val="accent1"/>
+    </dgm:fillClrLst>
+    <dgm:linClrLst meth="repeat">
+      <a:schemeClr val="lt1"/>
+    </dgm:linClrLst>
+    <dgm:effectClrLst/>
+    <dgm:txLinClrLst/>
+    <dgm:txFillClrLst/>
+    <dgm:txEffectClrLst/>
+  </dgm:styleLbl>
+  <dgm:styleLbl name="asst4">
+    <dgm:fillClrLst meth="repeat">
+      <a:schemeClr val="accent1"/>
+    </dgm:fillClrLst>
+    <dgm:linClrLst meth="repeat">
+      <a:schemeClr val="lt1"/>
+    </dgm:linClrLst>
+    <dgm:effectClrLst/>
+    <dgm:txLinClrLst/>
+    <dgm:txFillClrLst/>
+    <dgm:txEffectClrLst/>
+  </dgm:styleLbl>
+  <dgm:styleLbl name="parChTrans2D1">
+    <dgm:fillClrLst meth="repeat">
+      <a:schemeClr val="accent1">
+        <a:tint val="60000"/>
+      </a:schemeClr>
+    </dgm:fillClrLst>
+    <dgm:linClrLst meth="repeat">
+      <a:schemeClr val="accent1">
+        <a:tint val="60000"/>
+      </a:schemeClr>
+    </dgm:linClrLst>
+    <dgm:effectClrLst/>
+    <dgm:txLinClrLst/>
+    <dgm:txFillClrLst meth="repeat">
+      <a:schemeClr val="lt1"/>
+    </dgm:txFillClrLst>
+    <dgm:txEffectClrLst/>
+  </dgm:styleLbl>
+  <dgm:styleLbl name="parChTrans2D2">
+    <dgm:fillClrLst meth="repeat">
+      <a:schemeClr val="accent1"/>
+    </dgm:fillClrLst>
+    <dgm:linClrLst meth="repeat">
+      <a:schemeClr val="accent1"/>
+    </dgm:linClrLst>
+    <dgm:effectClrLst/>
+    <dgm:txLinClrLst/>
+    <dgm:txFillClrLst meth="repeat">
+      <a:schemeClr val="lt1"/>
+    </dgm:txFillClrLst>
+    <dgm:txEffectClrLst/>
+  </dgm:styleLbl>
+  <dgm:styleLbl name="parChTrans2D3">
+    <dgm:fillClrLst meth="repeat">
+      <a:schemeClr val="accent1"/>
+    </dgm:fillClrLst>
+    <dgm:linClrLst meth="repeat">
+      <a:schemeClr val="accent1"/>
+    </dgm:linClrLst>
+    <dgm:effectClrLst/>
+    <dgm:txLinClrLst/>
+    <dgm:txFillClrLst meth="repeat">
+      <a:schemeClr val="lt1"/>
+    </dgm:txFillClrLst>
+    <dgm:txEffectClrLst/>
+  </dgm:styleLbl>
+  <dgm:styleLbl name="parChTrans2D4">
+    <dgm:fillClrLst meth="repeat">
+      <a:schemeClr val="accent1"/>
+    </dgm:fillClrLst>
+    <dgm:linClrLst meth="repeat">
+      <a:schemeClr val="accent1"/>
+    </dgm:linClrLst>
+    <dgm:effectClrLst/>
+    <dgm:txLinClrLst/>
+    <dgm:txFillClrLst meth="repeat">
+      <a:schemeClr val="lt1"/>
+    </dgm:txFillClrLst>
+    <dgm:txEffectClrLst/>
+  </dgm:styleLbl>
+  <dgm:styleLbl name="parChTrans1D1">
+    <dgm:fillClrLst meth="repeat">
+      <a:schemeClr val="accent1"/>
+    </dgm:fillClrLst>
+    <dgm:linClrLst meth="repeat">
+      <a:schemeClr val="accent1">
+        <a:shade val="60000"/>
+      </a:schemeClr>
+    </dgm:linClrLst>
+    <dgm:effectClrLst/>
+    <dgm:txLinClrLst/>
+    <dgm:txFillClrLst meth="repeat">
+      <a:schemeClr val="tx1"/>
+    </dgm:txFillClrLst>
+    <dgm:txEffectClrLst/>
+  </dgm:styleLbl>
+  <dgm:styleLbl name="parChTrans1D2">
+    <dgm:fillClrLst meth="repeat">
+      <a:schemeClr val="accent1"/>
+    </dgm:fillClrLst>
+    <dgm:linClrLst meth="repeat">
+      <a:schemeClr val="accent1">
+        <a:shade val="60000"/>
+      </a:schemeClr>
+    </dgm:linClrLst>
+    <dgm:effectClrLst/>
+    <dgm:txLinClrLst/>
+    <dgm:txFillClrLst meth="repeat">
+      <a:schemeClr val="tx1"/>
+    </dgm:txFillClrLst>
+    <dgm:txEffectClrLst/>
+  </dgm:styleLbl>
+  <dgm:styleLbl name="parChTrans1D3">
+    <dgm:fillClrLst meth="repeat">
+      <a:schemeClr val="accent1"/>
+    </dgm:fillClrLst>
+    <dgm:linClrLst meth="repeat">
+      <a:schemeClr val="accent1">
+        <a:shade val="80000"/>
+      </a:schemeClr>
+    </dgm:linClrLst>
+    <dgm:effectClrLst/>
+    <dgm:txLinClrLst/>
+    <dgm:txFillClrLst meth="repeat">
+      <a:schemeClr val="tx1"/>
+    </dgm:txFillClrLst>
+    <dgm:txEffectClrLst/>
+  </dgm:styleLbl>
+  <dgm:styleLbl name="parChTrans1D4">
+    <dgm:fillClrLst meth="repeat">
+      <a:schemeClr val="accent1"/>
+    </dgm:fillClrLst>
+    <dgm:linClrLst meth="repeat">
+      <a:schemeClr val="accent1">
+        <a:shade val="80000"/>
+      </a:schemeClr>
+    </dgm:linClrLst>
+    <dgm:effectClrLst/>
+    <dgm:txLinClrLst/>
+    <dgm:txFillClrLst meth="repeat">
+      <a:schemeClr val="tx1"/>
+    </dgm:txFillClrLst>
+    <dgm:txEffectClrLst/>
+  </dgm:styleLbl>
+  <dgm:styleLbl name="fgAcc1">
+    <dgm:fillClrLst meth="repeat">
+      <a:schemeClr val="lt1">
+        <a:alpha val="90000"/>
+      </a:schemeClr>
+    </dgm:fillClrLst>
+    <dgm:linClrLst meth="repeat">
+      <a:schemeClr val="accent1"/>
+    </dgm:linClrLst>
+    <dgm:effectClrLst/>
+    <dgm:txLinClrLst/>
+    <dgm:txFillClrLst meth="repeat">
+      <a:schemeClr val="dk1"/>
+    </dgm:txFillClrLst>
+    <dgm:txEffectClrLst/>
+  </dgm:styleLbl>
+  <dgm:styleLbl name="conFgAcc1">
+    <dgm:fillClrLst meth="repeat">
+      <a:schemeClr val="lt1">
+        <a:alpha val="90000"/>
+      </a:schemeClr>
+    </dgm:fillClrLst>
+    <dgm:linClrLst meth="repeat">
+      <a:schemeClr val="accent1"/>
+    </dgm:linClrLst>
+    <dgm:effectClrLst/>
+    <dgm:txLinClrLst/>
+    <dgm:txFillClrLst meth="repeat">
+      <a:schemeClr val="dk1"/>
+    </dgm:txFillClrLst>
+    <dgm:txEffectClrLst/>
+  </dgm:styleLbl>
+  <dgm:styleLbl name="alignAcc1">
+    <dgm:fillClrLst meth="repeat">
+      <a:schemeClr val="lt1">
+        <a:alpha val="90000"/>
+      </a:schemeClr>
+    </dgm:fillClrLst>
+    <dgm:linClrLst meth="repeat">
+      <a:schemeClr val="accent1"/>
+    </dgm:linClrLst>
+    <dgm:effectClrLst/>
+    <dgm:txLinClrLst/>
+    <dgm:txFillClrLst meth="repeat">
+      <a:schemeClr val="dk1"/>
+    </dgm:txFillClrLst>
+    <dgm:txEffectClrLst/>
+  </dgm:styleLbl>
+  <dgm:styleLbl name="trAlignAcc1">
+    <dgm:fillClrLst meth="repeat">
+      <a:schemeClr val="lt1">
+        <a:alpha val="40000"/>
+      </a:schemeClr>
+    </dgm:fillClrLst>
+    <dgm:linClrLst meth="repeat">
+      <a:schemeClr val="accent1"/>
+    </dgm:linClrLst>
+    <dgm:effectClrLst/>
+    <dgm:txLinClrLst/>
+    <dgm:txFillClrLst meth="repeat">
+      <a:schemeClr val="dk1"/>
+    </dgm:txFillClrLst>
+    <dgm:txEffectClrLst/>
+  </dgm:styleLbl>
+  <dgm:styleLbl name="bgAcc1">
+    <dgm:fillClrLst meth="repeat">
+      <a:schemeClr val="lt1">
+        <a:alpha val="90000"/>
+      </a:schemeClr>
+    </dgm:fillClrLst>
+    <dgm:linClrLst meth="repeat">
+      <a:schemeClr val="accent1"/>
+    </dgm:linClrLst>
+    <dgm:effectClrLst/>
+    <dgm:txLinClrLst/>
+    <dgm:txFillClrLst meth="repeat">
+      <a:schemeClr val="dk1"/>
+    </dgm:txFillClrLst>
+    <dgm:txEffectClrLst/>
+  </dgm:styleLbl>
+  <dgm:styleLbl name="solidFgAcc1">
+    <dgm:fillClrLst meth="repeat">
+      <a:schemeClr val="lt1"/>
+    </dgm:fillClrLst>
+    <dgm:linClrLst meth="repeat">
+      <a:schemeClr val="accent1"/>
+    </dgm:linClrLst>
+    <dgm:effectClrLst/>
+    <dgm:txLinClrLst/>
+    <dgm:txFillClrLst meth="repeat">
+      <a:schemeClr val="dk1"/>
+    </dgm:txFillClrLst>
+    <dgm:txEffectClrLst/>
+  </dgm:styleLbl>
+  <dgm:styleLbl name="solidAlignAcc1">
+    <dgm:fillClrLst meth="repeat">
+      <a:schemeClr val="lt1"/>
+    </dgm:fillClrLst>
+    <dgm:linClrLst meth="repeat">
+      <a:schemeClr val="accent1"/>
+    </dgm:linClrLst>
+    <dgm:effectClrLst/>
+    <dgm:txLinClrLst/>
+    <dgm:txFillClrLst meth="repeat">
+      <a:schemeClr val="dk1"/>
+    </dgm:txFillClrLst>
+    <dgm:txEffectClrLst/>
+  </dgm:styleLbl>
+  <dgm:styleLbl name="solidBgAcc1">
+    <dgm:fillClrLst meth="repeat">
+      <a:schemeClr val="lt1"/>
+    </dgm:fillClrLst>
+    <dgm:linClrLst meth="repeat">
+      <a:schemeClr val="accent1"/>
+    </dgm:linClrLst>
+    <dgm:effectClrLst/>
+    <dgm:txLinClrLst/>
+    <dgm:txFillClrLst meth="repeat">
+      <a:schemeClr val="dk1"/>
+    </dgm:txFillClrLst>
+    <dgm:txEffectClrLst/>
+  </dgm:styleLbl>
+  <dgm:styleLbl name="fgAccFollowNode1">
+    <dgm:fillClrLst meth="repeat">
+      <a:schemeClr val="accent1">
+        <a:alpha val="90000"/>
+        <a:tint val="40000"/>
+      </a:schemeClr>
+    </dgm:fillClrLst>
+    <dgm:linClrLst meth="repeat">
+      <a:schemeClr val="accent1">
+        <a:alpha val="90000"/>
+        <a:tint val="40000"/>
+      </a:schemeClr>
+    </dgm:linClrLst>
+    <dgm:effectClrLst/>
+    <dgm:txLinClrLst/>
+    <dgm:txFillClrLst meth="repeat">
+      <a:schemeClr val="dk1"/>
+    </dgm:txFillClrLst>
+    <dgm:txEffectClrLst/>
+  </dgm:styleLbl>
+  <dgm:styleLbl name="alignAccFollowNode1">
+    <dgm:fillClrLst meth="repeat">
+      <a:schemeClr val="accent1">
+        <a:alpha val="90000"/>
+        <a:tint val="40000"/>
+      </a:schemeClr>
+    </dgm:fillClrLst>
+    <dgm:linClrLst meth="repeat">
+      <a:schemeClr val="accent1">
+        <a:alpha val="90000"/>
+        <a:tint val="40000"/>
+      </a:schemeClr>
+    </dgm:linClrLst>
+    <dgm:effectClrLst/>
+    <dgm:txLinClrLst/>
+    <dgm:txFillClrLst meth="repeat">
+      <a:schemeClr val="dk1"/>
+    </dgm:txFillClrLst>
+    <dgm:txEffectClrLst/>
+  </dgm:styleLbl>
+  <dgm:styleLbl name="bgAccFollowNode1">
+    <dgm:fillClrLst meth="repeat">
+      <a:schemeClr val="accent1">
+        <a:alpha val="90000"/>
+        <a:tint val="40000"/>
+      </a:schemeClr>
+    </dgm:fillClrLst>
+    <dgm:linClrLst meth="repeat">
+      <a:schemeClr val="accent1">
+        <a:alpha val="90000"/>
+        <a:tint val="40000"/>
+      </a:schemeClr>
+    </dgm:linClrLst>
+    <dgm:effectClrLst/>
+    <dgm:txLinClrLst/>
+    <dgm:txFillClrLst meth="repeat">
+      <a:schemeClr val="dk1"/>
+    </dgm:txFillClrLst>
+    <dgm:txEffectClrLst/>
+  </dgm:styleLbl>
+  <dgm:styleLbl name="fgAcc0">
+    <dgm:fillClrLst meth="repeat">
+      <a:schemeClr val="lt1">
+        <a:alpha val="90000"/>
+      </a:schemeClr>
+    </dgm:fillClrLst>
+    <dgm:linClrLst meth="repeat">
+      <a:schemeClr val="accent1"/>
+    </dgm:linClrLst>
+    <dgm:effectClrLst/>
+    <dgm:txLinClrLst/>
+    <dgm:txFillClrLst meth="repeat">
+      <a:schemeClr val="dk1"/>
+    </dgm:txFillClrLst>
+    <dgm:txEffectClrLst/>
+  </dgm:styleLbl>
+  <dgm:styleLbl name="fgAcc2">
+    <dgm:fillClrLst meth="repeat">
+      <a:schemeClr val="lt1">
+        <a:alpha val="90000"/>
+      </a:schemeClr>
+    </dgm:fillClrLst>
+    <dgm:linClrLst meth="repeat">
+      <a:schemeClr val="accent1"/>
+    </dgm:linClrLst>
+    <dgm:effectClrLst/>
+    <dgm:txLinClrLst/>
+    <dgm:txFillClrLst meth="repeat">
+      <a:schemeClr val="dk1"/>
+    </dgm:txFillClrLst>
+    <dgm:txEffectClrLst/>
+  </dgm:styleLbl>
+  <dgm:styleLbl name="fgAcc3">
+    <dgm:fillClrLst meth="repeat">
+      <a:schemeClr val="lt1">
+        <a:alpha val="90000"/>
+      </a:schemeClr>
+    </dgm:fillClrLst>
+    <dgm:linClrLst meth="repeat">
+      <a:schemeClr val="accent1"/>
+    </dgm:linClrLst>
+    <dgm:effectClrLst/>
+    <dgm:txLinClrLst/>
+    <dgm:txFillClrLst meth="repeat">
+      <a:schemeClr val="dk1"/>
+    </dgm:txFillClrLst>
+    <dgm:txEffectClrLst/>
+  </dgm:styleLbl>
+  <dgm:styleLbl name="fgAcc4">
+    <dgm:fillClrLst meth="repeat">
+      <a:schemeClr val="lt1">
+        <a:alpha val="90000"/>
+      </a:schemeClr>
+    </dgm:fillClrLst>
+    <dgm:linClrLst meth="repeat">
+      <a:schemeClr val="accent1"/>
+    </dgm:linClrLst>
+    <dgm:effectClrLst/>
+    <dgm:txLinClrLst/>
+    <dgm:txFillClrLst meth="repeat">
+      <a:schemeClr val="dk1"/>
+    </dgm:txFillClrLst>
+    <dgm:txEffectClrLst/>
+  </dgm:styleLbl>
+  <dgm:styleLbl name="bgShp">
+    <dgm:fillClrLst meth="repeat">
+      <a:schemeClr val="accent1">
+        <a:tint val="40000"/>
+      </a:schemeClr>
+    </dgm:fillClrLst>
+    <dgm:linClrLst meth="repeat">
+      <a:schemeClr val="accent1"/>
+    </dgm:linClrLst>
+    <dgm:effectClrLst/>
+    <dgm:txLinClrLst/>
+    <dgm:txFillClrLst meth="repeat">
+      <a:schemeClr val="dk1"/>
+    </dgm:txFillClrLst>
+    <dgm:txEffectClrLst/>
+  </dgm:styleLbl>
+  <dgm:styleLbl name="dkBgShp">
+    <dgm:fillClrLst meth="repeat">
+      <a:schemeClr val="accent1">
+        <a:shade val="80000"/>
+      </a:schemeClr>
+    </dgm:fillClrLst>
+    <dgm:linClrLst meth="repeat">
+      <a:schemeClr val="accent1"/>
+    </dgm:linClrLst>
+    <dgm:effectClrLst/>
+    <dgm:txLinClrLst/>
+    <dgm:txFillClrLst meth="repeat">
+      <a:schemeClr val="lt1"/>
+    </dgm:txFillClrLst>
+    <dgm:txEffectClrLst/>
+  </dgm:styleLbl>
+  <dgm:styleLbl name="trBgShp">
+    <dgm:fillClrLst meth="repeat">
+      <a:schemeClr val="accent1">
+        <a:tint val="50000"/>
+        <a:alpha val="40000"/>
+      </a:schemeClr>
+    </dgm:fillClrLst>
+    <dgm:linClrLst meth="repeat">
+      <a:schemeClr val="accent1"/>
+    </dgm:linClrLst>
+    <dgm:effectClrLst/>
+    <dgm:txLinClrLst/>
+    <dgm:txFillClrLst meth="repeat">
+      <a:schemeClr val="lt1"/>
+    </dgm:txFillClrLst>
+    <dgm:txEffectClrLst/>
+  </dgm:styleLbl>
+  <dgm:styleLbl name="fgShp">
+    <dgm:fillClrLst meth="repeat">
+      <a:schemeClr val="accent1">
+        <a:tint val="60000"/>
+      </a:schemeClr>
+    </dgm:fillClrLst>
+    <dgm:linClrLst meth="repeat">
+      <a:schemeClr val="lt1"/>
+    </dgm:linClrLst>
+    <dgm:effectClrLst/>
+    <dgm:txLinClrLst/>
+    <dgm:txFillClrLst meth="repeat">
+      <a:schemeClr val="dk1"/>
+    </dgm:txFillClrLst>
+    <dgm:txEffectClrLst/>
+  </dgm:styleLbl>
+  <dgm:styleLbl name="revTx">
+    <dgm:fillClrLst meth="repeat">
+      <a:schemeClr val="lt1">
+        <a:alpha val="0"/>
+      </a:schemeClr>
+    </dgm:fillClrLst>
+    <dgm:linClrLst meth="repeat">
+      <a:schemeClr val="dk1">
+        <a:alpha val="0"/>
+      </a:schemeClr>
+    </dgm:linClrLst>
+    <dgm:effectClrLst/>
+    <dgm:txLinClrLst/>
+    <dgm:txFillClrLst meth="repeat">
+      <a:schemeClr val="tx1"/>
+    </dgm:txFillClrLst>
+    <dgm:txEffectClrLst/>
+  </dgm:styleLbl>
+</dgm:colorsDef>
+</file>
+
+<file path=ppt/diagrams/colors2.xml><?xml version="1.0" encoding="utf-8"?>
+<dgm:colorsDef xmlns:dgm="http://schemas.openxmlformats.org/drawingml/2006/diagram" xmlns:a="http://schemas.openxmlformats.org/drawingml/2006/main" uniqueId="urn:microsoft.com/office/officeart/2005/8/colors/accent1_2">
+  <dgm:title val=""/>
+  <dgm:desc val=""/>
+  <dgm:catLst>
+    <dgm:cat type="accent1" pri="11200"/>
+  </dgm:catLst>
+  <dgm:styleLbl name="node0">
+    <dgm:fillClrLst meth="repeat">
+      <a:schemeClr val="accent1"/>
+    </dgm:fillClrLst>
+    <dgm:linClrLst meth="repeat">
+      <a:schemeClr val="lt1"/>
+    </dgm:linClrLst>
+    <dgm:effectClrLst/>
+    <dgm:txLinClrLst/>
+    <dgm:txFillClrLst/>
+    <dgm:txEffectClrLst/>
+  </dgm:styleLbl>
+  <dgm:styleLbl name="alignNode1">
+    <dgm:fillClrLst meth="repeat">
+      <a:schemeClr val="accent1"/>
+    </dgm:fillClrLst>
+    <dgm:linClrLst meth="repeat">
+      <a:schemeClr val="accent1"/>
+    </dgm:linClrLst>
+    <dgm:effectClrLst/>
+    <dgm:txLinClrLst/>
+    <dgm:txFillClrLst/>
+    <dgm:txEffectClrLst/>
+  </dgm:styleLbl>
+  <dgm:styleLbl name="node1">
+    <dgm:fillClrLst meth="repeat">
+      <a:schemeClr val="accent1"/>
+    </dgm:fillClrLst>
+    <dgm:linClrLst meth="repeat">
+      <a:schemeClr val="lt1"/>
+    </dgm:linClrLst>
+    <dgm:effectClrLst/>
+    <dgm:txLinClrLst/>
+    <dgm:txFillClrLst/>
+    <dgm:txEffectClrLst/>
+  </dgm:styleLbl>
+  <dgm:styleLbl name="lnNode1">
+    <dgm:fillClrLst meth="repeat">
+      <a:schemeClr val="accent1"/>
+    </dgm:fillClrLst>
+    <dgm:linClrLst meth="repeat">
+      <a:schemeClr val="lt1"/>
+    </dgm:linClrLst>
+    <dgm:effectClrLst/>
+    <dgm:txLinClrLst/>
+    <dgm:txFillClrLst/>
+    <dgm:txEffectClrLst/>
+  </dgm:styleLbl>
+  <dgm:styleLbl name="vennNode1">
+    <dgm:fillClrLst meth="repeat">
+      <a:schemeClr val="accent1">
+        <a:alpha val="50000"/>
+      </a:schemeClr>
+    </dgm:fillClrLst>
+    <dgm:linClrLst meth="repeat">
+      <a:schemeClr val="lt1"/>
+    </dgm:linClrLst>
+    <dgm:effectClrLst/>
+    <dgm:txLinClrLst/>
+    <dgm:txFillClrLst/>
+    <dgm:txEffectClrLst/>
+  </dgm:styleLbl>
+  <dgm:styleLbl name="node2">
+    <dgm:fillClrLst meth="repeat">
+      <a:schemeClr val="accent1"/>
+    </dgm:fillClrLst>
+    <dgm:linClrLst meth="repeat">
+      <a:schemeClr val="lt1"/>
+    </dgm:linClrLst>
+    <dgm:effectClrLst/>
+    <dgm:txLinClrLst/>
+    <dgm:txFillClrLst/>
+    <dgm:txEffectClrLst/>
+  </dgm:styleLbl>
+  <dgm:styleLbl name="node3">
+    <dgm:fillClrLst meth="repeat">
+      <a:schemeClr val="accent1"/>
+    </dgm:fillClrLst>
+    <dgm:linClrLst meth="repeat">
+      <a:schemeClr val="lt1"/>
+    </dgm:linClrLst>
+    <dgm:effectClrLst/>
+    <dgm:txLinClrLst/>
+    <dgm:txFillClrLst/>
+    <dgm:txEffectClrLst/>
+  </dgm:styleLbl>
+  <dgm:styleLbl name="node4">
+    <dgm:fillClrLst meth="repeat">
+      <a:schemeClr val="accent1"/>
+    </dgm:fillClrLst>
+    <dgm:linClrLst meth="repeat">
+      <a:schemeClr val="lt1"/>
+    </dgm:linClrLst>
+    <dgm:effectClrLst/>
+    <dgm:txLinClrLst/>
+    <dgm:txFillClrLst/>
+    <dgm:txEffectClrLst/>
+  </dgm:styleLbl>
+  <dgm:styleLbl name="fgImgPlace1">
+    <dgm:fillClrLst meth="repeat">
+      <a:schemeClr val="accent1">
+        <a:tint val="50000"/>
+      </a:schemeClr>
+    </dgm:fillClrLst>
+    <dgm:linClrLst meth="repeat">
+      <a:schemeClr val="lt1"/>
+    </dgm:linClrLst>
+    <dgm:effectClrLst/>
+    <dgm:txLinClrLst/>
+    <dgm:txFillClrLst meth="repeat">
+      <a:schemeClr val="lt1"/>
+    </dgm:txFillClrLst>
+    <dgm:txEffectClrLst/>
+  </dgm:styleLbl>
+  <dgm:styleLbl name="alignImgPlace1">
+    <dgm:fillClrLst meth="repeat">
+      <a:schemeClr val="accent1">
+        <a:tint val="50000"/>
+      </a:schemeClr>
+    </dgm:fillClrLst>
+    <dgm:linClrLst meth="repeat">
+      <a:schemeClr val="lt1"/>
+    </dgm:linClrLst>
+    <dgm:effectClrLst/>
+    <dgm:txLinClrLst/>
+    <dgm:txFillClrLst meth="repeat">
+      <a:schemeClr val="lt1"/>
+    </dgm:txFillClrLst>
+    <dgm:txEffectClrLst/>
+  </dgm:styleLbl>
+  <dgm:styleLbl name="bgImgPlace1">
+    <dgm:fillClrLst meth="repeat">
+      <a:schemeClr val="accent1">
+        <a:tint val="50000"/>
+      </a:schemeClr>
+    </dgm:fillClrLst>
+    <dgm:linClrLst meth="repeat">
+      <a:schemeClr val="lt1"/>
+    </dgm:linClrLst>
+    <dgm:effectClrLst/>
+    <dgm:txLinClrLst/>
+    <dgm:txFillClrLst meth="repeat">
+      <a:schemeClr val="lt1"/>
+    </dgm:txFillClrLst>
+    <dgm:txEffectClrLst/>
+  </dgm:styleLbl>
+  <dgm:styleLbl name="sibTrans2D1">
+    <dgm:fillClrLst meth="repeat">
+      <a:schemeClr val="accent1">
+        <a:tint val="60000"/>
+      </a:schemeClr>
+    </dgm:fillClrLst>
+    <dgm:linClrLst meth="repeat">
+      <a:schemeClr val="accent1">
+        <a:tint val="60000"/>
+      </a:schemeClr>
+    </dgm:linClrLst>
+    <dgm:effectClrLst/>
+    <dgm:txLinClrLst/>
+    <dgm:txFillClrLst/>
+    <dgm:txEffectClrLst/>
+  </dgm:styleLbl>
+  <dgm:styleLbl name="fgSibTrans2D1">
+    <dgm:fillClrLst meth="repeat">
+      <a:schemeClr val="accent1">
+        <a:tint val="60000"/>
+      </a:schemeClr>
+    </dgm:fillClrLst>
+    <dgm:linClrLst meth="repeat">
+      <a:schemeClr val="accent1">
+        <a:tint val="60000"/>
+      </a:schemeClr>
+    </dgm:linClrLst>
+    <dgm:effectClrLst/>
+    <dgm:txLinClrLst/>
+    <dgm:txFillClrLst/>
+    <dgm:txEffectClrLst/>
+  </dgm:styleLbl>
+  <dgm:styleLbl name="bgSibTrans2D1">
+    <dgm:fillClrLst meth="repeat">
+      <a:schemeClr val="accent1">
+        <a:tint val="60000"/>
+      </a:schemeClr>
+    </dgm:fillClrLst>
+    <dgm:linClrLst meth="repeat">
+      <a:schemeClr val="accent1">
+        <a:tint val="60000"/>
+      </a:schemeClr>
+    </dgm:linClrLst>
+    <dgm:effectClrLst/>
+    <dgm:txLinClrLst/>
+    <dgm:txFillClrLst/>
+    <dgm:txEffectClrLst/>
+  </dgm:styleLbl>
+  <dgm:styleLbl name="sibTrans1D1">
+    <dgm:fillClrLst meth="repeat">
+      <a:schemeClr val="accent1"/>
+    </dgm:fillClrLst>
+    <dgm:linClrLst meth="repeat">
+      <a:schemeClr val="accent1"/>
+    </dgm:linClrLst>
+    <dgm:effectClrLst/>
+    <dgm:txLinClrLst/>
+    <dgm:txFillClrLst meth="repeat">
+      <a:schemeClr val="tx1"/>
+    </dgm:txFillClrLst>
+    <dgm:txEffectClrLst/>
+  </dgm:styleLbl>
+  <dgm:styleLbl name="callout">
+    <dgm:fillClrLst meth="repeat">
+      <a:schemeClr val="accent1"/>
+    </dgm:fillClrLst>
+    <dgm:linClrLst meth="repeat">
+      <a:schemeClr val="accent1">
+        <a:tint val="50000"/>
+      </a:schemeClr>
+    </dgm:linClrLst>
+    <dgm:effectClrLst/>
+    <dgm:txLinClrLst/>
+    <dgm:txFillClrLst meth="repeat">
+      <a:schemeClr val="tx1"/>
+    </dgm:txFillClrLst>
+    <dgm:txEffectClrLst/>
+  </dgm:styleLbl>
+  <dgm:styleLbl name="asst0">
+    <dgm:fillClrLst meth="repeat">
+      <a:schemeClr val="accent1"/>
+    </dgm:fillClrLst>
+    <dgm:linClrLst meth="repeat">
+      <a:schemeClr val="lt1"/>
+    </dgm:linClrLst>
+    <dgm:effectClrLst/>
+    <dgm:txLinClrLst/>
+    <dgm:txFillClrLst/>
+    <dgm:txEffectClrLst/>
+  </dgm:styleLbl>
+  <dgm:styleLbl name="asst1">
+    <dgm:fillClrLst meth="repeat">
+      <a:schemeClr val="accent1"/>
+    </dgm:fillClrLst>
+    <dgm:linClrLst meth="repeat">
+      <a:schemeClr val="lt1"/>
+    </dgm:linClrLst>
+    <dgm:effectClrLst/>
+    <dgm:txLinClrLst/>
+    <dgm:txFillClrLst/>
+    <dgm:txEffectClrLst/>
+  </dgm:styleLbl>
+  <dgm:styleLbl name="asst2">
+    <dgm:fillClrLst meth="repeat">
+      <a:schemeClr val="accent1"/>
+    </dgm:fillClrLst>
+    <dgm:linClrLst meth="repeat">
+      <a:schemeClr val="lt1"/>
+    </dgm:linClrLst>
+    <dgm:effectClrLst/>
+    <dgm:txLinClrLst/>
+    <dgm:txFillClrLst/>
+    <dgm:txEffectClrLst/>
+  </dgm:styleLbl>
+  <dgm:styleLbl name="asst3">
+    <dgm:fillClrLst meth="repeat">
+      <a:schemeClr val="accent1"/>
+    </dgm:fillClrLst>
+    <dgm:linClrLst meth="repeat">
+      <a:schemeClr val="lt1"/>
+    </dgm:linClrLst>
+    <dgm:effectClrLst/>
+    <dgm:txLinClrLst/>
+    <dgm:txFillClrLst/>
+    <dgm:txEffectClrLst/>
+  </dgm:styleLbl>
+  <dgm:styleLbl name="asst4">
+    <dgm:fillClrLst meth="repeat">
+      <a:schemeClr val="accent1"/>
+    </dgm:fillClrLst>
+    <dgm:linClrLst meth="repeat">
+      <a:schemeClr val="lt1"/>
+    </dgm:linClrLst>
+    <dgm:effectClrLst/>
+    <dgm:txLinClrLst/>
+    <dgm:txFillClrLst/>
+    <dgm:txEffectClrLst/>
+  </dgm:styleLbl>
+  <dgm:styleLbl name="parChTrans2D1">
+    <dgm:fillClrLst meth="repeat">
+      <a:schemeClr val="accent1">
+        <a:tint val="60000"/>
+      </a:schemeClr>
+    </dgm:fillClrLst>
+    <dgm:linClrLst meth="repeat">
+      <a:schemeClr val="accent1">
+        <a:tint val="60000"/>
+      </a:schemeClr>
+    </dgm:linClrLst>
+    <dgm:effectClrLst/>
+    <dgm:txLinClrLst/>
+    <dgm:txFillClrLst meth="repeat">
+      <a:schemeClr val="lt1"/>
+    </dgm:txFillClrLst>
+    <dgm:txEffectClrLst/>
+  </dgm:styleLbl>
+  <dgm:styleLbl name="parChTrans2D2">
+    <dgm:fillClrLst meth="repeat">
+      <a:schemeClr val="accent1"/>
+    </dgm:fillClrLst>
+    <dgm:linClrLst meth="repeat">
+      <a:schemeClr val="accent1"/>
+    </dgm:linClrLst>
+    <dgm:effectClrLst/>
+    <dgm:txLinClrLst/>
+    <dgm:txFillClrLst meth="repeat">
+      <a:schemeClr val="lt1"/>
+    </dgm:txFillClrLst>
+    <dgm:txEffectClrLst/>
+  </dgm:styleLbl>
+  <dgm:styleLbl name="parChTrans2D3">
+    <dgm:fillClrLst meth="repeat">
+      <a:schemeClr val="accent1"/>
+    </dgm:fillClrLst>
+    <dgm:linClrLst meth="repeat">
+      <a:schemeClr val="accent1"/>
+    </dgm:linClrLst>
+    <dgm:effectClrLst/>
+    <dgm:txLinClrLst/>
+    <dgm:txFillClrLst meth="repeat">
+      <a:schemeClr val="lt1"/>
+    </dgm:txFillClrLst>
+    <dgm:txEffectClrLst/>
+  </dgm:styleLbl>
+  <dgm:styleLbl name="parChTrans2D4">
+    <dgm:fillClrLst meth="repeat">
+      <a:schemeClr val="accent1"/>
+    </dgm:fillClrLst>
+    <dgm:linClrLst meth="repeat">
+      <a:schemeClr val="accent1"/>
+    </dgm:linClrLst>
+    <dgm:effectClrLst/>
+    <dgm:txLinClrLst/>
+    <dgm:txFillClrLst meth="repeat">
+      <a:schemeClr val="lt1"/>
+    </dgm:txFillClrLst>
+    <dgm:txEffectClrLst/>
+  </dgm:styleLbl>
+  <dgm:styleLbl name="parChTrans1D1">
+    <dgm:fillClrLst meth="repeat">
+      <a:schemeClr val="accent1"/>
+    </dgm:fillClrLst>
+    <dgm:linClrLst meth="repeat">
+      <a:schemeClr val="accent1">
+        <a:shade val="60000"/>
+      </a:schemeClr>
+    </dgm:linClrLst>
+    <dgm:effectClrLst/>
+    <dgm:txLinClrLst/>
+    <dgm:txFillClrLst meth="repeat">
+      <a:schemeClr val="tx1"/>
+    </dgm:txFillClrLst>
+    <dgm:txEffectClrLst/>
+  </dgm:styleLbl>
+  <dgm:styleLbl name="parChTrans1D2">
+    <dgm:fillClrLst meth="repeat">
+      <a:schemeClr val="accent1"/>
+    </dgm:fillClrLst>
+    <dgm:linClrLst meth="repeat">
+      <a:schemeClr val="accent1">
+        <a:shade val="60000"/>
+      </a:schemeClr>
+    </dgm:linClrLst>
+    <dgm:effectClrLst/>
+    <dgm:txLinClrLst/>
+    <dgm:txFillClrLst meth="repeat">
+      <a:schemeClr val="tx1"/>
+    </dgm:txFillClrLst>
+    <dgm:txEffectClrLst/>
+  </dgm:styleLbl>
+  <dgm:styleLbl name="parChTrans1D3">
+    <dgm:fillClrLst meth="repeat">
+      <a:schemeClr val="accent1"/>
+    </dgm:fillClrLst>
+    <dgm:linClrLst meth="repeat">
+      <a:schemeClr val="accent1">
+        <a:shade val="80000"/>
+      </a:schemeClr>
+    </dgm:linClrLst>
+    <dgm:effectClrLst/>
+    <dgm:txLinClrLst/>
+    <dgm:txFillClrLst meth="repeat">
+      <a:schemeClr val="tx1"/>
+    </dgm:txFillClrLst>
+    <dgm:txEffectClrLst/>
+  </dgm:styleLbl>
+  <dgm:styleLbl name="parChTrans1D4">
+    <dgm:fillClrLst meth="repeat">
+      <a:schemeClr val="accent1"/>
+    </dgm:fillClrLst>
+    <dgm:linClrLst meth="repeat">
+      <a:schemeClr val="accent1">
+        <a:shade val="80000"/>
+      </a:schemeClr>
+    </dgm:linClrLst>
+    <dgm:effectClrLst/>
+    <dgm:txLinClrLst/>
+    <dgm:txFillClrLst meth="repeat">
+      <a:schemeClr val="tx1"/>
+    </dgm:txFillClrLst>
+    <dgm:txEffectClrLst/>
+  </dgm:styleLbl>
+  <dgm:styleLbl name="fgAcc1">
+    <dgm:fillClrLst meth="repeat">
+      <a:schemeClr val="lt1">
+        <a:alpha val="90000"/>
+      </a:schemeClr>
+    </dgm:fillClrLst>
+    <dgm:linClrLst meth="repeat">
+      <a:schemeClr val="accent1"/>
+    </dgm:linClrLst>
+    <dgm:effectClrLst/>
+    <dgm:txLinClrLst/>
+    <dgm:txFillClrLst meth="repeat">
+      <a:schemeClr val="dk1"/>
+    </dgm:txFillClrLst>
+    <dgm:txEffectClrLst/>
+  </dgm:styleLbl>
+  <dgm:styleLbl name="conFgAcc1">
+    <dgm:fillClrLst meth="repeat">
+      <a:schemeClr val="lt1">
+        <a:alpha val="90000"/>
+      </a:schemeClr>
+    </dgm:fillClrLst>
+    <dgm:linClrLst meth="repeat">
+      <a:schemeClr val="accent1"/>
+    </dgm:linClrLst>
+    <dgm:effectClrLst/>
+    <dgm:txLinClrLst/>
+    <dgm:txFillClrLst meth="repeat">
+      <a:schemeClr val="dk1"/>
+    </dgm:txFillClrLst>
+    <dgm:txEffectClrLst/>
+  </dgm:styleLbl>
+  <dgm:styleLbl name="alignAcc1">
+    <dgm:fillClrLst meth="repeat">
+      <a:schemeClr val="lt1">
+        <a:alpha val="90000"/>
+      </a:schemeClr>
+    </dgm:fillClrLst>
+    <dgm:linClrLst meth="repeat">
+      <a:schemeClr val="accent1"/>
+    </dgm:linClrLst>
+    <dgm:effectClrLst/>
+    <dgm:txLinClrLst/>
+    <dgm:txFillClrLst meth="repeat">
+      <a:schemeClr val="dk1"/>
+    </dgm:txFillClrLst>
+    <dgm:txEffectClrLst/>
+  </dgm:styleLbl>
+  <dgm:styleLbl name="trAlignAcc1">
+    <dgm:fillClrLst meth="repeat">
+      <a:schemeClr val="lt1">
+        <a:alpha val="40000"/>
+      </a:schemeClr>
+    </dgm:fillClrLst>
+    <dgm:linClrLst meth="repeat">
+      <a:schemeClr val="accent1"/>
+    </dgm:linClrLst>
+    <dgm:effectClrLst/>
+    <dgm:txLinClrLst/>
+    <dgm:txFillClrLst meth="repeat">
+      <a:schemeClr val="dk1"/>
+    </dgm:txFillClrLst>
+    <dgm:txEffectClrLst/>
+  </dgm:styleLbl>
+  <dgm:styleLbl name="bgAcc1">
+    <dgm:fillClrLst meth="repeat">
+      <a:schemeClr val="lt1">
+        <a:alpha val="90000"/>
+      </a:schemeClr>
+    </dgm:fillClrLst>
+    <dgm:linClrLst meth="repeat">
+      <a:schemeClr val="accent1"/>
+    </dgm:linClrLst>
+    <dgm:effectClrLst/>
+    <dgm:txLinClrLst/>
+    <dgm:txFillClrLst meth="repeat">
+      <a:schemeClr val="dk1"/>
+    </dgm:txFillClrLst>
+    <dgm:txEffectClrLst/>
+  </dgm:styleLbl>
+  <dgm:styleLbl name="solidFgAcc1">
+    <dgm:fillClrLst meth="repeat">
+      <a:schemeClr val="lt1"/>
+    </dgm:fillClrLst>
+    <dgm:linClrLst meth="repeat">
+      <a:schemeClr val="accent1"/>
+    </dgm:linClrLst>
+    <dgm:effectClrLst/>
+    <dgm:txLinClrLst/>
+    <dgm:txFillClrLst meth="repeat">
+      <a:schemeClr val="dk1"/>
+    </dgm:txFillClrLst>
+    <dgm:txEffectClrLst/>
+  </dgm:styleLbl>
+  <dgm:styleLbl name="solidAlignAcc1">
+    <dgm:fillClrLst meth="repeat">
+      <a:schemeClr val="lt1"/>
+    </dgm:fillClrLst>
+    <dgm:linClrLst meth="repeat">
+      <a:schemeClr val="accent1"/>
+    </dgm:linClrLst>
+    <dgm:effectClrLst/>
+    <dgm:txLinClrLst/>
+    <dgm:txFillClrLst meth="repeat">
+      <a:schemeClr val="dk1"/>
+    </dgm:txFillClrLst>
+    <dgm:txEffectClrLst/>
+  </dgm:styleLbl>
+  <dgm:styleLbl name="solidBgAcc1">
+    <dgm:fillClrLst meth="repeat">
+      <a:schemeClr val="lt1"/>
+    </dgm:fillClrLst>
+    <dgm:linClrLst meth="repeat">
+      <a:schemeClr val="accent1"/>
+    </dgm:linClrLst>
+    <dgm:effectClrLst/>
+    <dgm:txLinClrLst/>
+    <dgm:txFillClrLst meth="repeat">
+      <a:schemeClr val="dk1"/>
+    </dgm:txFillClrLst>
+    <dgm:txEffectClrLst/>
+  </dgm:styleLbl>
+  <dgm:styleLbl name="fgAccFollowNode1">
+    <dgm:fillClrLst meth="repeat">
+      <a:schemeClr val="accent1">
+        <a:alpha val="90000"/>
+        <a:tint val="40000"/>
+      </a:schemeClr>
+    </dgm:fillClrLst>
+    <dgm:linClrLst meth="repeat">
+      <a:schemeClr val="accent1">
+        <a:alpha val="90000"/>
+        <a:tint val="40000"/>
+      </a:schemeClr>
+    </dgm:linClrLst>
+    <dgm:effectClrLst/>
+    <dgm:txLinClrLst/>
+    <dgm:txFillClrLst meth="repeat">
+      <a:schemeClr val="dk1"/>
+    </dgm:txFillClrLst>
+    <dgm:txEffectClrLst/>
+  </dgm:styleLbl>
+  <dgm:styleLbl name="alignAccFollowNode1">
+    <dgm:fillClrLst meth="repeat">
+      <a:schemeClr val="accent1">
+        <a:alpha val="90000"/>
+        <a:tint val="40000"/>
+      </a:schemeClr>
+    </dgm:fillClrLst>
+    <dgm:linClrLst meth="repeat">
+      <a:schemeClr val="accent1">
+        <a:alpha val="90000"/>
+        <a:tint val="40000"/>
+      </a:schemeClr>
+    </dgm:linClrLst>
+    <dgm:effectClrLst/>
+    <dgm:txLinClrLst/>
+    <dgm:txFillClrLst meth="repeat">
+      <a:schemeClr val="dk1"/>
+    </dgm:txFillClrLst>
+    <dgm:txEffectClrLst/>
+  </dgm:styleLbl>
+  <dgm:styleLbl name="bgAccFollowNode1">
+    <dgm:fillClrLst meth="repeat">
+      <a:schemeClr val="accent1">
+        <a:alpha val="90000"/>
+        <a:tint val="40000"/>
+      </a:schemeClr>
+    </dgm:fillClrLst>
+    <dgm:linClrLst meth="repeat">
+      <a:schemeClr val="accent1">
+        <a:alpha val="90000"/>
+        <a:tint val="40000"/>
+      </a:schemeClr>
+    </dgm:linClrLst>
+    <dgm:effectClrLst/>
+    <dgm:txLinClrLst/>
+    <dgm:txFillClrLst meth="repeat">
+      <a:schemeClr val="dk1"/>
+    </dgm:txFillClrLst>
+    <dgm:txEffectClrLst/>
+  </dgm:styleLbl>
+  <dgm:styleLbl name="fgAcc0">
+    <dgm:fillClrLst meth="repeat">
+      <a:schemeClr val="lt1">
+        <a:alpha val="90000"/>
+      </a:schemeClr>
+    </dgm:fillClrLst>
+    <dgm:linClrLst meth="repeat">
+      <a:schemeClr val="accent1"/>
+    </dgm:linClrLst>
+    <dgm:effectClrLst/>
+    <dgm:txLinClrLst/>
+    <dgm:txFillClrLst meth="repeat">
+      <a:schemeClr val="dk1"/>
+    </dgm:txFillClrLst>
+    <dgm:txEffectClrLst/>
+  </dgm:styleLbl>
+  <dgm:styleLbl name="fgAcc2">
+    <dgm:fillClrLst meth="repeat">
+      <a:schemeClr val="lt1">
+        <a:alpha val="90000"/>
+      </a:schemeClr>
+    </dgm:fillClrLst>
+    <dgm:linClrLst meth="repeat">
+      <a:schemeClr val="accent1"/>
+    </dgm:linClrLst>
+    <dgm:effectClrLst/>
+    <dgm:txLinClrLst/>
+    <dgm:txFillClrLst meth="repeat">
+      <a:schemeClr val="dk1"/>
+    </dgm:txFillClrLst>
+    <dgm:txEffectClrLst/>
+  </dgm:styleLbl>
+  <dgm:styleLbl name="fgAcc3">
+    <dgm:fillClrLst meth="repeat">
+      <a:schemeClr val="lt1">
+        <a:alpha val="90000"/>
+      </a:schemeClr>
+    </dgm:fillClrLst>
+    <dgm:linClrLst meth="repeat">
+      <a:schemeClr val="accent1"/>
+    </dgm:linClrLst>
+    <dgm:effectClrLst/>
+    <dgm:txLinClrLst/>
+    <dgm:txFillClrLst meth="repeat">
+      <a:schemeClr val="dk1"/>
+    </dgm:txFillClrLst>
+    <dgm:txEffectClrLst/>
+  </dgm:styleLbl>
+  <dgm:styleLbl name="fgAcc4">
+    <dgm:fillClrLst meth="repeat">
+      <a:schemeClr val="lt1">
+        <a:alpha val="90000"/>
+      </a:schemeClr>
+    </dgm:fillClrLst>
+    <dgm:linClrLst meth="repeat">
+      <a:schemeClr val="accent1"/>
+    </dgm:linClrLst>
+    <dgm:effectClrLst/>
+    <dgm:txLinClrLst/>
+    <dgm:txFillClrLst meth="repeat">
+      <a:schemeClr val="dk1"/>
+    </dgm:txFillClrLst>
+    <dgm:txEffectClrLst/>
+  </dgm:styleLbl>
+  <dgm:styleLbl name="bgShp">
+    <dgm:fillClrLst meth="repeat">
+      <a:schemeClr val="accent1">
+        <a:tint val="40000"/>
+      </a:schemeClr>
+    </dgm:fillClrLst>
+    <dgm:linClrLst meth="repeat">
+      <a:schemeClr val="accent1"/>
+    </dgm:linClrLst>
+    <dgm:effectClrLst/>
+    <dgm:txLinClrLst/>
+    <dgm:txFillClrLst meth="repeat">
+      <a:schemeClr val="dk1"/>
+    </dgm:txFillClrLst>
+    <dgm:txEffectClrLst/>
+  </dgm:styleLbl>
+  <dgm:styleLbl name="dkBgShp">
+    <dgm:fillClrLst meth="repeat">
+      <a:schemeClr val="accent1">
+        <a:shade val="80000"/>
+      </a:schemeClr>
+    </dgm:fillClrLst>
+    <dgm:linClrLst meth="repeat">
+      <a:schemeClr val="accent1"/>
+    </dgm:linClrLst>
+    <dgm:effectClrLst/>
+    <dgm:txLinClrLst/>
+    <dgm:txFillClrLst meth="repeat">
+      <a:schemeClr val="lt1"/>
+    </dgm:txFillClrLst>
+    <dgm:txEffectClrLst/>
+  </dgm:styleLbl>
+  <dgm:styleLbl name="trBgShp">
+    <dgm:fillClrLst meth="repeat">
+      <a:schemeClr val="accent1">
+        <a:tint val="50000"/>
+        <a:alpha val="40000"/>
+      </a:schemeClr>
+    </dgm:fillClrLst>
+    <dgm:linClrLst meth="repeat">
+      <a:schemeClr val="accent1"/>
+    </dgm:linClrLst>
+    <dgm:effectClrLst/>
+    <dgm:txLinClrLst/>
+    <dgm:txFillClrLst meth="repeat">
+      <a:schemeClr val="lt1"/>
+    </dgm:txFillClrLst>
+    <dgm:txEffectClrLst/>
+  </dgm:styleLbl>
+  <dgm:styleLbl name="fgShp">
+    <dgm:fillClrLst meth="repeat">
+      <a:schemeClr val="accent1">
+        <a:tint val="60000"/>
+      </a:schemeClr>
+    </dgm:fillClrLst>
+    <dgm:linClrLst meth="repeat">
+      <a:schemeClr val="lt1"/>
+    </dgm:linClrLst>
+    <dgm:effectClrLst/>
+    <dgm:txLinClrLst/>
+    <dgm:txFillClrLst meth="repeat">
+      <a:schemeClr val="dk1"/>
+    </dgm:txFillClrLst>
+    <dgm:txEffectClrLst/>
+  </dgm:styleLbl>
+  <dgm:styleLbl name="revTx">
+    <dgm:fillClrLst meth="repeat">
+      <a:schemeClr val="lt1">
+        <a:alpha val="0"/>
+      </a:schemeClr>
+    </dgm:fillClrLst>
+    <dgm:linClrLst meth="repeat">
+      <a:schemeClr val="dk1">
+        <a:alpha val="0"/>
+      </a:schemeClr>
+    </dgm:linClrLst>
+    <dgm:effectClrLst/>
+    <dgm:txLinClrLst/>
+    <dgm:txFillClrLst meth="repeat">
+      <a:schemeClr val="tx1"/>
+    </dgm:txFillClrLst>
+    <dgm:txEffectClrLst/>
+  </dgm:styleLbl>
+</dgm:colorsDef>
+</file>
+
+<file path=ppt/diagrams/colors3.xml><?xml version="1.0" encoding="utf-8"?>
 <dgm:colorsDef xmlns:dgm="http://schemas.openxmlformats.org/drawingml/2006/diagram" xmlns:a="http://schemas.openxmlformats.org/drawingml/2006/main" uniqueId="urn:microsoft.com/office/officeart/2005/8/colors/accent1_2">
   <dgm:title val=""/>
   <dgm:desc val=""/>
@@ -1124,6 +2629,812 @@
     <dgm:cxn modelId="{64F6816E-E069-4C87-8DB1-20876B609D43}" type="presParOf" srcId="{DC64036A-7C19-4212-8EC2-DE26B5308B10}" destId="{59B14390-1747-499E-9ADD-5A07CDE7D3CE}" srcOrd="5" destOrd="0" presId="urn:microsoft.com/office/officeart/2008/layout/VerticalCurvedList"/>
     <dgm:cxn modelId="{4C65C8BE-5F24-44A9-B920-D9AEF0F49565}" type="presParOf" srcId="{DC64036A-7C19-4212-8EC2-DE26B5308B10}" destId="{798BF4AE-C693-46D9-B093-070F70FB0884}" srcOrd="6" destOrd="0" presId="urn:microsoft.com/office/officeart/2008/layout/VerticalCurvedList"/>
     <dgm:cxn modelId="{6DFC6F03-FBDB-474B-BD84-30D6DABBCC24}" type="presParOf" srcId="{798BF4AE-C693-46D9-B093-070F70FB0884}" destId="{EA13CE3D-8654-4FF0-ADE5-D2D767D7915D}" srcOrd="0" destOrd="0" presId="urn:microsoft.com/office/officeart/2008/layout/VerticalCurvedList"/>
+  </dgm:cxnLst>
+  <dgm:bg/>
+  <dgm:whole/>
+  <dgm:extLst>
+    <a:ext uri="http://schemas.microsoft.com/office/drawing/2008/diagram">
+      <dsp:dataModelExt xmlns:dsp="http://schemas.microsoft.com/office/drawing/2008/diagram" relId="rId8" minVer="http://schemas.openxmlformats.org/drawingml/2006/diagram"/>
+    </a:ext>
+  </dgm:extLst>
+</dgm:dataModel>
+</file>
+
+<file path=ppt/diagrams/data2.xml><?xml version="1.0" encoding="utf-8"?>
+<dgm:dataModel xmlns:dgm="http://schemas.openxmlformats.org/drawingml/2006/diagram" xmlns:a="http://schemas.openxmlformats.org/drawingml/2006/main">
+  <dgm:ptLst>
+    <dgm:pt modelId="{7075349F-293F-4BE7-BDFE-2F8F24C23ACB}" type="doc">
+      <dgm:prSet loTypeId="urn:microsoft.com/office/officeart/2009/3/layout/StepUpProcess" loCatId="process" qsTypeId="urn:microsoft.com/office/officeart/2005/8/quickstyle/simple1" qsCatId="simple" csTypeId="urn:microsoft.com/office/officeart/2005/8/colors/accent1_2" csCatId="accent1" phldr="1"/>
+      <dgm:spPr/>
+      <dgm:t>
+        <a:bodyPr/>
+        <a:lstStyle/>
+        <a:p>
+          <a:endParaRPr lang="en-IN"/>
+        </a:p>
+      </dgm:t>
+    </dgm:pt>
+    <dgm:pt modelId="{F45E9961-6030-450F-A5C3-25A6747781DC}">
+      <dgm:prSet phldrT="[Text]" custT="1"/>
+      <dgm:spPr/>
+      <dgm:t>
+        <a:bodyPr/>
+        <a:lstStyle/>
+        <a:p>
+          <a:pPr>
+            <a:buNone/>
+          </a:pPr>
+          <a:r>
+            <a:rPr lang="en-IN" sz="2400" b="1" dirty="0">
+              <a:solidFill>
+                <a:schemeClr val="bg1"/>
+              </a:solidFill>
+            </a:rPr>
+            <a:t>Performance Evaluation</a:t>
+          </a:r>
+        </a:p>
+        <a:p>
+          <a:pPr>
+            <a:buNone/>
+          </a:pPr>
+          <a:r>
+            <a:rPr lang="fr-FR" sz="2000" dirty="0" err="1">
+              <a:solidFill>
+                <a:schemeClr val="bg1"/>
+              </a:solidFill>
+            </a:rPr>
+            <a:t>Accuracy</a:t>
+          </a:r>
+          <a:r>
+            <a:rPr lang="fr-FR" sz="2000" dirty="0">
+              <a:solidFill>
+                <a:schemeClr val="bg1"/>
+              </a:solidFill>
+            </a:rPr>
+            <a:t>, Confusion Matrix, ROC/AUC </a:t>
+          </a:r>
+          <a:r>
+            <a:rPr lang="fr-FR" sz="2000" dirty="0" err="1">
+              <a:solidFill>
+                <a:schemeClr val="bg1"/>
+              </a:solidFill>
+            </a:rPr>
+            <a:t>analysis</a:t>
+          </a:r>
+          <a:endParaRPr lang="en-IN" sz="2000" dirty="0">
+            <a:solidFill>
+              <a:schemeClr val="bg1"/>
+            </a:solidFill>
+          </a:endParaRPr>
+        </a:p>
+      </dgm:t>
+    </dgm:pt>
+    <dgm:pt modelId="{E230813F-D78B-41C4-971C-308BF12890B8}" type="parTrans" cxnId="{464A9CA6-6BDC-4409-A684-79263DCA8ABA}">
+      <dgm:prSet/>
+      <dgm:spPr/>
+      <dgm:t>
+        <a:bodyPr/>
+        <a:lstStyle/>
+        <a:p>
+          <a:endParaRPr lang="en-IN"/>
+        </a:p>
+      </dgm:t>
+    </dgm:pt>
+    <dgm:pt modelId="{94CABCA4-B780-451A-A518-92855C8E38E9}" type="sibTrans" cxnId="{464A9CA6-6BDC-4409-A684-79263DCA8ABA}">
+      <dgm:prSet/>
+      <dgm:spPr/>
+      <dgm:t>
+        <a:bodyPr/>
+        <a:lstStyle/>
+        <a:p>
+          <a:endParaRPr lang="en-IN"/>
+        </a:p>
+      </dgm:t>
+    </dgm:pt>
+    <dgm:pt modelId="{32B0EF5B-D1D3-45E7-A7B4-8D799795022C}">
+      <dgm:prSet phldrT="[Text]" custT="1"/>
+      <dgm:spPr/>
+      <dgm:t>
+        <a:bodyPr/>
+        <a:lstStyle/>
+        <a:p>
+          <a:pPr>
+            <a:buNone/>
+          </a:pPr>
+          <a:r>
+            <a:rPr lang="en-IN" sz="2400" b="1" dirty="0">
+              <a:solidFill>
+                <a:schemeClr val="bg1"/>
+              </a:solidFill>
+            </a:rPr>
+            <a:t>Logistic Regression</a:t>
+          </a:r>
+        </a:p>
+        <a:p>
+          <a:pPr>
+            <a:buNone/>
+          </a:pPr>
+          <a:r>
+            <a:rPr lang="en-IN" sz="2000" dirty="0">
+              <a:solidFill>
+                <a:schemeClr val="bg1"/>
+              </a:solidFill>
+            </a:rPr>
+            <a:t>Simple, interpretable model for binary classification</a:t>
+          </a:r>
+        </a:p>
+      </dgm:t>
+    </dgm:pt>
+    <dgm:pt modelId="{39476D16-958C-4124-8154-A24F9F0EAFE5}" type="parTrans" cxnId="{A8DD9533-1D30-4C9C-8750-CDBC9C9A321A}">
+      <dgm:prSet/>
+      <dgm:spPr/>
+      <dgm:t>
+        <a:bodyPr/>
+        <a:lstStyle/>
+        <a:p>
+          <a:endParaRPr lang="en-IN"/>
+        </a:p>
+      </dgm:t>
+    </dgm:pt>
+    <dgm:pt modelId="{777A56B8-C12F-4617-BB00-5CDC5D7ABF27}" type="sibTrans" cxnId="{A8DD9533-1D30-4C9C-8750-CDBC9C9A321A}">
+      <dgm:prSet/>
+      <dgm:spPr/>
+      <dgm:t>
+        <a:bodyPr/>
+        <a:lstStyle/>
+        <a:p>
+          <a:endParaRPr lang="en-IN"/>
+        </a:p>
+      </dgm:t>
+    </dgm:pt>
+    <dgm:pt modelId="{93E4CF09-1F36-4C9C-875A-A50F41E0233F}">
+      <dgm:prSet phldrT="[Text]" custT="1"/>
+      <dgm:spPr/>
+      <dgm:t>
+        <a:bodyPr/>
+        <a:lstStyle/>
+        <a:p>
+          <a:pPr>
+            <a:buNone/>
+          </a:pPr>
+          <a:r>
+            <a:rPr lang="en-IN" sz="2400" b="1" dirty="0">
+              <a:solidFill>
+                <a:schemeClr val="bg1"/>
+              </a:solidFill>
+            </a:rPr>
+            <a:t>Data Split</a:t>
+          </a:r>
+        </a:p>
+        <a:p>
+          <a:pPr>
+            <a:buNone/>
+          </a:pPr>
+          <a:r>
+            <a:rPr lang="en-IN" sz="2000" dirty="0">
+              <a:solidFill>
+                <a:schemeClr val="bg1"/>
+              </a:solidFill>
+            </a:rPr>
+            <a:t>80% training data, 20% testing data for validation</a:t>
+          </a:r>
+        </a:p>
+      </dgm:t>
+    </dgm:pt>
+    <dgm:pt modelId="{CA8C8D12-A05D-4B2F-B521-6BD1D52B8553}" type="parTrans" cxnId="{491A8B85-C447-4432-8886-9076DFC9F199}">
+      <dgm:prSet/>
+      <dgm:spPr/>
+      <dgm:t>
+        <a:bodyPr/>
+        <a:lstStyle/>
+        <a:p>
+          <a:endParaRPr lang="en-IN"/>
+        </a:p>
+      </dgm:t>
+    </dgm:pt>
+    <dgm:pt modelId="{80F71437-C106-4E5F-9710-D6F61262EB7E}" type="sibTrans" cxnId="{491A8B85-C447-4432-8886-9076DFC9F199}">
+      <dgm:prSet/>
+      <dgm:spPr/>
+      <dgm:t>
+        <a:bodyPr/>
+        <a:lstStyle/>
+        <a:p>
+          <a:endParaRPr lang="en-IN"/>
+        </a:p>
+      </dgm:t>
+    </dgm:pt>
+    <dgm:pt modelId="{B638647D-72D9-4EA1-99F3-3E66CCEB4B75}" type="pres">
+      <dgm:prSet presAssocID="{7075349F-293F-4BE7-BDFE-2F8F24C23ACB}" presName="rootnode" presStyleCnt="0">
+        <dgm:presLayoutVars>
+          <dgm:chMax/>
+          <dgm:chPref/>
+          <dgm:dir/>
+          <dgm:animLvl val="lvl"/>
+        </dgm:presLayoutVars>
+      </dgm:prSet>
+      <dgm:spPr/>
+    </dgm:pt>
+    <dgm:pt modelId="{A768819D-0DAB-4231-9D95-F77F701953FE}" type="pres">
+      <dgm:prSet presAssocID="{F45E9961-6030-450F-A5C3-25A6747781DC}" presName="composite" presStyleCnt="0"/>
+      <dgm:spPr/>
+    </dgm:pt>
+    <dgm:pt modelId="{AF186FB2-D259-47E1-A24E-22B9D78641D2}" type="pres">
+      <dgm:prSet presAssocID="{F45E9961-6030-450F-A5C3-25A6747781DC}" presName="LShape" presStyleLbl="alignNode1" presStyleIdx="0" presStyleCnt="5"/>
+      <dgm:spPr/>
+    </dgm:pt>
+    <dgm:pt modelId="{5EBE55EC-818E-4B6F-B2F2-56DE9243F660}" type="pres">
+      <dgm:prSet presAssocID="{F45E9961-6030-450F-A5C3-25A6747781DC}" presName="ParentText" presStyleLbl="revTx" presStyleIdx="0" presStyleCnt="3">
+        <dgm:presLayoutVars>
+          <dgm:chMax val="0"/>
+          <dgm:chPref val="0"/>
+          <dgm:bulletEnabled val="1"/>
+        </dgm:presLayoutVars>
+      </dgm:prSet>
+      <dgm:spPr/>
+    </dgm:pt>
+    <dgm:pt modelId="{BFAB11C8-5B32-49B9-88C9-2AC6E1555768}" type="pres">
+      <dgm:prSet presAssocID="{F45E9961-6030-450F-A5C3-25A6747781DC}" presName="Triangle" presStyleLbl="alignNode1" presStyleIdx="1" presStyleCnt="5"/>
+      <dgm:spPr/>
+    </dgm:pt>
+    <dgm:pt modelId="{D2ABDE7C-09D3-4E4D-B1EB-F0557A8EA983}" type="pres">
+      <dgm:prSet presAssocID="{94CABCA4-B780-451A-A518-92855C8E38E9}" presName="sibTrans" presStyleCnt="0"/>
+      <dgm:spPr/>
+    </dgm:pt>
+    <dgm:pt modelId="{71334B64-EBA8-4474-97D8-7D8A2798453B}" type="pres">
+      <dgm:prSet presAssocID="{94CABCA4-B780-451A-A518-92855C8E38E9}" presName="space" presStyleCnt="0"/>
+      <dgm:spPr/>
+    </dgm:pt>
+    <dgm:pt modelId="{ECB01436-34AD-4099-A3AC-DFE7B124EDE3}" type="pres">
+      <dgm:prSet presAssocID="{32B0EF5B-D1D3-45E7-A7B4-8D799795022C}" presName="composite" presStyleCnt="0"/>
+      <dgm:spPr/>
+    </dgm:pt>
+    <dgm:pt modelId="{45B40D7C-42B4-4B34-9F99-936B00046E05}" type="pres">
+      <dgm:prSet presAssocID="{32B0EF5B-D1D3-45E7-A7B4-8D799795022C}" presName="LShape" presStyleLbl="alignNode1" presStyleIdx="2" presStyleCnt="5"/>
+      <dgm:spPr/>
+    </dgm:pt>
+    <dgm:pt modelId="{B7B55E85-37A3-45D2-8D64-9C8E35DC96F4}" type="pres">
+      <dgm:prSet presAssocID="{32B0EF5B-D1D3-45E7-A7B4-8D799795022C}" presName="ParentText" presStyleLbl="revTx" presStyleIdx="1" presStyleCnt="3">
+        <dgm:presLayoutVars>
+          <dgm:chMax val="0"/>
+          <dgm:chPref val="0"/>
+          <dgm:bulletEnabled val="1"/>
+        </dgm:presLayoutVars>
+      </dgm:prSet>
+      <dgm:spPr/>
+    </dgm:pt>
+    <dgm:pt modelId="{7EA4F5B1-8656-4D70-BDA6-9CB11BB1DE77}" type="pres">
+      <dgm:prSet presAssocID="{32B0EF5B-D1D3-45E7-A7B4-8D799795022C}" presName="Triangle" presStyleLbl="alignNode1" presStyleIdx="3" presStyleCnt="5"/>
+      <dgm:spPr/>
+    </dgm:pt>
+    <dgm:pt modelId="{0F16C263-3B8B-49CE-83E7-D6E98B843AE9}" type="pres">
+      <dgm:prSet presAssocID="{777A56B8-C12F-4617-BB00-5CDC5D7ABF27}" presName="sibTrans" presStyleCnt="0"/>
+      <dgm:spPr/>
+    </dgm:pt>
+    <dgm:pt modelId="{8C376E15-4FAA-444F-B0BE-A2E20D4590AD}" type="pres">
+      <dgm:prSet presAssocID="{777A56B8-C12F-4617-BB00-5CDC5D7ABF27}" presName="space" presStyleCnt="0"/>
+      <dgm:spPr/>
+    </dgm:pt>
+    <dgm:pt modelId="{0E71463B-C009-4A8F-BAFD-2DCAC2647965}" type="pres">
+      <dgm:prSet presAssocID="{93E4CF09-1F36-4C9C-875A-A50F41E0233F}" presName="composite" presStyleCnt="0"/>
+      <dgm:spPr/>
+    </dgm:pt>
+    <dgm:pt modelId="{C0433B9D-921E-45C1-B4EE-72760AE265C1}" type="pres">
+      <dgm:prSet presAssocID="{93E4CF09-1F36-4C9C-875A-A50F41E0233F}" presName="LShape" presStyleLbl="alignNode1" presStyleIdx="4" presStyleCnt="5"/>
+      <dgm:spPr/>
+    </dgm:pt>
+    <dgm:pt modelId="{3A508A04-A8B4-4F5A-BCC9-108A446313B9}" type="pres">
+      <dgm:prSet presAssocID="{93E4CF09-1F36-4C9C-875A-A50F41E0233F}" presName="ParentText" presStyleLbl="revTx" presStyleIdx="2" presStyleCnt="3">
+        <dgm:presLayoutVars>
+          <dgm:chMax val="0"/>
+          <dgm:chPref val="0"/>
+          <dgm:bulletEnabled val="1"/>
+        </dgm:presLayoutVars>
+      </dgm:prSet>
+      <dgm:spPr/>
+    </dgm:pt>
+  </dgm:ptLst>
+  <dgm:cxnLst>
+    <dgm:cxn modelId="{1603BA2C-96F6-45FA-88B3-07D26EC8978B}" type="presOf" srcId="{32B0EF5B-D1D3-45E7-A7B4-8D799795022C}" destId="{B7B55E85-37A3-45D2-8D64-9C8E35DC96F4}" srcOrd="0" destOrd="0" presId="urn:microsoft.com/office/officeart/2009/3/layout/StepUpProcess"/>
+    <dgm:cxn modelId="{2C3F2433-108D-4400-A5E6-8D37C1D5AE45}" type="presOf" srcId="{93E4CF09-1F36-4C9C-875A-A50F41E0233F}" destId="{3A508A04-A8B4-4F5A-BCC9-108A446313B9}" srcOrd="0" destOrd="0" presId="urn:microsoft.com/office/officeart/2009/3/layout/StepUpProcess"/>
+    <dgm:cxn modelId="{A8DD9533-1D30-4C9C-8750-CDBC9C9A321A}" srcId="{7075349F-293F-4BE7-BDFE-2F8F24C23ACB}" destId="{32B0EF5B-D1D3-45E7-A7B4-8D799795022C}" srcOrd="1" destOrd="0" parTransId="{39476D16-958C-4124-8154-A24F9F0EAFE5}" sibTransId="{777A56B8-C12F-4617-BB00-5CDC5D7ABF27}"/>
+    <dgm:cxn modelId="{491A8B85-C447-4432-8886-9076DFC9F199}" srcId="{7075349F-293F-4BE7-BDFE-2F8F24C23ACB}" destId="{93E4CF09-1F36-4C9C-875A-A50F41E0233F}" srcOrd="2" destOrd="0" parTransId="{CA8C8D12-A05D-4B2F-B521-6BD1D52B8553}" sibTransId="{80F71437-C106-4E5F-9710-D6F61262EB7E}"/>
+    <dgm:cxn modelId="{464A9CA6-6BDC-4409-A684-79263DCA8ABA}" srcId="{7075349F-293F-4BE7-BDFE-2F8F24C23ACB}" destId="{F45E9961-6030-450F-A5C3-25A6747781DC}" srcOrd="0" destOrd="0" parTransId="{E230813F-D78B-41C4-971C-308BF12890B8}" sibTransId="{94CABCA4-B780-451A-A518-92855C8E38E9}"/>
+    <dgm:cxn modelId="{48019DE4-8EDB-4504-8136-4EFFFB10C947}" type="presOf" srcId="{7075349F-293F-4BE7-BDFE-2F8F24C23ACB}" destId="{B638647D-72D9-4EA1-99F3-3E66CCEB4B75}" srcOrd="0" destOrd="0" presId="urn:microsoft.com/office/officeart/2009/3/layout/StepUpProcess"/>
+    <dgm:cxn modelId="{B283A3FC-DB9B-494C-8674-CC61C8F20CFA}" type="presOf" srcId="{F45E9961-6030-450F-A5C3-25A6747781DC}" destId="{5EBE55EC-818E-4B6F-B2F2-56DE9243F660}" srcOrd="0" destOrd="0" presId="urn:microsoft.com/office/officeart/2009/3/layout/StepUpProcess"/>
+    <dgm:cxn modelId="{7CA8870C-3421-4897-A54E-12186DF710DB}" type="presParOf" srcId="{B638647D-72D9-4EA1-99F3-3E66CCEB4B75}" destId="{A768819D-0DAB-4231-9D95-F77F701953FE}" srcOrd="0" destOrd="0" presId="urn:microsoft.com/office/officeart/2009/3/layout/StepUpProcess"/>
+    <dgm:cxn modelId="{D13B3B38-47F3-4127-B3C5-B3F72BEEFB89}" type="presParOf" srcId="{A768819D-0DAB-4231-9D95-F77F701953FE}" destId="{AF186FB2-D259-47E1-A24E-22B9D78641D2}" srcOrd="0" destOrd="0" presId="urn:microsoft.com/office/officeart/2009/3/layout/StepUpProcess"/>
+    <dgm:cxn modelId="{D502F2C7-4FC8-4874-B142-29E87DEE92B0}" type="presParOf" srcId="{A768819D-0DAB-4231-9D95-F77F701953FE}" destId="{5EBE55EC-818E-4B6F-B2F2-56DE9243F660}" srcOrd="1" destOrd="0" presId="urn:microsoft.com/office/officeart/2009/3/layout/StepUpProcess"/>
+    <dgm:cxn modelId="{40955F7E-8EBF-4EC0-9274-E20A783F9904}" type="presParOf" srcId="{A768819D-0DAB-4231-9D95-F77F701953FE}" destId="{BFAB11C8-5B32-49B9-88C9-2AC6E1555768}" srcOrd="2" destOrd="0" presId="urn:microsoft.com/office/officeart/2009/3/layout/StepUpProcess"/>
+    <dgm:cxn modelId="{28854AAB-6647-4ACC-9592-179E92F8CF5C}" type="presParOf" srcId="{B638647D-72D9-4EA1-99F3-3E66CCEB4B75}" destId="{D2ABDE7C-09D3-4E4D-B1EB-F0557A8EA983}" srcOrd="1" destOrd="0" presId="urn:microsoft.com/office/officeart/2009/3/layout/StepUpProcess"/>
+    <dgm:cxn modelId="{0E8A1621-04EB-4BA3-B86E-0886DE04C35D}" type="presParOf" srcId="{D2ABDE7C-09D3-4E4D-B1EB-F0557A8EA983}" destId="{71334B64-EBA8-4474-97D8-7D8A2798453B}" srcOrd="0" destOrd="0" presId="urn:microsoft.com/office/officeart/2009/3/layout/StepUpProcess"/>
+    <dgm:cxn modelId="{012D2BB0-A802-4D90-A6EF-D4F00EBE23F6}" type="presParOf" srcId="{B638647D-72D9-4EA1-99F3-3E66CCEB4B75}" destId="{ECB01436-34AD-4099-A3AC-DFE7B124EDE3}" srcOrd="2" destOrd="0" presId="urn:microsoft.com/office/officeart/2009/3/layout/StepUpProcess"/>
+    <dgm:cxn modelId="{28A21315-0DC4-4BB3-AE69-850B77590C07}" type="presParOf" srcId="{ECB01436-34AD-4099-A3AC-DFE7B124EDE3}" destId="{45B40D7C-42B4-4B34-9F99-936B00046E05}" srcOrd="0" destOrd="0" presId="urn:microsoft.com/office/officeart/2009/3/layout/StepUpProcess"/>
+    <dgm:cxn modelId="{DA5E41EA-BD0D-49AF-B059-03AFD6DA99CA}" type="presParOf" srcId="{ECB01436-34AD-4099-A3AC-DFE7B124EDE3}" destId="{B7B55E85-37A3-45D2-8D64-9C8E35DC96F4}" srcOrd="1" destOrd="0" presId="urn:microsoft.com/office/officeart/2009/3/layout/StepUpProcess"/>
+    <dgm:cxn modelId="{227B7C7B-3E69-40C1-BCE0-AF853828C801}" type="presParOf" srcId="{ECB01436-34AD-4099-A3AC-DFE7B124EDE3}" destId="{7EA4F5B1-8656-4D70-BDA6-9CB11BB1DE77}" srcOrd="2" destOrd="0" presId="urn:microsoft.com/office/officeart/2009/3/layout/StepUpProcess"/>
+    <dgm:cxn modelId="{E40F573E-FFEC-4D88-B2A6-119806537492}" type="presParOf" srcId="{B638647D-72D9-4EA1-99F3-3E66CCEB4B75}" destId="{0F16C263-3B8B-49CE-83E7-D6E98B843AE9}" srcOrd="3" destOrd="0" presId="urn:microsoft.com/office/officeart/2009/3/layout/StepUpProcess"/>
+    <dgm:cxn modelId="{A306861D-5579-4970-BD47-EC4C4065A2E2}" type="presParOf" srcId="{0F16C263-3B8B-49CE-83E7-D6E98B843AE9}" destId="{8C376E15-4FAA-444F-B0BE-A2E20D4590AD}" srcOrd="0" destOrd="0" presId="urn:microsoft.com/office/officeart/2009/3/layout/StepUpProcess"/>
+    <dgm:cxn modelId="{B3644F4C-450C-49CA-A66B-14951598D3FD}" type="presParOf" srcId="{B638647D-72D9-4EA1-99F3-3E66CCEB4B75}" destId="{0E71463B-C009-4A8F-BAFD-2DCAC2647965}" srcOrd="4" destOrd="0" presId="urn:microsoft.com/office/officeart/2009/3/layout/StepUpProcess"/>
+    <dgm:cxn modelId="{67B9F70D-007F-4782-8F19-714E33A40A70}" type="presParOf" srcId="{0E71463B-C009-4A8F-BAFD-2DCAC2647965}" destId="{C0433B9D-921E-45C1-B4EE-72760AE265C1}" srcOrd="0" destOrd="0" presId="urn:microsoft.com/office/officeart/2009/3/layout/StepUpProcess"/>
+    <dgm:cxn modelId="{E32BF8E2-59B1-4A86-8C06-97FE52092A6D}" type="presParOf" srcId="{0E71463B-C009-4A8F-BAFD-2DCAC2647965}" destId="{3A508A04-A8B4-4F5A-BCC9-108A446313B9}" srcOrd="1" destOrd="0" presId="urn:microsoft.com/office/officeart/2009/3/layout/StepUpProcess"/>
+  </dgm:cxnLst>
+  <dgm:bg/>
+  <dgm:whole/>
+  <dgm:extLst>
+    <a:ext uri="http://schemas.microsoft.com/office/drawing/2008/diagram">
+      <dsp:dataModelExt xmlns:dsp="http://schemas.microsoft.com/office/drawing/2008/diagram" relId="rId8" minVer="http://schemas.openxmlformats.org/drawingml/2006/diagram"/>
+    </a:ext>
+  </dgm:extLst>
+</dgm:dataModel>
+</file>
+
+<file path=ppt/diagrams/data3.xml><?xml version="1.0" encoding="utf-8"?>
+<dgm:dataModel xmlns:dgm="http://schemas.openxmlformats.org/drawingml/2006/diagram" xmlns:a="http://schemas.openxmlformats.org/drawingml/2006/main">
+  <dgm:ptLst>
+    <dgm:pt modelId="{7F1967DA-88F9-491B-86B9-156494BF14CA}" type="doc">
+      <dgm:prSet loTypeId="urn:microsoft.com/office/officeart/2005/8/layout/bList2" loCatId="list" qsTypeId="urn:microsoft.com/office/officeart/2005/8/quickstyle/simple1" qsCatId="simple" csTypeId="urn:microsoft.com/office/officeart/2005/8/colors/accent1_2" csCatId="accent1" phldr="1"/>
+      <dgm:spPr/>
+      <dgm:t>
+        <a:bodyPr/>
+        <a:lstStyle/>
+        <a:p>
+          <a:endParaRPr lang="en-IN"/>
+        </a:p>
+      </dgm:t>
+    </dgm:pt>
+    <dgm:pt modelId="{F4BE96FB-3A3C-4DC8-AE63-52DEE770275A}">
+      <dgm:prSet phldrT="[Text]" custT="1"/>
+      <dgm:spPr/>
+      <dgm:t>
+        <a:bodyPr/>
+        <a:lstStyle/>
+        <a:p>
+          <a:pPr>
+            <a:buNone/>
+          </a:pPr>
+          <a:r>
+            <a:rPr lang="en-IN" sz="1800" b="1" dirty="0">
+              <a:latin typeface="Cambria" panose="02040503050406030204" pitchFamily="18" charset="0"/>
+              <a:ea typeface="Cambria" panose="02040503050406030204" pitchFamily="18" charset="0"/>
+            </a:rPr>
+            <a:t>Successful Prediction</a:t>
+          </a:r>
+          <a:endParaRPr lang="en-IN" sz="1800" dirty="0">
+            <a:latin typeface="Cambria" panose="02040503050406030204" pitchFamily="18" charset="0"/>
+            <a:ea typeface="Cambria" panose="02040503050406030204" pitchFamily="18" charset="0"/>
+          </a:endParaRPr>
+        </a:p>
+      </dgm:t>
+    </dgm:pt>
+    <dgm:pt modelId="{D76010AE-71C1-49BB-86CE-18451C43B577}" type="parTrans" cxnId="{CF7716D2-6515-43C3-9880-2973B22303BB}">
+      <dgm:prSet/>
+      <dgm:spPr/>
+      <dgm:t>
+        <a:bodyPr/>
+        <a:lstStyle/>
+        <a:p>
+          <a:endParaRPr lang="en-IN"/>
+        </a:p>
+      </dgm:t>
+    </dgm:pt>
+    <dgm:pt modelId="{30CF7097-0C32-44E3-973C-79A85250006C}" type="sibTrans" cxnId="{CF7716D2-6515-43C3-9880-2973B22303BB}">
+      <dgm:prSet/>
+      <dgm:spPr/>
+      <dgm:t>
+        <a:bodyPr/>
+        <a:lstStyle/>
+        <a:p>
+          <a:endParaRPr lang="en-IN"/>
+        </a:p>
+      </dgm:t>
+    </dgm:pt>
+    <dgm:pt modelId="{6AE308EC-F4D2-4FC8-9144-ABE673E6733F}">
+      <dgm:prSet phldrT="[Text]" custT="1"/>
+      <dgm:spPr/>
+      <dgm:t>
+        <a:bodyPr/>
+        <a:lstStyle/>
+        <a:p>
+          <a:pPr>
+            <a:buNone/>
+          </a:pPr>
+          <a:r>
+            <a:rPr lang="en-IN" sz="1800" b="1" dirty="0">
+              <a:latin typeface="Cambria" panose="02040503050406030204" pitchFamily="18" charset="0"/>
+              <a:ea typeface="Cambria" panose="02040503050406030204" pitchFamily="18" charset="0"/>
+            </a:rPr>
+            <a:t>Key Risk Factors</a:t>
+          </a:r>
+          <a:endParaRPr lang="en-IN" sz="1800" dirty="0">
+            <a:latin typeface="Cambria" panose="02040503050406030204" pitchFamily="18" charset="0"/>
+            <a:ea typeface="Cambria" panose="02040503050406030204" pitchFamily="18" charset="0"/>
+          </a:endParaRPr>
+        </a:p>
+      </dgm:t>
+    </dgm:pt>
+    <dgm:pt modelId="{31826176-7F6F-4116-8122-0447072B209B}" type="parTrans" cxnId="{FE3B6FFA-056D-4DA0-857C-F60C7FE07107}">
+      <dgm:prSet/>
+      <dgm:spPr/>
+      <dgm:t>
+        <a:bodyPr/>
+        <a:lstStyle/>
+        <a:p>
+          <a:endParaRPr lang="en-IN"/>
+        </a:p>
+      </dgm:t>
+    </dgm:pt>
+    <dgm:pt modelId="{67A974DC-BC57-4CB3-833B-7C19835A95B2}" type="sibTrans" cxnId="{FE3B6FFA-056D-4DA0-857C-F60C7FE07107}">
+      <dgm:prSet/>
+      <dgm:spPr/>
+      <dgm:t>
+        <a:bodyPr/>
+        <a:lstStyle/>
+        <a:p>
+          <a:endParaRPr lang="en-IN"/>
+        </a:p>
+      </dgm:t>
+    </dgm:pt>
+    <dgm:pt modelId="{AD18EC7D-7463-48F4-90FE-C8288B69AB91}">
+      <dgm:prSet phldrT="[Text]" custT="1"/>
+      <dgm:spPr/>
+      <dgm:t>
+        <a:bodyPr/>
+        <a:lstStyle/>
+        <a:p>
+          <a:r>
+            <a:rPr lang="en-IN" sz="1800" b="1" dirty="0">
+              <a:latin typeface="Cambria" panose="02040503050406030204" pitchFamily="18" charset="0"/>
+              <a:ea typeface="Cambria" panose="02040503050406030204" pitchFamily="18" charset="0"/>
+            </a:rPr>
+            <a:t>Future Improvements</a:t>
+          </a:r>
+          <a:endParaRPr lang="en-IN" sz="1800" dirty="0">
+            <a:latin typeface="Cambria" panose="02040503050406030204" pitchFamily="18" charset="0"/>
+            <a:ea typeface="Cambria" panose="02040503050406030204" pitchFamily="18" charset="0"/>
+          </a:endParaRPr>
+        </a:p>
+      </dgm:t>
+    </dgm:pt>
+    <dgm:pt modelId="{D33C2D6D-5910-4852-A21E-F1A005E0D97A}" type="parTrans" cxnId="{1261C94A-F578-40B8-ADC9-08CCE34CA8D5}">
+      <dgm:prSet/>
+      <dgm:spPr/>
+      <dgm:t>
+        <a:bodyPr/>
+        <a:lstStyle/>
+        <a:p>
+          <a:endParaRPr lang="en-IN"/>
+        </a:p>
+      </dgm:t>
+    </dgm:pt>
+    <dgm:pt modelId="{E0691838-E46F-4B79-8E4A-A944B44AB091}" type="sibTrans" cxnId="{1261C94A-F578-40B8-ADC9-08CCE34CA8D5}">
+      <dgm:prSet/>
+      <dgm:spPr/>
+      <dgm:t>
+        <a:bodyPr/>
+        <a:lstStyle/>
+        <a:p>
+          <a:endParaRPr lang="en-IN"/>
+        </a:p>
+      </dgm:t>
+    </dgm:pt>
+    <dgm:pt modelId="{A442149F-1563-4795-B690-81418EB19A32}">
+      <dgm:prSet custT="1"/>
+      <dgm:spPr/>
+      <dgm:t>
+        <a:bodyPr/>
+        <a:lstStyle/>
+        <a:p>
+          <a:pPr>
+            <a:buNone/>
+          </a:pPr>
+          <a:r>
+            <a:rPr lang="en-US" sz="2000" dirty="0"/>
+            <a:t>    Machine learning model achieved good accuracy in predicting heart disease risk using health features</a:t>
+          </a:r>
+          <a:endParaRPr lang="en-IN" sz="2000" dirty="0"/>
+        </a:p>
+      </dgm:t>
+    </dgm:pt>
+    <dgm:pt modelId="{3044E154-4DF9-4E54-A160-E967E21EBC8D}" type="parTrans" cxnId="{238B1259-B556-400C-929E-CB3860C5889B}">
+      <dgm:prSet/>
+      <dgm:spPr/>
+      <dgm:t>
+        <a:bodyPr/>
+        <a:lstStyle/>
+        <a:p>
+          <a:endParaRPr lang="en-IN"/>
+        </a:p>
+      </dgm:t>
+    </dgm:pt>
+    <dgm:pt modelId="{10A8432F-76B8-4D8F-A1ED-18EF7C16BFED}" type="sibTrans" cxnId="{238B1259-B556-400C-929E-CB3860C5889B}">
+      <dgm:prSet/>
+      <dgm:spPr/>
+      <dgm:t>
+        <a:bodyPr/>
+        <a:lstStyle/>
+        <a:p>
+          <a:endParaRPr lang="en-IN"/>
+        </a:p>
+      </dgm:t>
+    </dgm:pt>
+    <dgm:pt modelId="{C3247D68-DF43-4818-A867-23222BB94E22}">
+      <dgm:prSet custT="1"/>
+      <dgm:spPr/>
+      <dgm:t>
+        <a:bodyPr/>
+        <a:lstStyle/>
+        <a:p>
+          <a:pPr>
+            <a:buNone/>
+          </a:pPr>
+          <a:r>
+            <a:rPr lang="en-US" sz="2000" dirty="0"/>
+            <a:t>    Age, BMI, and blood pressure emerged as the most influential predictors of cardiovascular risk</a:t>
+          </a:r>
+          <a:endParaRPr lang="en-IN" sz="2000" dirty="0"/>
+        </a:p>
+      </dgm:t>
+    </dgm:pt>
+    <dgm:pt modelId="{BE2F89C1-6D1F-4087-AD21-402517B62D8B}" type="parTrans" cxnId="{5905FBE9-EBBC-44B2-A940-2895CAA6C27B}">
+      <dgm:prSet/>
+      <dgm:spPr/>
+      <dgm:t>
+        <a:bodyPr/>
+        <a:lstStyle/>
+        <a:p>
+          <a:endParaRPr lang="en-IN"/>
+        </a:p>
+      </dgm:t>
+    </dgm:pt>
+    <dgm:pt modelId="{C26A30F6-BB0E-45AD-B206-CDDA8BA5F0A0}" type="sibTrans" cxnId="{5905FBE9-EBBC-44B2-A940-2895CAA6C27B}">
+      <dgm:prSet/>
+      <dgm:spPr/>
+      <dgm:t>
+        <a:bodyPr/>
+        <a:lstStyle/>
+        <a:p>
+          <a:endParaRPr lang="en-IN"/>
+        </a:p>
+      </dgm:t>
+    </dgm:pt>
+    <dgm:pt modelId="{AD2C470C-6363-4160-B96B-7DBACB92C830}">
+      <dgm:prSet custT="1"/>
+      <dgm:spPr/>
+      <dgm:t>
+        <a:bodyPr/>
+        <a:lstStyle/>
+        <a:p>
+          <a:pPr>
+            <a:buNone/>
+          </a:pPr>
+          <a:r>
+            <a:rPr lang="en-US" sz="2000" dirty="0"/>
+            <a:t>    Enhanced accuracy possible with more data and advanced models for better clinical decision support </a:t>
+          </a:r>
+          <a:endParaRPr lang="en-IN" sz="2000" dirty="0"/>
+        </a:p>
+      </dgm:t>
+    </dgm:pt>
+    <dgm:pt modelId="{1BD60832-8D98-49A9-998A-E72B8CEFBCC6}" type="parTrans" cxnId="{82B2D431-AC73-4FAF-96BD-71B0C8EF7D88}">
+      <dgm:prSet/>
+      <dgm:spPr/>
+      <dgm:t>
+        <a:bodyPr/>
+        <a:lstStyle/>
+        <a:p>
+          <a:endParaRPr lang="en-IN"/>
+        </a:p>
+      </dgm:t>
+    </dgm:pt>
+    <dgm:pt modelId="{FDF3FEDB-934A-49F6-8713-E3F4BBF47E71}" type="sibTrans" cxnId="{82B2D431-AC73-4FAF-96BD-71B0C8EF7D88}">
+      <dgm:prSet/>
+      <dgm:spPr/>
+      <dgm:t>
+        <a:bodyPr/>
+        <a:lstStyle/>
+        <a:p>
+          <a:endParaRPr lang="en-IN"/>
+        </a:p>
+      </dgm:t>
+    </dgm:pt>
+    <dgm:pt modelId="{4225C31B-783C-4627-9275-F839EDF6A7F6}" type="pres">
+      <dgm:prSet presAssocID="{7F1967DA-88F9-491B-86B9-156494BF14CA}" presName="diagram" presStyleCnt="0">
+        <dgm:presLayoutVars>
+          <dgm:dir/>
+          <dgm:animLvl val="lvl"/>
+          <dgm:resizeHandles val="exact"/>
+        </dgm:presLayoutVars>
+      </dgm:prSet>
+      <dgm:spPr/>
+    </dgm:pt>
+    <dgm:pt modelId="{9794E039-6027-407F-B34F-78C7D524113D}" type="pres">
+      <dgm:prSet presAssocID="{F4BE96FB-3A3C-4DC8-AE63-52DEE770275A}" presName="compNode" presStyleCnt="0"/>
+      <dgm:spPr/>
+    </dgm:pt>
+    <dgm:pt modelId="{6F8502EB-7119-4122-A156-907DE11CF675}" type="pres">
+      <dgm:prSet presAssocID="{F4BE96FB-3A3C-4DC8-AE63-52DEE770275A}" presName="childRect" presStyleLbl="bgAcc1" presStyleIdx="0" presStyleCnt="3">
+        <dgm:presLayoutVars>
+          <dgm:bulletEnabled val="1"/>
+        </dgm:presLayoutVars>
+      </dgm:prSet>
+      <dgm:spPr/>
+    </dgm:pt>
+    <dgm:pt modelId="{17C0F3EC-5E38-467A-B34D-FBA3A7AA0C67}" type="pres">
+      <dgm:prSet presAssocID="{F4BE96FB-3A3C-4DC8-AE63-52DEE770275A}" presName="parentText" presStyleLbl="node1" presStyleIdx="0" presStyleCnt="0">
+        <dgm:presLayoutVars>
+          <dgm:chMax val="0"/>
+          <dgm:bulletEnabled val="1"/>
+        </dgm:presLayoutVars>
+      </dgm:prSet>
+      <dgm:spPr/>
+    </dgm:pt>
+    <dgm:pt modelId="{DA3F2A58-184E-4A71-8598-F780E58847BF}" type="pres">
+      <dgm:prSet presAssocID="{F4BE96FB-3A3C-4DC8-AE63-52DEE770275A}" presName="parentRect" presStyleLbl="alignNode1" presStyleIdx="0" presStyleCnt="3"/>
+      <dgm:spPr/>
+    </dgm:pt>
+    <dgm:pt modelId="{31C96DB0-651A-4D96-B8EB-0C930DF3AF1A}" type="pres">
+      <dgm:prSet presAssocID="{F4BE96FB-3A3C-4DC8-AE63-52DEE770275A}" presName="adorn" presStyleLbl="fgAccFollowNode1" presStyleIdx="0" presStyleCnt="3"/>
+      <dgm:spPr>
+        <a:blipFill>
+          <a:blip xmlns:r="http://schemas.openxmlformats.org/officeDocument/2006/relationships" r:embed="rId1">
+            <a:extLst>
+              <a:ext uri="{96DAC541-7B7A-43D3-8B79-37D633B846F1}">
+                <asvg:svgBlip xmlns:asvg="http://schemas.microsoft.com/office/drawing/2016/SVG/main" r:embed="rId2"/>
+              </a:ext>
+            </a:extLst>
+          </a:blip>
+          <a:srcRect/>
+          <a:stretch>
+            <a:fillRect/>
+          </a:stretch>
+        </a:blipFill>
+      </dgm:spPr>
+      <dgm:extLst>
+        <a:ext uri="{E40237B7-FDA0-4F09-8148-C483321AD2D9}">
+          <dgm14:cNvPr xmlns:dgm14="http://schemas.microsoft.com/office/drawing/2010/diagram" id="0" name="" descr="Checkmark with solid fill"/>
+        </a:ext>
+      </dgm:extLst>
+    </dgm:pt>
+    <dgm:pt modelId="{D9F5EE10-ADD7-4443-90C8-760016C8F371}" type="pres">
+      <dgm:prSet presAssocID="{30CF7097-0C32-44E3-973C-79A85250006C}" presName="sibTrans" presStyleLbl="sibTrans2D1" presStyleIdx="0" presStyleCnt="0"/>
+      <dgm:spPr/>
+    </dgm:pt>
+    <dgm:pt modelId="{84A16124-B089-4DE2-9262-9DCA03CB5F7C}" type="pres">
+      <dgm:prSet presAssocID="{6AE308EC-F4D2-4FC8-9144-ABE673E6733F}" presName="compNode" presStyleCnt="0"/>
+      <dgm:spPr/>
+    </dgm:pt>
+    <dgm:pt modelId="{2E68B11A-3D9E-471F-B173-1114CD6789E9}" type="pres">
+      <dgm:prSet presAssocID="{6AE308EC-F4D2-4FC8-9144-ABE673E6733F}" presName="childRect" presStyleLbl="bgAcc1" presStyleIdx="1" presStyleCnt="3">
+        <dgm:presLayoutVars>
+          <dgm:bulletEnabled val="1"/>
+        </dgm:presLayoutVars>
+      </dgm:prSet>
+      <dgm:spPr/>
+    </dgm:pt>
+    <dgm:pt modelId="{FFAB2B5F-EF0A-42FC-B8D5-D7F586BC1BF4}" type="pres">
+      <dgm:prSet presAssocID="{6AE308EC-F4D2-4FC8-9144-ABE673E6733F}" presName="parentText" presStyleLbl="node1" presStyleIdx="0" presStyleCnt="0">
+        <dgm:presLayoutVars>
+          <dgm:chMax val="0"/>
+          <dgm:bulletEnabled val="1"/>
+        </dgm:presLayoutVars>
+      </dgm:prSet>
+      <dgm:spPr/>
+    </dgm:pt>
+    <dgm:pt modelId="{EF3B21DC-F17C-4E8D-AA36-17E0BC9088EB}" type="pres">
+      <dgm:prSet presAssocID="{6AE308EC-F4D2-4FC8-9144-ABE673E6733F}" presName="parentRect" presStyleLbl="alignNode1" presStyleIdx="1" presStyleCnt="3"/>
+      <dgm:spPr/>
+    </dgm:pt>
+    <dgm:pt modelId="{1D068B7C-6301-487E-9C8E-220A8841D6D1}" type="pres">
+      <dgm:prSet presAssocID="{6AE308EC-F4D2-4FC8-9144-ABE673E6733F}" presName="adorn" presStyleLbl="fgAccFollowNode1" presStyleIdx="1" presStyleCnt="3"/>
+      <dgm:spPr>
+        <a:blipFill>
+          <a:blip xmlns:r="http://schemas.openxmlformats.org/officeDocument/2006/relationships" r:embed="rId3">
+            <a:extLst>
+              <a:ext uri="{96DAC541-7B7A-43D3-8B79-37D633B846F1}">
+                <asvg:svgBlip xmlns:asvg="http://schemas.microsoft.com/office/drawing/2016/SVG/main" r:embed="rId4"/>
+              </a:ext>
+            </a:extLst>
+          </a:blip>
+          <a:srcRect/>
+          <a:stretch>
+            <a:fillRect/>
+          </a:stretch>
+        </a:blipFill>
+      </dgm:spPr>
+      <dgm:extLst>
+        <a:ext uri="{E40237B7-FDA0-4F09-8148-C483321AD2D9}">
+          <dgm14:cNvPr xmlns:dgm14="http://schemas.microsoft.com/office/drawing/2010/diagram" id="0" name="" descr="Lock with solid fill"/>
+        </a:ext>
+      </dgm:extLst>
+    </dgm:pt>
+    <dgm:pt modelId="{7439729B-12E4-4E67-8727-E09BCAF881BA}" type="pres">
+      <dgm:prSet presAssocID="{67A974DC-BC57-4CB3-833B-7C19835A95B2}" presName="sibTrans" presStyleLbl="sibTrans2D1" presStyleIdx="0" presStyleCnt="0"/>
+      <dgm:spPr/>
+    </dgm:pt>
+    <dgm:pt modelId="{4A6ADC95-B7F4-4931-A09D-F4E432428C63}" type="pres">
+      <dgm:prSet presAssocID="{AD18EC7D-7463-48F4-90FE-C8288B69AB91}" presName="compNode" presStyleCnt="0"/>
+      <dgm:spPr/>
+    </dgm:pt>
+    <dgm:pt modelId="{1163D9D2-0825-4C12-9FF7-77090CEF6991}" type="pres">
+      <dgm:prSet presAssocID="{AD18EC7D-7463-48F4-90FE-C8288B69AB91}" presName="childRect" presStyleLbl="bgAcc1" presStyleIdx="2" presStyleCnt="3">
+        <dgm:presLayoutVars>
+          <dgm:bulletEnabled val="1"/>
+        </dgm:presLayoutVars>
+      </dgm:prSet>
+      <dgm:spPr/>
+    </dgm:pt>
+    <dgm:pt modelId="{6455579D-794D-45EC-9274-5F661F0B52DF}" type="pres">
+      <dgm:prSet presAssocID="{AD18EC7D-7463-48F4-90FE-C8288B69AB91}" presName="parentText" presStyleLbl="node1" presStyleIdx="0" presStyleCnt="0">
+        <dgm:presLayoutVars>
+          <dgm:chMax val="0"/>
+          <dgm:bulletEnabled val="1"/>
+        </dgm:presLayoutVars>
+      </dgm:prSet>
+      <dgm:spPr/>
+    </dgm:pt>
+    <dgm:pt modelId="{975B283D-D0E8-40D1-8128-D262FA270C68}" type="pres">
+      <dgm:prSet presAssocID="{AD18EC7D-7463-48F4-90FE-C8288B69AB91}" presName="parentRect" presStyleLbl="alignNode1" presStyleIdx="2" presStyleCnt="3"/>
+      <dgm:spPr/>
+    </dgm:pt>
+    <dgm:pt modelId="{437B9EE7-0761-4A7F-831E-E87194CED778}" type="pres">
+      <dgm:prSet presAssocID="{AD18EC7D-7463-48F4-90FE-C8288B69AB91}" presName="adorn" presStyleLbl="fgAccFollowNode1" presStyleIdx="2" presStyleCnt="3"/>
+      <dgm:spPr>
+        <a:blipFill>
+          <a:blip xmlns:r="http://schemas.openxmlformats.org/officeDocument/2006/relationships" r:embed="rId5">
+            <a:extLst>
+              <a:ext uri="{96DAC541-7B7A-43D3-8B79-37D633B846F1}">
+                <asvg:svgBlip xmlns:asvg="http://schemas.microsoft.com/office/drawing/2016/SVG/main" r:embed="rId6"/>
+              </a:ext>
+            </a:extLst>
+          </a:blip>
+          <a:srcRect/>
+          <a:stretch>
+            <a:fillRect/>
+          </a:stretch>
+        </a:blipFill>
+      </dgm:spPr>
+      <dgm:extLst>
+        <a:ext uri="{E40237B7-FDA0-4F09-8148-C483321AD2D9}">
+          <dgm14:cNvPr xmlns:dgm14="http://schemas.microsoft.com/office/drawing/2010/diagram" id="0" name="" descr="Upward trend with solid fill"/>
+        </a:ext>
+      </dgm:extLst>
+    </dgm:pt>
+  </dgm:ptLst>
+  <dgm:cxnLst>
+    <dgm:cxn modelId="{73AA9D07-A5D3-4D98-A878-4ADC1661768F}" type="presOf" srcId="{F4BE96FB-3A3C-4DC8-AE63-52DEE770275A}" destId="{DA3F2A58-184E-4A71-8598-F780E58847BF}" srcOrd="1" destOrd="0" presId="urn:microsoft.com/office/officeart/2005/8/layout/bList2"/>
+    <dgm:cxn modelId="{006F3F14-15BD-482E-8029-3E763C7820CB}" type="presOf" srcId="{C3247D68-DF43-4818-A867-23222BB94E22}" destId="{2E68B11A-3D9E-471F-B173-1114CD6789E9}" srcOrd="0" destOrd="0" presId="urn:microsoft.com/office/officeart/2005/8/layout/bList2"/>
+    <dgm:cxn modelId="{F0093915-8D2E-45F7-99F8-CD10B3092CEA}" type="presOf" srcId="{6AE308EC-F4D2-4FC8-9144-ABE673E6733F}" destId="{EF3B21DC-F17C-4E8D-AA36-17E0BC9088EB}" srcOrd="1" destOrd="0" presId="urn:microsoft.com/office/officeart/2005/8/layout/bList2"/>
+    <dgm:cxn modelId="{86B8EA1B-D0ED-484C-A688-6B4B386FFF85}" type="presOf" srcId="{30CF7097-0C32-44E3-973C-79A85250006C}" destId="{D9F5EE10-ADD7-4443-90C8-760016C8F371}" srcOrd="0" destOrd="0" presId="urn:microsoft.com/office/officeart/2005/8/layout/bList2"/>
+    <dgm:cxn modelId="{82B2D431-AC73-4FAF-96BD-71B0C8EF7D88}" srcId="{AD18EC7D-7463-48F4-90FE-C8288B69AB91}" destId="{AD2C470C-6363-4160-B96B-7DBACB92C830}" srcOrd="0" destOrd="0" parTransId="{1BD60832-8D98-49A9-998A-E72B8CEFBCC6}" sibTransId="{FDF3FEDB-934A-49F6-8713-E3F4BBF47E71}"/>
+    <dgm:cxn modelId="{9E53E063-9AB1-4D08-92C8-73DC8AA17425}" type="presOf" srcId="{AD2C470C-6363-4160-B96B-7DBACB92C830}" destId="{1163D9D2-0825-4C12-9FF7-77090CEF6991}" srcOrd="0" destOrd="0" presId="urn:microsoft.com/office/officeart/2005/8/layout/bList2"/>
+    <dgm:cxn modelId="{0E3D1244-315D-448B-9C77-D2F89411FE7B}" type="presOf" srcId="{AD18EC7D-7463-48F4-90FE-C8288B69AB91}" destId="{975B283D-D0E8-40D1-8128-D262FA270C68}" srcOrd="1" destOrd="0" presId="urn:microsoft.com/office/officeart/2005/8/layout/bList2"/>
+    <dgm:cxn modelId="{1261C94A-F578-40B8-ADC9-08CCE34CA8D5}" srcId="{7F1967DA-88F9-491B-86B9-156494BF14CA}" destId="{AD18EC7D-7463-48F4-90FE-C8288B69AB91}" srcOrd="2" destOrd="0" parTransId="{D33C2D6D-5910-4852-A21E-F1A005E0D97A}" sibTransId="{E0691838-E46F-4B79-8E4A-A944B44AB091}"/>
+    <dgm:cxn modelId="{238B1259-B556-400C-929E-CB3860C5889B}" srcId="{F4BE96FB-3A3C-4DC8-AE63-52DEE770275A}" destId="{A442149F-1563-4795-B690-81418EB19A32}" srcOrd="0" destOrd="0" parTransId="{3044E154-4DF9-4E54-A160-E967E21EBC8D}" sibTransId="{10A8432F-76B8-4D8F-A1ED-18EF7C16BFED}"/>
+    <dgm:cxn modelId="{5A12758C-428C-4E7D-8F84-4D00EE3CE38A}" type="presOf" srcId="{6AE308EC-F4D2-4FC8-9144-ABE673E6733F}" destId="{FFAB2B5F-EF0A-42FC-B8D5-D7F586BC1BF4}" srcOrd="0" destOrd="0" presId="urn:microsoft.com/office/officeart/2005/8/layout/bList2"/>
+    <dgm:cxn modelId="{5C4E519B-55FA-4876-B891-A0E5473CFE79}" type="presOf" srcId="{67A974DC-BC57-4CB3-833B-7C19835A95B2}" destId="{7439729B-12E4-4E67-8727-E09BCAF881BA}" srcOrd="0" destOrd="0" presId="urn:microsoft.com/office/officeart/2005/8/layout/bList2"/>
+    <dgm:cxn modelId="{D1B5A8A8-177B-4347-BAB7-8816F262A42D}" type="presOf" srcId="{F4BE96FB-3A3C-4DC8-AE63-52DEE770275A}" destId="{17C0F3EC-5E38-467A-B34D-FBA3A7AA0C67}" srcOrd="0" destOrd="0" presId="urn:microsoft.com/office/officeart/2005/8/layout/bList2"/>
+    <dgm:cxn modelId="{CF7716D2-6515-43C3-9880-2973B22303BB}" srcId="{7F1967DA-88F9-491B-86B9-156494BF14CA}" destId="{F4BE96FB-3A3C-4DC8-AE63-52DEE770275A}" srcOrd="0" destOrd="0" parTransId="{D76010AE-71C1-49BB-86CE-18451C43B577}" sibTransId="{30CF7097-0C32-44E3-973C-79A85250006C}"/>
+    <dgm:cxn modelId="{571CD7DF-62DA-47D1-A483-64D9BA42C30E}" type="presOf" srcId="{AD18EC7D-7463-48F4-90FE-C8288B69AB91}" destId="{6455579D-794D-45EC-9274-5F661F0B52DF}" srcOrd="0" destOrd="0" presId="urn:microsoft.com/office/officeart/2005/8/layout/bList2"/>
+    <dgm:cxn modelId="{780DC2E3-3F67-44B5-91A4-D7E1E866CB53}" type="presOf" srcId="{A442149F-1563-4795-B690-81418EB19A32}" destId="{6F8502EB-7119-4122-A156-907DE11CF675}" srcOrd="0" destOrd="0" presId="urn:microsoft.com/office/officeart/2005/8/layout/bList2"/>
+    <dgm:cxn modelId="{33091CE8-F29E-4E51-B092-41F0B09BDA7E}" type="presOf" srcId="{7F1967DA-88F9-491B-86B9-156494BF14CA}" destId="{4225C31B-783C-4627-9275-F839EDF6A7F6}" srcOrd="0" destOrd="0" presId="urn:microsoft.com/office/officeart/2005/8/layout/bList2"/>
+    <dgm:cxn modelId="{5905FBE9-EBBC-44B2-A940-2895CAA6C27B}" srcId="{6AE308EC-F4D2-4FC8-9144-ABE673E6733F}" destId="{C3247D68-DF43-4818-A867-23222BB94E22}" srcOrd="0" destOrd="0" parTransId="{BE2F89C1-6D1F-4087-AD21-402517B62D8B}" sibTransId="{C26A30F6-BB0E-45AD-B206-CDDA8BA5F0A0}"/>
+    <dgm:cxn modelId="{FE3B6FFA-056D-4DA0-857C-F60C7FE07107}" srcId="{7F1967DA-88F9-491B-86B9-156494BF14CA}" destId="{6AE308EC-F4D2-4FC8-9144-ABE673E6733F}" srcOrd="1" destOrd="0" parTransId="{31826176-7F6F-4116-8122-0447072B209B}" sibTransId="{67A974DC-BC57-4CB3-833B-7C19835A95B2}"/>
+    <dgm:cxn modelId="{D0960CAC-DF23-4591-B81C-62DF89684545}" type="presParOf" srcId="{4225C31B-783C-4627-9275-F839EDF6A7F6}" destId="{9794E039-6027-407F-B34F-78C7D524113D}" srcOrd="0" destOrd="0" presId="urn:microsoft.com/office/officeart/2005/8/layout/bList2"/>
+    <dgm:cxn modelId="{A87D3C43-0854-46B6-A2C9-06C3DCC204A5}" type="presParOf" srcId="{9794E039-6027-407F-B34F-78C7D524113D}" destId="{6F8502EB-7119-4122-A156-907DE11CF675}" srcOrd="0" destOrd="0" presId="urn:microsoft.com/office/officeart/2005/8/layout/bList2"/>
+    <dgm:cxn modelId="{FA121E96-AA66-400A-AA83-D09940B39FFF}" type="presParOf" srcId="{9794E039-6027-407F-B34F-78C7D524113D}" destId="{17C0F3EC-5E38-467A-B34D-FBA3A7AA0C67}" srcOrd="1" destOrd="0" presId="urn:microsoft.com/office/officeart/2005/8/layout/bList2"/>
+    <dgm:cxn modelId="{F6BA44FE-376E-485F-81A1-1524719CE57C}" type="presParOf" srcId="{9794E039-6027-407F-B34F-78C7D524113D}" destId="{DA3F2A58-184E-4A71-8598-F780E58847BF}" srcOrd="2" destOrd="0" presId="urn:microsoft.com/office/officeart/2005/8/layout/bList2"/>
+    <dgm:cxn modelId="{98394959-8416-42FF-895C-AC0663230FB1}" type="presParOf" srcId="{9794E039-6027-407F-B34F-78C7D524113D}" destId="{31C96DB0-651A-4D96-B8EB-0C930DF3AF1A}" srcOrd="3" destOrd="0" presId="urn:microsoft.com/office/officeart/2005/8/layout/bList2"/>
+    <dgm:cxn modelId="{8361492B-0E9E-4EF6-8CE6-5EA6E09E0F75}" type="presParOf" srcId="{4225C31B-783C-4627-9275-F839EDF6A7F6}" destId="{D9F5EE10-ADD7-4443-90C8-760016C8F371}" srcOrd="1" destOrd="0" presId="urn:microsoft.com/office/officeart/2005/8/layout/bList2"/>
+    <dgm:cxn modelId="{4265DF04-7015-4A08-8ADE-186AD3207F06}" type="presParOf" srcId="{4225C31B-783C-4627-9275-F839EDF6A7F6}" destId="{84A16124-B089-4DE2-9262-9DCA03CB5F7C}" srcOrd="2" destOrd="0" presId="urn:microsoft.com/office/officeart/2005/8/layout/bList2"/>
+    <dgm:cxn modelId="{51A5CB78-26BA-4BC1-B608-023F77CE6F9F}" type="presParOf" srcId="{84A16124-B089-4DE2-9262-9DCA03CB5F7C}" destId="{2E68B11A-3D9E-471F-B173-1114CD6789E9}" srcOrd="0" destOrd="0" presId="urn:microsoft.com/office/officeart/2005/8/layout/bList2"/>
+    <dgm:cxn modelId="{00498F3B-F9FF-400C-A35C-C66231BA0467}" type="presParOf" srcId="{84A16124-B089-4DE2-9262-9DCA03CB5F7C}" destId="{FFAB2B5F-EF0A-42FC-B8D5-D7F586BC1BF4}" srcOrd="1" destOrd="0" presId="urn:microsoft.com/office/officeart/2005/8/layout/bList2"/>
+    <dgm:cxn modelId="{8551A55D-BB54-4C26-AA2C-4BAB1B05106F}" type="presParOf" srcId="{84A16124-B089-4DE2-9262-9DCA03CB5F7C}" destId="{EF3B21DC-F17C-4E8D-AA36-17E0BC9088EB}" srcOrd="2" destOrd="0" presId="urn:microsoft.com/office/officeart/2005/8/layout/bList2"/>
+    <dgm:cxn modelId="{28E53335-EC67-4BC0-8643-715A4084AD67}" type="presParOf" srcId="{84A16124-B089-4DE2-9262-9DCA03CB5F7C}" destId="{1D068B7C-6301-487E-9C8E-220A8841D6D1}" srcOrd="3" destOrd="0" presId="urn:microsoft.com/office/officeart/2005/8/layout/bList2"/>
+    <dgm:cxn modelId="{41E55FA7-24FD-47AB-918C-7DA2A0AC364E}" type="presParOf" srcId="{4225C31B-783C-4627-9275-F839EDF6A7F6}" destId="{7439729B-12E4-4E67-8727-E09BCAF881BA}" srcOrd="3" destOrd="0" presId="urn:microsoft.com/office/officeart/2005/8/layout/bList2"/>
+    <dgm:cxn modelId="{AE4871EE-7838-439A-9C26-AF9A8EE4D8DE}" type="presParOf" srcId="{4225C31B-783C-4627-9275-F839EDF6A7F6}" destId="{4A6ADC95-B7F4-4931-A09D-F4E432428C63}" srcOrd="4" destOrd="0" presId="urn:microsoft.com/office/officeart/2005/8/layout/bList2"/>
+    <dgm:cxn modelId="{B124B2FF-DC84-4CF8-B712-F78CE9D9B787}" type="presParOf" srcId="{4A6ADC95-B7F4-4931-A09D-F4E432428C63}" destId="{1163D9D2-0825-4C12-9FF7-77090CEF6991}" srcOrd="0" destOrd="0" presId="urn:microsoft.com/office/officeart/2005/8/layout/bList2"/>
+    <dgm:cxn modelId="{E8A4699E-2248-4DD0-B054-62E6D2FC5164}" type="presParOf" srcId="{4A6ADC95-B7F4-4931-A09D-F4E432428C63}" destId="{6455579D-794D-45EC-9274-5F661F0B52DF}" srcOrd="1" destOrd="0" presId="urn:microsoft.com/office/officeart/2005/8/layout/bList2"/>
+    <dgm:cxn modelId="{971D3F58-0783-4BC2-82BF-32C73BDD1ADC}" type="presParOf" srcId="{4A6ADC95-B7F4-4931-A09D-F4E432428C63}" destId="{975B283D-D0E8-40D1-8128-D262FA270C68}" srcOrd="2" destOrd="0" presId="urn:microsoft.com/office/officeart/2005/8/layout/bList2"/>
+    <dgm:cxn modelId="{44A17F93-E66B-4950-9A25-5A4909DB5D64}" type="presParOf" srcId="{4A6ADC95-B7F4-4931-A09D-F4E432428C63}" destId="{437B9EE7-0761-4A7F-831E-E87194CED778}" srcOrd="3" destOrd="0" presId="urn:microsoft.com/office/officeart/2005/8/layout/bList2"/>
   </dgm:cxnLst>
   <dgm:bg/>
   <dgm:whole/>
@@ -1600,6 +3911,1235 @@
         <a:ln w="12700" cap="flat" cmpd="sng" algn="ctr">
           <a:solidFill>
             <a:schemeClr val="accent1">
+              <a:hueOff val="0"/>
+              <a:satOff val="0"/>
+              <a:lumOff val="0"/>
+              <a:alphaOff val="0"/>
+            </a:schemeClr>
+          </a:solidFill>
+          <a:prstDash val="solid"/>
+          <a:miter lim="800000"/>
+        </a:ln>
+        <a:effectLst/>
+      </dsp:spPr>
+      <dsp:style>
+        <a:lnRef idx="2">
+          <a:scrgbClr r="0" g="0" b="0"/>
+        </a:lnRef>
+        <a:fillRef idx="1">
+          <a:scrgbClr r="0" g="0" b="0"/>
+        </a:fillRef>
+        <a:effectRef idx="0">
+          <a:scrgbClr r="0" g="0" b="0"/>
+        </a:effectRef>
+        <a:fontRef idx="minor"/>
+      </dsp:style>
+    </dsp:sp>
+  </dsp:spTree>
+</dsp:drawing>
+</file>
+
+<file path=ppt/diagrams/drawing2.xml><?xml version="1.0" encoding="utf-8"?>
+<dsp:drawing xmlns:dgm="http://schemas.openxmlformats.org/drawingml/2006/diagram" xmlns:dsp="http://schemas.microsoft.com/office/drawing/2008/diagram" xmlns:a="http://schemas.openxmlformats.org/drawingml/2006/main">
+  <dsp:spTree>
+    <dsp:nvGrpSpPr>
+      <dsp:cNvPr id="0" name=""/>
+      <dsp:cNvGrpSpPr/>
+    </dsp:nvGrpSpPr>
+    <dsp:grpSpPr/>
+    <dsp:sp modelId="{AF186FB2-D259-47E1-A24E-22B9D78641D2}">
+      <dsp:nvSpPr>
+        <dsp:cNvPr id="0" name=""/>
+        <dsp:cNvSpPr/>
+      </dsp:nvSpPr>
+      <dsp:spPr>
+        <a:xfrm rot="5400000">
+          <a:off x="571982" y="1645570"/>
+          <a:ext cx="1721548" cy="2864618"/>
+        </a:xfrm>
+        <a:prstGeom prst="corner">
+          <a:avLst>
+            <a:gd name="adj1" fmla="val 16120"/>
+            <a:gd name="adj2" fmla="val 16110"/>
+          </a:avLst>
+        </a:prstGeom>
+        <a:solidFill>
+          <a:schemeClr val="accent1">
+            <a:hueOff val="0"/>
+            <a:satOff val="0"/>
+            <a:lumOff val="0"/>
+            <a:alphaOff val="0"/>
+          </a:schemeClr>
+        </a:solidFill>
+        <a:ln w="12700" cap="flat" cmpd="sng" algn="ctr">
+          <a:solidFill>
+            <a:schemeClr val="accent1">
+              <a:hueOff val="0"/>
+              <a:satOff val="0"/>
+              <a:lumOff val="0"/>
+              <a:alphaOff val="0"/>
+            </a:schemeClr>
+          </a:solidFill>
+          <a:prstDash val="solid"/>
+          <a:miter lim="800000"/>
+        </a:ln>
+        <a:effectLst/>
+      </dsp:spPr>
+      <dsp:style>
+        <a:lnRef idx="2">
+          <a:scrgbClr r="0" g="0" b="0"/>
+        </a:lnRef>
+        <a:fillRef idx="1">
+          <a:scrgbClr r="0" g="0" b="0"/>
+        </a:fillRef>
+        <a:effectRef idx="0">
+          <a:scrgbClr r="0" g="0" b="0"/>
+        </a:effectRef>
+        <a:fontRef idx="minor">
+          <a:schemeClr val="lt1"/>
+        </a:fontRef>
+      </dsp:style>
+    </dsp:sp>
+    <dsp:sp modelId="{5EBE55EC-818E-4B6F-B2F2-56DE9243F660}">
+      <dsp:nvSpPr>
+        <dsp:cNvPr id="0" name=""/>
+        <dsp:cNvSpPr/>
+      </dsp:nvSpPr>
+      <dsp:spPr>
+        <a:xfrm>
+          <a:off x="284613" y="2501474"/>
+          <a:ext cx="2586193" cy="2266950"/>
+        </a:xfrm>
+        <a:prstGeom prst="rect">
+          <a:avLst/>
+        </a:prstGeom>
+        <a:noFill/>
+        <a:ln>
+          <a:noFill/>
+        </a:ln>
+        <a:effectLst/>
+      </dsp:spPr>
+      <dsp:style>
+        <a:lnRef idx="0">
+          <a:scrgbClr r="0" g="0" b="0"/>
+        </a:lnRef>
+        <a:fillRef idx="0">
+          <a:scrgbClr r="0" g="0" b="0"/>
+        </a:fillRef>
+        <a:effectRef idx="0">
+          <a:scrgbClr r="0" g="0" b="0"/>
+        </a:effectRef>
+        <a:fontRef idx="minor"/>
+      </dsp:style>
+      <dsp:txBody>
+        <a:bodyPr spcFirstLastPara="0" vert="horz" wrap="square" lIns="91440" tIns="91440" rIns="91440" bIns="91440" numCol="1" spcCol="1270" anchor="t" anchorCtr="0">
+          <a:noAutofit/>
+        </a:bodyPr>
+        <a:lstStyle/>
+        <a:p>
+          <a:pPr marL="0" lvl="0" indent="0" algn="l" defTabSz="1066800">
+            <a:lnSpc>
+              <a:spcPct val="90000"/>
+            </a:lnSpc>
+            <a:spcBef>
+              <a:spcPct val="0"/>
+            </a:spcBef>
+            <a:spcAft>
+              <a:spcPct val="35000"/>
+            </a:spcAft>
+            <a:buNone/>
+          </a:pPr>
+          <a:r>
+            <a:rPr lang="en-IN" sz="2400" b="1" kern="1200" dirty="0">
+              <a:solidFill>
+                <a:schemeClr val="bg1"/>
+              </a:solidFill>
+            </a:rPr>
+            <a:t>Performance Evaluation</a:t>
+          </a:r>
+        </a:p>
+        <a:p>
+          <a:pPr marL="0" lvl="0" indent="0" algn="l" defTabSz="1066800">
+            <a:lnSpc>
+              <a:spcPct val="90000"/>
+            </a:lnSpc>
+            <a:spcBef>
+              <a:spcPct val="0"/>
+            </a:spcBef>
+            <a:spcAft>
+              <a:spcPct val="35000"/>
+            </a:spcAft>
+            <a:buNone/>
+          </a:pPr>
+          <a:r>
+            <a:rPr lang="fr-FR" sz="2000" kern="1200" dirty="0" err="1">
+              <a:solidFill>
+                <a:schemeClr val="bg1"/>
+              </a:solidFill>
+            </a:rPr>
+            <a:t>Accuracy</a:t>
+          </a:r>
+          <a:r>
+            <a:rPr lang="fr-FR" sz="2000" kern="1200" dirty="0">
+              <a:solidFill>
+                <a:schemeClr val="bg1"/>
+              </a:solidFill>
+            </a:rPr>
+            <a:t>, Confusion Matrix, ROC/AUC </a:t>
+          </a:r>
+          <a:r>
+            <a:rPr lang="fr-FR" sz="2000" kern="1200" dirty="0" err="1">
+              <a:solidFill>
+                <a:schemeClr val="bg1"/>
+              </a:solidFill>
+            </a:rPr>
+            <a:t>analysis</a:t>
+          </a:r>
+          <a:endParaRPr lang="en-IN" sz="2000" kern="1200" dirty="0">
+            <a:solidFill>
+              <a:schemeClr val="bg1"/>
+            </a:solidFill>
+          </a:endParaRPr>
+        </a:p>
+      </dsp:txBody>
+      <dsp:txXfrm>
+        <a:off x="284613" y="2501474"/>
+        <a:ext cx="2586193" cy="2266950"/>
+      </dsp:txXfrm>
+    </dsp:sp>
+    <dsp:sp modelId="{BFAB11C8-5B32-49B9-88C9-2AC6E1555768}">
+      <dsp:nvSpPr>
+        <dsp:cNvPr id="0" name=""/>
+        <dsp:cNvSpPr/>
+      </dsp:nvSpPr>
+      <dsp:spPr>
+        <a:xfrm>
+          <a:off x="2382846" y="1434674"/>
+          <a:ext cx="487961" cy="487961"/>
+        </a:xfrm>
+        <a:prstGeom prst="triangle">
+          <a:avLst>
+            <a:gd name="adj" fmla="val 100000"/>
+          </a:avLst>
+        </a:prstGeom>
+        <a:solidFill>
+          <a:schemeClr val="accent1">
+            <a:hueOff val="0"/>
+            <a:satOff val="0"/>
+            <a:lumOff val="0"/>
+            <a:alphaOff val="0"/>
+          </a:schemeClr>
+        </a:solidFill>
+        <a:ln w="12700" cap="flat" cmpd="sng" algn="ctr">
+          <a:solidFill>
+            <a:schemeClr val="accent1">
+              <a:hueOff val="0"/>
+              <a:satOff val="0"/>
+              <a:lumOff val="0"/>
+              <a:alphaOff val="0"/>
+            </a:schemeClr>
+          </a:solidFill>
+          <a:prstDash val="solid"/>
+          <a:miter lim="800000"/>
+        </a:ln>
+        <a:effectLst/>
+      </dsp:spPr>
+      <dsp:style>
+        <a:lnRef idx="2">
+          <a:scrgbClr r="0" g="0" b="0"/>
+        </a:lnRef>
+        <a:fillRef idx="1">
+          <a:scrgbClr r="0" g="0" b="0"/>
+        </a:fillRef>
+        <a:effectRef idx="0">
+          <a:scrgbClr r="0" g="0" b="0"/>
+        </a:effectRef>
+        <a:fontRef idx="minor">
+          <a:schemeClr val="lt1"/>
+        </a:fontRef>
+      </dsp:style>
+    </dsp:sp>
+    <dsp:sp modelId="{45B40D7C-42B4-4B34-9F99-936B00046E05}">
+      <dsp:nvSpPr>
+        <dsp:cNvPr id="0" name=""/>
+        <dsp:cNvSpPr/>
+      </dsp:nvSpPr>
+      <dsp:spPr>
+        <a:xfrm rot="5400000">
+          <a:off x="3737988" y="862139"/>
+          <a:ext cx="1721548" cy="2864618"/>
+        </a:xfrm>
+        <a:prstGeom prst="corner">
+          <a:avLst>
+            <a:gd name="adj1" fmla="val 16120"/>
+            <a:gd name="adj2" fmla="val 16110"/>
+          </a:avLst>
+        </a:prstGeom>
+        <a:solidFill>
+          <a:schemeClr val="accent1">
+            <a:hueOff val="0"/>
+            <a:satOff val="0"/>
+            <a:lumOff val="0"/>
+            <a:alphaOff val="0"/>
+          </a:schemeClr>
+        </a:solidFill>
+        <a:ln w="12700" cap="flat" cmpd="sng" algn="ctr">
+          <a:solidFill>
+            <a:schemeClr val="accent1">
+              <a:hueOff val="0"/>
+              <a:satOff val="0"/>
+              <a:lumOff val="0"/>
+              <a:alphaOff val="0"/>
+            </a:schemeClr>
+          </a:solidFill>
+          <a:prstDash val="solid"/>
+          <a:miter lim="800000"/>
+        </a:ln>
+        <a:effectLst/>
+      </dsp:spPr>
+      <dsp:style>
+        <a:lnRef idx="2">
+          <a:scrgbClr r="0" g="0" b="0"/>
+        </a:lnRef>
+        <a:fillRef idx="1">
+          <a:scrgbClr r="0" g="0" b="0"/>
+        </a:fillRef>
+        <a:effectRef idx="0">
+          <a:scrgbClr r="0" g="0" b="0"/>
+        </a:effectRef>
+        <a:fontRef idx="minor">
+          <a:schemeClr val="lt1"/>
+        </a:fontRef>
+      </dsp:style>
+    </dsp:sp>
+    <dsp:sp modelId="{B7B55E85-37A3-45D2-8D64-9C8E35DC96F4}">
+      <dsp:nvSpPr>
+        <dsp:cNvPr id="0" name=""/>
+        <dsp:cNvSpPr/>
+      </dsp:nvSpPr>
+      <dsp:spPr>
+        <a:xfrm>
+          <a:off x="3450619" y="1718042"/>
+          <a:ext cx="2586193" cy="2266950"/>
+        </a:xfrm>
+        <a:prstGeom prst="rect">
+          <a:avLst/>
+        </a:prstGeom>
+        <a:noFill/>
+        <a:ln>
+          <a:noFill/>
+        </a:ln>
+        <a:effectLst/>
+      </dsp:spPr>
+      <dsp:style>
+        <a:lnRef idx="0">
+          <a:scrgbClr r="0" g="0" b="0"/>
+        </a:lnRef>
+        <a:fillRef idx="0">
+          <a:scrgbClr r="0" g="0" b="0"/>
+        </a:fillRef>
+        <a:effectRef idx="0">
+          <a:scrgbClr r="0" g="0" b="0"/>
+        </a:effectRef>
+        <a:fontRef idx="minor"/>
+      </dsp:style>
+      <dsp:txBody>
+        <a:bodyPr spcFirstLastPara="0" vert="horz" wrap="square" lIns="91440" tIns="91440" rIns="91440" bIns="91440" numCol="1" spcCol="1270" anchor="t" anchorCtr="0">
+          <a:noAutofit/>
+        </a:bodyPr>
+        <a:lstStyle/>
+        <a:p>
+          <a:pPr marL="0" lvl="0" indent="0" algn="l" defTabSz="1066800">
+            <a:lnSpc>
+              <a:spcPct val="90000"/>
+            </a:lnSpc>
+            <a:spcBef>
+              <a:spcPct val="0"/>
+            </a:spcBef>
+            <a:spcAft>
+              <a:spcPct val="35000"/>
+            </a:spcAft>
+            <a:buNone/>
+          </a:pPr>
+          <a:r>
+            <a:rPr lang="en-IN" sz="2400" b="1" kern="1200" dirty="0">
+              <a:solidFill>
+                <a:schemeClr val="bg1"/>
+              </a:solidFill>
+            </a:rPr>
+            <a:t>Logistic Regression</a:t>
+          </a:r>
+        </a:p>
+        <a:p>
+          <a:pPr marL="0" lvl="0" indent="0" algn="l" defTabSz="1066800">
+            <a:lnSpc>
+              <a:spcPct val="90000"/>
+            </a:lnSpc>
+            <a:spcBef>
+              <a:spcPct val="0"/>
+            </a:spcBef>
+            <a:spcAft>
+              <a:spcPct val="35000"/>
+            </a:spcAft>
+            <a:buNone/>
+          </a:pPr>
+          <a:r>
+            <a:rPr lang="en-IN" sz="2000" kern="1200" dirty="0">
+              <a:solidFill>
+                <a:schemeClr val="bg1"/>
+              </a:solidFill>
+            </a:rPr>
+            <a:t>Simple, interpretable model for binary classification</a:t>
+          </a:r>
+        </a:p>
+      </dsp:txBody>
+      <dsp:txXfrm>
+        <a:off x="3450619" y="1718042"/>
+        <a:ext cx="2586193" cy="2266950"/>
+      </dsp:txXfrm>
+    </dsp:sp>
+    <dsp:sp modelId="{7EA4F5B1-8656-4D70-BDA6-9CB11BB1DE77}">
+      <dsp:nvSpPr>
+        <dsp:cNvPr id="0" name=""/>
+        <dsp:cNvSpPr/>
+      </dsp:nvSpPr>
+      <dsp:spPr>
+        <a:xfrm>
+          <a:off x="5548851" y="651242"/>
+          <a:ext cx="487961" cy="487961"/>
+        </a:xfrm>
+        <a:prstGeom prst="triangle">
+          <a:avLst>
+            <a:gd name="adj" fmla="val 100000"/>
+          </a:avLst>
+        </a:prstGeom>
+        <a:solidFill>
+          <a:schemeClr val="accent1">
+            <a:hueOff val="0"/>
+            <a:satOff val="0"/>
+            <a:lumOff val="0"/>
+            <a:alphaOff val="0"/>
+          </a:schemeClr>
+        </a:solidFill>
+        <a:ln w="12700" cap="flat" cmpd="sng" algn="ctr">
+          <a:solidFill>
+            <a:schemeClr val="accent1">
+              <a:hueOff val="0"/>
+              <a:satOff val="0"/>
+              <a:lumOff val="0"/>
+              <a:alphaOff val="0"/>
+            </a:schemeClr>
+          </a:solidFill>
+          <a:prstDash val="solid"/>
+          <a:miter lim="800000"/>
+        </a:ln>
+        <a:effectLst/>
+      </dsp:spPr>
+      <dsp:style>
+        <a:lnRef idx="2">
+          <a:scrgbClr r="0" g="0" b="0"/>
+        </a:lnRef>
+        <a:fillRef idx="1">
+          <a:scrgbClr r="0" g="0" b="0"/>
+        </a:fillRef>
+        <a:effectRef idx="0">
+          <a:scrgbClr r="0" g="0" b="0"/>
+        </a:effectRef>
+        <a:fontRef idx="minor">
+          <a:schemeClr val="lt1"/>
+        </a:fontRef>
+      </dsp:style>
+    </dsp:sp>
+    <dsp:sp modelId="{C0433B9D-921E-45C1-B4EE-72760AE265C1}">
+      <dsp:nvSpPr>
+        <dsp:cNvPr id="0" name=""/>
+        <dsp:cNvSpPr/>
+      </dsp:nvSpPr>
+      <dsp:spPr>
+        <a:xfrm rot="5400000">
+          <a:off x="6903994" y="78707"/>
+          <a:ext cx="1721548" cy="2864618"/>
+        </a:xfrm>
+        <a:prstGeom prst="corner">
+          <a:avLst>
+            <a:gd name="adj1" fmla="val 16120"/>
+            <a:gd name="adj2" fmla="val 16110"/>
+          </a:avLst>
+        </a:prstGeom>
+        <a:solidFill>
+          <a:schemeClr val="accent1">
+            <a:hueOff val="0"/>
+            <a:satOff val="0"/>
+            <a:lumOff val="0"/>
+            <a:alphaOff val="0"/>
+          </a:schemeClr>
+        </a:solidFill>
+        <a:ln w="12700" cap="flat" cmpd="sng" algn="ctr">
+          <a:solidFill>
+            <a:schemeClr val="accent1">
+              <a:hueOff val="0"/>
+              <a:satOff val="0"/>
+              <a:lumOff val="0"/>
+              <a:alphaOff val="0"/>
+            </a:schemeClr>
+          </a:solidFill>
+          <a:prstDash val="solid"/>
+          <a:miter lim="800000"/>
+        </a:ln>
+        <a:effectLst/>
+      </dsp:spPr>
+      <dsp:style>
+        <a:lnRef idx="2">
+          <a:scrgbClr r="0" g="0" b="0"/>
+        </a:lnRef>
+        <a:fillRef idx="1">
+          <a:scrgbClr r="0" g="0" b="0"/>
+        </a:fillRef>
+        <a:effectRef idx="0">
+          <a:scrgbClr r="0" g="0" b="0"/>
+        </a:effectRef>
+        <a:fontRef idx="minor">
+          <a:schemeClr val="lt1"/>
+        </a:fontRef>
+      </dsp:style>
+    </dsp:sp>
+    <dsp:sp modelId="{3A508A04-A8B4-4F5A-BCC9-108A446313B9}">
+      <dsp:nvSpPr>
+        <dsp:cNvPr id="0" name=""/>
+        <dsp:cNvSpPr/>
+      </dsp:nvSpPr>
+      <dsp:spPr>
+        <a:xfrm>
+          <a:off x="6616625" y="934611"/>
+          <a:ext cx="2586193" cy="2266950"/>
+        </a:xfrm>
+        <a:prstGeom prst="rect">
+          <a:avLst/>
+        </a:prstGeom>
+        <a:noFill/>
+        <a:ln>
+          <a:noFill/>
+        </a:ln>
+        <a:effectLst/>
+      </dsp:spPr>
+      <dsp:style>
+        <a:lnRef idx="0">
+          <a:scrgbClr r="0" g="0" b="0"/>
+        </a:lnRef>
+        <a:fillRef idx="0">
+          <a:scrgbClr r="0" g="0" b="0"/>
+        </a:fillRef>
+        <a:effectRef idx="0">
+          <a:scrgbClr r="0" g="0" b="0"/>
+        </a:effectRef>
+        <a:fontRef idx="minor"/>
+      </dsp:style>
+      <dsp:txBody>
+        <a:bodyPr spcFirstLastPara="0" vert="horz" wrap="square" lIns="91440" tIns="91440" rIns="91440" bIns="91440" numCol="1" spcCol="1270" anchor="t" anchorCtr="0">
+          <a:noAutofit/>
+        </a:bodyPr>
+        <a:lstStyle/>
+        <a:p>
+          <a:pPr marL="0" lvl="0" indent="0" algn="l" defTabSz="1066800">
+            <a:lnSpc>
+              <a:spcPct val="90000"/>
+            </a:lnSpc>
+            <a:spcBef>
+              <a:spcPct val="0"/>
+            </a:spcBef>
+            <a:spcAft>
+              <a:spcPct val="35000"/>
+            </a:spcAft>
+            <a:buNone/>
+          </a:pPr>
+          <a:r>
+            <a:rPr lang="en-IN" sz="2400" b="1" kern="1200" dirty="0">
+              <a:solidFill>
+                <a:schemeClr val="bg1"/>
+              </a:solidFill>
+            </a:rPr>
+            <a:t>Data Split</a:t>
+          </a:r>
+        </a:p>
+        <a:p>
+          <a:pPr marL="0" lvl="0" indent="0" algn="l" defTabSz="1066800">
+            <a:lnSpc>
+              <a:spcPct val="90000"/>
+            </a:lnSpc>
+            <a:spcBef>
+              <a:spcPct val="0"/>
+            </a:spcBef>
+            <a:spcAft>
+              <a:spcPct val="35000"/>
+            </a:spcAft>
+            <a:buNone/>
+          </a:pPr>
+          <a:r>
+            <a:rPr lang="en-IN" sz="2000" kern="1200" dirty="0">
+              <a:solidFill>
+                <a:schemeClr val="bg1"/>
+              </a:solidFill>
+            </a:rPr>
+            <a:t>80% training data, 20% testing data for validation</a:t>
+          </a:r>
+        </a:p>
+      </dsp:txBody>
+      <dsp:txXfrm>
+        <a:off x="6616625" y="934611"/>
+        <a:ext cx="2586193" cy="2266950"/>
+      </dsp:txXfrm>
+    </dsp:sp>
+  </dsp:spTree>
+</dsp:drawing>
+</file>
+
+<file path=ppt/diagrams/drawing3.xml><?xml version="1.0" encoding="utf-8"?>
+<dsp:drawing xmlns:dgm="http://schemas.openxmlformats.org/drawingml/2006/diagram" xmlns:dsp="http://schemas.microsoft.com/office/drawing/2008/diagram" xmlns:a="http://schemas.openxmlformats.org/drawingml/2006/main">
+  <dsp:spTree>
+    <dsp:nvGrpSpPr>
+      <dsp:cNvPr id="0" name=""/>
+      <dsp:cNvGrpSpPr/>
+    </dsp:nvGrpSpPr>
+    <dsp:grpSpPr/>
+    <dsp:sp modelId="{6F8502EB-7119-4122-A156-907DE11CF675}">
+      <dsp:nvSpPr>
+        <dsp:cNvPr id="0" name=""/>
+        <dsp:cNvSpPr/>
+      </dsp:nvSpPr>
+      <dsp:spPr>
+        <a:xfrm>
+          <a:off x="5493" y="1348022"/>
+          <a:ext cx="2372728" cy="1771191"/>
+        </a:xfrm>
+        <a:prstGeom prst="round2SameRect">
+          <a:avLst>
+            <a:gd name="adj1" fmla="val 8000"/>
+            <a:gd name="adj2" fmla="val 0"/>
+          </a:avLst>
+        </a:prstGeom>
+        <a:solidFill>
+          <a:schemeClr val="lt1">
+            <a:alpha val="90000"/>
+            <a:hueOff val="0"/>
+            <a:satOff val="0"/>
+            <a:lumOff val="0"/>
+            <a:alphaOff val="0"/>
+          </a:schemeClr>
+        </a:solidFill>
+        <a:ln w="12700" cap="flat" cmpd="sng" algn="ctr">
+          <a:solidFill>
+            <a:schemeClr val="accent1">
+              <a:hueOff val="0"/>
+              <a:satOff val="0"/>
+              <a:lumOff val="0"/>
+              <a:alphaOff val="0"/>
+            </a:schemeClr>
+          </a:solidFill>
+          <a:prstDash val="solid"/>
+          <a:miter lim="800000"/>
+        </a:ln>
+        <a:effectLst/>
+      </dsp:spPr>
+      <dsp:style>
+        <a:lnRef idx="2">
+          <a:scrgbClr r="0" g="0" b="0"/>
+        </a:lnRef>
+        <a:fillRef idx="1">
+          <a:scrgbClr r="0" g="0" b="0"/>
+        </a:fillRef>
+        <a:effectRef idx="0">
+          <a:scrgbClr r="0" g="0" b="0"/>
+        </a:effectRef>
+        <a:fontRef idx="minor"/>
+      </dsp:style>
+      <dsp:txBody>
+        <a:bodyPr spcFirstLastPara="0" vert="horz" wrap="square" lIns="25400" tIns="76200" rIns="25400" bIns="25400" numCol="1" spcCol="1270" anchor="t" anchorCtr="0">
+          <a:noAutofit/>
+        </a:bodyPr>
+        <a:lstStyle/>
+        <a:p>
+          <a:pPr marL="228600" lvl="1" indent="-228600" algn="l" defTabSz="889000">
+            <a:lnSpc>
+              <a:spcPct val="90000"/>
+            </a:lnSpc>
+            <a:spcBef>
+              <a:spcPct val="0"/>
+            </a:spcBef>
+            <a:spcAft>
+              <a:spcPct val="15000"/>
+            </a:spcAft>
+            <a:buNone/>
+          </a:pPr>
+          <a:r>
+            <a:rPr lang="en-US" sz="2000" kern="1200" dirty="0"/>
+            <a:t>    Machine learning model achieved good accuracy in predicting heart disease risk using health features</a:t>
+          </a:r>
+          <a:endParaRPr lang="en-IN" sz="2000" kern="1200" dirty="0"/>
+        </a:p>
+      </dsp:txBody>
+      <dsp:txXfrm>
+        <a:off x="46994" y="1389523"/>
+        <a:ext cx="2289726" cy="1729690"/>
+      </dsp:txXfrm>
+    </dsp:sp>
+    <dsp:sp modelId="{DA3F2A58-184E-4A71-8598-F780E58847BF}">
+      <dsp:nvSpPr>
+        <dsp:cNvPr id="0" name=""/>
+        <dsp:cNvSpPr/>
+      </dsp:nvSpPr>
+      <dsp:spPr>
+        <a:xfrm>
+          <a:off x="5493" y="3119214"/>
+          <a:ext cx="2372728" cy="761612"/>
+        </a:xfrm>
+        <a:prstGeom prst="rect">
+          <a:avLst/>
+        </a:prstGeom>
+        <a:solidFill>
+          <a:schemeClr val="accent1">
+            <a:hueOff val="0"/>
+            <a:satOff val="0"/>
+            <a:lumOff val="0"/>
+            <a:alphaOff val="0"/>
+          </a:schemeClr>
+        </a:solidFill>
+        <a:ln w="12700" cap="flat" cmpd="sng" algn="ctr">
+          <a:solidFill>
+            <a:schemeClr val="accent1">
+              <a:hueOff val="0"/>
+              <a:satOff val="0"/>
+              <a:lumOff val="0"/>
+              <a:alphaOff val="0"/>
+            </a:schemeClr>
+          </a:solidFill>
+          <a:prstDash val="solid"/>
+          <a:miter lim="800000"/>
+        </a:ln>
+        <a:effectLst/>
+      </dsp:spPr>
+      <dsp:style>
+        <a:lnRef idx="2">
+          <a:scrgbClr r="0" g="0" b="0"/>
+        </a:lnRef>
+        <a:fillRef idx="1">
+          <a:scrgbClr r="0" g="0" b="0"/>
+        </a:fillRef>
+        <a:effectRef idx="0">
+          <a:scrgbClr r="0" g="0" b="0"/>
+        </a:effectRef>
+        <a:fontRef idx="minor">
+          <a:schemeClr val="lt1"/>
+        </a:fontRef>
+      </dsp:style>
+      <dsp:txBody>
+        <a:bodyPr spcFirstLastPara="0" vert="horz" wrap="square" lIns="68580" tIns="0" rIns="22860" bIns="0" numCol="1" spcCol="1270" anchor="ctr" anchorCtr="0">
+          <a:noAutofit/>
+        </a:bodyPr>
+        <a:lstStyle/>
+        <a:p>
+          <a:pPr marL="0" lvl="0" indent="0" algn="l" defTabSz="800100">
+            <a:lnSpc>
+              <a:spcPct val="90000"/>
+            </a:lnSpc>
+            <a:spcBef>
+              <a:spcPct val="0"/>
+            </a:spcBef>
+            <a:spcAft>
+              <a:spcPct val="35000"/>
+            </a:spcAft>
+            <a:buNone/>
+          </a:pPr>
+          <a:r>
+            <a:rPr lang="en-IN" sz="1800" b="1" kern="1200" dirty="0">
+              <a:latin typeface="Cambria" panose="02040503050406030204" pitchFamily="18" charset="0"/>
+              <a:ea typeface="Cambria" panose="02040503050406030204" pitchFamily="18" charset="0"/>
+            </a:rPr>
+            <a:t>Successful Prediction</a:t>
+          </a:r>
+          <a:endParaRPr lang="en-IN" sz="1800" kern="1200" dirty="0">
+            <a:latin typeface="Cambria" panose="02040503050406030204" pitchFamily="18" charset="0"/>
+            <a:ea typeface="Cambria" panose="02040503050406030204" pitchFamily="18" charset="0"/>
+          </a:endParaRPr>
+        </a:p>
+      </dsp:txBody>
+      <dsp:txXfrm>
+        <a:off x="5493" y="3119214"/>
+        <a:ext cx="1670935" cy="761612"/>
+      </dsp:txXfrm>
+    </dsp:sp>
+    <dsp:sp modelId="{31C96DB0-651A-4D96-B8EB-0C930DF3AF1A}">
+      <dsp:nvSpPr>
+        <dsp:cNvPr id="0" name=""/>
+        <dsp:cNvSpPr/>
+      </dsp:nvSpPr>
+      <dsp:spPr>
+        <a:xfrm>
+          <a:off x="1743549" y="3240189"/>
+          <a:ext cx="830454" cy="830454"/>
+        </a:xfrm>
+        <a:prstGeom prst="ellipse">
+          <a:avLst/>
+        </a:prstGeom>
+        <a:blipFill>
+          <a:blip xmlns:r="http://schemas.openxmlformats.org/officeDocument/2006/relationships" r:embed="rId1">
+            <a:extLst>
+              <a:ext uri="{96DAC541-7B7A-43D3-8B79-37D633B846F1}">
+                <asvg:svgBlip xmlns:asvg="http://schemas.microsoft.com/office/drawing/2016/SVG/main" r:embed="rId2"/>
+              </a:ext>
+            </a:extLst>
+          </a:blip>
+          <a:srcRect/>
+          <a:stretch>
+            <a:fillRect/>
+          </a:stretch>
+        </a:blipFill>
+        <a:ln w="12700" cap="flat" cmpd="sng" algn="ctr">
+          <a:solidFill>
+            <a:schemeClr val="accent1">
+              <a:alpha val="90000"/>
+              <a:tint val="40000"/>
+              <a:hueOff val="0"/>
+              <a:satOff val="0"/>
+              <a:lumOff val="0"/>
+              <a:alphaOff val="0"/>
+            </a:schemeClr>
+          </a:solidFill>
+          <a:prstDash val="solid"/>
+          <a:miter lim="800000"/>
+        </a:ln>
+        <a:effectLst/>
+      </dsp:spPr>
+      <dsp:style>
+        <a:lnRef idx="2">
+          <a:scrgbClr r="0" g="0" b="0"/>
+        </a:lnRef>
+        <a:fillRef idx="1">
+          <a:scrgbClr r="0" g="0" b="0"/>
+        </a:fillRef>
+        <a:effectRef idx="0">
+          <a:scrgbClr r="0" g="0" b="0"/>
+        </a:effectRef>
+        <a:fontRef idx="minor"/>
+      </dsp:style>
+    </dsp:sp>
+    <dsp:sp modelId="{2E68B11A-3D9E-471F-B173-1114CD6789E9}">
+      <dsp:nvSpPr>
+        <dsp:cNvPr id="0" name=""/>
+        <dsp:cNvSpPr/>
+      </dsp:nvSpPr>
+      <dsp:spPr>
+        <a:xfrm>
+          <a:off x="2779744" y="1348022"/>
+          <a:ext cx="2372728" cy="1771191"/>
+        </a:xfrm>
+        <a:prstGeom prst="round2SameRect">
+          <a:avLst>
+            <a:gd name="adj1" fmla="val 8000"/>
+            <a:gd name="adj2" fmla="val 0"/>
+          </a:avLst>
+        </a:prstGeom>
+        <a:solidFill>
+          <a:schemeClr val="lt1">
+            <a:alpha val="90000"/>
+            <a:hueOff val="0"/>
+            <a:satOff val="0"/>
+            <a:lumOff val="0"/>
+            <a:alphaOff val="0"/>
+          </a:schemeClr>
+        </a:solidFill>
+        <a:ln w="12700" cap="flat" cmpd="sng" algn="ctr">
+          <a:solidFill>
+            <a:schemeClr val="accent1">
+              <a:hueOff val="0"/>
+              <a:satOff val="0"/>
+              <a:lumOff val="0"/>
+              <a:alphaOff val="0"/>
+            </a:schemeClr>
+          </a:solidFill>
+          <a:prstDash val="solid"/>
+          <a:miter lim="800000"/>
+        </a:ln>
+        <a:effectLst/>
+      </dsp:spPr>
+      <dsp:style>
+        <a:lnRef idx="2">
+          <a:scrgbClr r="0" g="0" b="0"/>
+        </a:lnRef>
+        <a:fillRef idx="1">
+          <a:scrgbClr r="0" g="0" b="0"/>
+        </a:fillRef>
+        <a:effectRef idx="0">
+          <a:scrgbClr r="0" g="0" b="0"/>
+        </a:effectRef>
+        <a:fontRef idx="minor"/>
+      </dsp:style>
+      <dsp:txBody>
+        <a:bodyPr spcFirstLastPara="0" vert="horz" wrap="square" lIns="25400" tIns="76200" rIns="25400" bIns="25400" numCol="1" spcCol="1270" anchor="t" anchorCtr="0">
+          <a:noAutofit/>
+        </a:bodyPr>
+        <a:lstStyle/>
+        <a:p>
+          <a:pPr marL="228600" lvl="1" indent="-228600" algn="l" defTabSz="889000">
+            <a:lnSpc>
+              <a:spcPct val="90000"/>
+            </a:lnSpc>
+            <a:spcBef>
+              <a:spcPct val="0"/>
+            </a:spcBef>
+            <a:spcAft>
+              <a:spcPct val="15000"/>
+            </a:spcAft>
+            <a:buNone/>
+          </a:pPr>
+          <a:r>
+            <a:rPr lang="en-US" sz="2000" kern="1200" dirty="0"/>
+            <a:t>    Age, BMI, and blood pressure emerged as the most influential predictors of cardiovascular risk</a:t>
+          </a:r>
+          <a:endParaRPr lang="en-IN" sz="2000" kern="1200" dirty="0"/>
+        </a:p>
+      </dsp:txBody>
+      <dsp:txXfrm>
+        <a:off x="2821245" y="1389523"/>
+        <a:ext cx="2289726" cy="1729690"/>
+      </dsp:txXfrm>
+    </dsp:sp>
+    <dsp:sp modelId="{EF3B21DC-F17C-4E8D-AA36-17E0BC9088EB}">
+      <dsp:nvSpPr>
+        <dsp:cNvPr id="0" name=""/>
+        <dsp:cNvSpPr/>
+      </dsp:nvSpPr>
+      <dsp:spPr>
+        <a:xfrm>
+          <a:off x="2779744" y="3119214"/>
+          <a:ext cx="2372728" cy="761612"/>
+        </a:xfrm>
+        <a:prstGeom prst="rect">
+          <a:avLst/>
+        </a:prstGeom>
+        <a:solidFill>
+          <a:schemeClr val="accent1">
+            <a:hueOff val="0"/>
+            <a:satOff val="0"/>
+            <a:lumOff val="0"/>
+            <a:alphaOff val="0"/>
+          </a:schemeClr>
+        </a:solidFill>
+        <a:ln w="12700" cap="flat" cmpd="sng" algn="ctr">
+          <a:solidFill>
+            <a:schemeClr val="accent1">
+              <a:hueOff val="0"/>
+              <a:satOff val="0"/>
+              <a:lumOff val="0"/>
+              <a:alphaOff val="0"/>
+            </a:schemeClr>
+          </a:solidFill>
+          <a:prstDash val="solid"/>
+          <a:miter lim="800000"/>
+        </a:ln>
+        <a:effectLst/>
+      </dsp:spPr>
+      <dsp:style>
+        <a:lnRef idx="2">
+          <a:scrgbClr r="0" g="0" b="0"/>
+        </a:lnRef>
+        <a:fillRef idx="1">
+          <a:scrgbClr r="0" g="0" b="0"/>
+        </a:fillRef>
+        <a:effectRef idx="0">
+          <a:scrgbClr r="0" g="0" b="0"/>
+        </a:effectRef>
+        <a:fontRef idx="minor">
+          <a:schemeClr val="lt1"/>
+        </a:fontRef>
+      </dsp:style>
+      <dsp:txBody>
+        <a:bodyPr spcFirstLastPara="0" vert="horz" wrap="square" lIns="68580" tIns="0" rIns="22860" bIns="0" numCol="1" spcCol="1270" anchor="ctr" anchorCtr="0">
+          <a:noAutofit/>
+        </a:bodyPr>
+        <a:lstStyle/>
+        <a:p>
+          <a:pPr marL="0" lvl="0" indent="0" algn="l" defTabSz="800100">
+            <a:lnSpc>
+              <a:spcPct val="90000"/>
+            </a:lnSpc>
+            <a:spcBef>
+              <a:spcPct val="0"/>
+            </a:spcBef>
+            <a:spcAft>
+              <a:spcPct val="35000"/>
+            </a:spcAft>
+            <a:buNone/>
+          </a:pPr>
+          <a:r>
+            <a:rPr lang="en-IN" sz="1800" b="1" kern="1200" dirty="0">
+              <a:latin typeface="Cambria" panose="02040503050406030204" pitchFamily="18" charset="0"/>
+              <a:ea typeface="Cambria" panose="02040503050406030204" pitchFamily="18" charset="0"/>
+            </a:rPr>
+            <a:t>Key Risk Factors</a:t>
+          </a:r>
+          <a:endParaRPr lang="en-IN" sz="1800" kern="1200" dirty="0">
+            <a:latin typeface="Cambria" panose="02040503050406030204" pitchFamily="18" charset="0"/>
+            <a:ea typeface="Cambria" panose="02040503050406030204" pitchFamily="18" charset="0"/>
+          </a:endParaRPr>
+        </a:p>
+      </dsp:txBody>
+      <dsp:txXfrm>
+        <a:off x="2779744" y="3119214"/>
+        <a:ext cx="1670935" cy="761612"/>
+      </dsp:txXfrm>
+    </dsp:sp>
+    <dsp:sp modelId="{1D068B7C-6301-487E-9C8E-220A8841D6D1}">
+      <dsp:nvSpPr>
+        <dsp:cNvPr id="0" name=""/>
+        <dsp:cNvSpPr/>
+      </dsp:nvSpPr>
+      <dsp:spPr>
+        <a:xfrm>
+          <a:off x="4517800" y="3240189"/>
+          <a:ext cx="830454" cy="830454"/>
+        </a:xfrm>
+        <a:prstGeom prst="ellipse">
+          <a:avLst/>
+        </a:prstGeom>
+        <a:blipFill>
+          <a:blip xmlns:r="http://schemas.openxmlformats.org/officeDocument/2006/relationships" r:embed="rId3">
+            <a:extLst>
+              <a:ext uri="{96DAC541-7B7A-43D3-8B79-37D633B846F1}">
+                <asvg:svgBlip xmlns:asvg="http://schemas.microsoft.com/office/drawing/2016/SVG/main" r:embed="rId4"/>
+              </a:ext>
+            </a:extLst>
+          </a:blip>
+          <a:srcRect/>
+          <a:stretch>
+            <a:fillRect/>
+          </a:stretch>
+        </a:blipFill>
+        <a:ln w="12700" cap="flat" cmpd="sng" algn="ctr">
+          <a:solidFill>
+            <a:schemeClr val="accent1">
+              <a:alpha val="90000"/>
+              <a:tint val="40000"/>
+              <a:hueOff val="0"/>
+              <a:satOff val="0"/>
+              <a:lumOff val="0"/>
+              <a:alphaOff val="0"/>
+            </a:schemeClr>
+          </a:solidFill>
+          <a:prstDash val="solid"/>
+          <a:miter lim="800000"/>
+        </a:ln>
+        <a:effectLst/>
+      </dsp:spPr>
+      <dsp:style>
+        <a:lnRef idx="2">
+          <a:scrgbClr r="0" g="0" b="0"/>
+        </a:lnRef>
+        <a:fillRef idx="1">
+          <a:scrgbClr r="0" g="0" b="0"/>
+        </a:fillRef>
+        <a:effectRef idx="0">
+          <a:scrgbClr r="0" g="0" b="0"/>
+        </a:effectRef>
+        <a:fontRef idx="minor"/>
+      </dsp:style>
+    </dsp:sp>
+    <dsp:sp modelId="{1163D9D2-0825-4C12-9FF7-77090CEF6991}">
+      <dsp:nvSpPr>
+        <dsp:cNvPr id="0" name=""/>
+        <dsp:cNvSpPr/>
+      </dsp:nvSpPr>
+      <dsp:spPr>
+        <a:xfrm>
+          <a:off x="5553995" y="1348022"/>
+          <a:ext cx="2372728" cy="1771191"/>
+        </a:xfrm>
+        <a:prstGeom prst="round2SameRect">
+          <a:avLst>
+            <a:gd name="adj1" fmla="val 8000"/>
+            <a:gd name="adj2" fmla="val 0"/>
+          </a:avLst>
+        </a:prstGeom>
+        <a:solidFill>
+          <a:schemeClr val="lt1">
+            <a:alpha val="90000"/>
+            <a:hueOff val="0"/>
+            <a:satOff val="0"/>
+            <a:lumOff val="0"/>
+            <a:alphaOff val="0"/>
+          </a:schemeClr>
+        </a:solidFill>
+        <a:ln w="12700" cap="flat" cmpd="sng" algn="ctr">
+          <a:solidFill>
+            <a:schemeClr val="accent1">
+              <a:hueOff val="0"/>
+              <a:satOff val="0"/>
+              <a:lumOff val="0"/>
+              <a:alphaOff val="0"/>
+            </a:schemeClr>
+          </a:solidFill>
+          <a:prstDash val="solid"/>
+          <a:miter lim="800000"/>
+        </a:ln>
+        <a:effectLst/>
+      </dsp:spPr>
+      <dsp:style>
+        <a:lnRef idx="2">
+          <a:scrgbClr r="0" g="0" b="0"/>
+        </a:lnRef>
+        <a:fillRef idx="1">
+          <a:scrgbClr r="0" g="0" b="0"/>
+        </a:fillRef>
+        <a:effectRef idx="0">
+          <a:scrgbClr r="0" g="0" b="0"/>
+        </a:effectRef>
+        <a:fontRef idx="minor"/>
+      </dsp:style>
+      <dsp:txBody>
+        <a:bodyPr spcFirstLastPara="0" vert="horz" wrap="square" lIns="25400" tIns="76200" rIns="25400" bIns="25400" numCol="1" spcCol="1270" anchor="t" anchorCtr="0">
+          <a:noAutofit/>
+        </a:bodyPr>
+        <a:lstStyle/>
+        <a:p>
+          <a:pPr marL="228600" lvl="1" indent="-228600" algn="l" defTabSz="889000">
+            <a:lnSpc>
+              <a:spcPct val="90000"/>
+            </a:lnSpc>
+            <a:spcBef>
+              <a:spcPct val="0"/>
+            </a:spcBef>
+            <a:spcAft>
+              <a:spcPct val="15000"/>
+            </a:spcAft>
+            <a:buNone/>
+          </a:pPr>
+          <a:r>
+            <a:rPr lang="en-US" sz="2000" kern="1200" dirty="0"/>
+            <a:t>    Enhanced accuracy possible with more data and advanced models for better clinical decision support </a:t>
+          </a:r>
+          <a:endParaRPr lang="en-IN" sz="2000" kern="1200" dirty="0"/>
+        </a:p>
+      </dsp:txBody>
+      <dsp:txXfrm>
+        <a:off x="5595496" y="1389523"/>
+        <a:ext cx="2289726" cy="1729690"/>
+      </dsp:txXfrm>
+    </dsp:sp>
+    <dsp:sp modelId="{975B283D-D0E8-40D1-8128-D262FA270C68}">
+      <dsp:nvSpPr>
+        <dsp:cNvPr id="0" name=""/>
+        <dsp:cNvSpPr/>
+      </dsp:nvSpPr>
+      <dsp:spPr>
+        <a:xfrm>
+          <a:off x="5553995" y="3119214"/>
+          <a:ext cx="2372728" cy="761612"/>
+        </a:xfrm>
+        <a:prstGeom prst="rect">
+          <a:avLst/>
+        </a:prstGeom>
+        <a:solidFill>
+          <a:schemeClr val="accent1">
+            <a:hueOff val="0"/>
+            <a:satOff val="0"/>
+            <a:lumOff val="0"/>
+            <a:alphaOff val="0"/>
+          </a:schemeClr>
+        </a:solidFill>
+        <a:ln w="12700" cap="flat" cmpd="sng" algn="ctr">
+          <a:solidFill>
+            <a:schemeClr val="accent1">
+              <a:hueOff val="0"/>
+              <a:satOff val="0"/>
+              <a:lumOff val="0"/>
+              <a:alphaOff val="0"/>
+            </a:schemeClr>
+          </a:solidFill>
+          <a:prstDash val="solid"/>
+          <a:miter lim="800000"/>
+        </a:ln>
+        <a:effectLst/>
+      </dsp:spPr>
+      <dsp:style>
+        <a:lnRef idx="2">
+          <a:scrgbClr r="0" g="0" b="0"/>
+        </a:lnRef>
+        <a:fillRef idx="1">
+          <a:scrgbClr r="0" g="0" b="0"/>
+        </a:fillRef>
+        <a:effectRef idx="0">
+          <a:scrgbClr r="0" g="0" b="0"/>
+        </a:effectRef>
+        <a:fontRef idx="minor">
+          <a:schemeClr val="lt1"/>
+        </a:fontRef>
+      </dsp:style>
+      <dsp:txBody>
+        <a:bodyPr spcFirstLastPara="0" vert="horz" wrap="square" lIns="68580" tIns="0" rIns="22860" bIns="0" numCol="1" spcCol="1270" anchor="ctr" anchorCtr="0">
+          <a:noAutofit/>
+        </a:bodyPr>
+        <a:lstStyle/>
+        <a:p>
+          <a:pPr marL="0" lvl="0" indent="0" algn="l" defTabSz="800100">
+            <a:lnSpc>
+              <a:spcPct val="90000"/>
+            </a:lnSpc>
+            <a:spcBef>
+              <a:spcPct val="0"/>
+            </a:spcBef>
+            <a:spcAft>
+              <a:spcPct val="35000"/>
+            </a:spcAft>
+            <a:buNone/>
+          </a:pPr>
+          <a:r>
+            <a:rPr lang="en-IN" sz="1800" b="1" kern="1200" dirty="0">
+              <a:latin typeface="Cambria" panose="02040503050406030204" pitchFamily="18" charset="0"/>
+              <a:ea typeface="Cambria" panose="02040503050406030204" pitchFamily="18" charset="0"/>
+            </a:rPr>
+            <a:t>Future Improvements</a:t>
+          </a:r>
+          <a:endParaRPr lang="en-IN" sz="1800" kern="1200" dirty="0">
+            <a:latin typeface="Cambria" panose="02040503050406030204" pitchFamily="18" charset="0"/>
+            <a:ea typeface="Cambria" panose="02040503050406030204" pitchFamily="18" charset="0"/>
+          </a:endParaRPr>
+        </a:p>
+      </dsp:txBody>
+      <dsp:txXfrm>
+        <a:off x="5553995" y="3119214"/>
+        <a:ext cx="1670935" cy="761612"/>
+      </dsp:txXfrm>
+    </dsp:sp>
+    <dsp:sp modelId="{437B9EE7-0761-4A7F-831E-E87194CED778}">
+      <dsp:nvSpPr>
+        <dsp:cNvPr id="0" name=""/>
+        <dsp:cNvSpPr/>
+      </dsp:nvSpPr>
+      <dsp:spPr>
+        <a:xfrm>
+          <a:off x="7292051" y="3240189"/>
+          <a:ext cx="830454" cy="830454"/>
+        </a:xfrm>
+        <a:prstGeom prst="ellipse">
+          <a:avLst/>
+        </a:prstGeom>
+        <a:blipFill>
+          <a:blip xmlns:r="http://schemas.openxmlformats.org/officeDocument/2006/relationships" r:embed="rId5">
+            <a:extLst>
+              <a:ext uri="{96DAC541-7B7A-43D3-8B79-37D633B846F1}">
+                <asvg:svgBlip xmlns:asvg="http://schemas.microsoft.com/office/drawing/2016/SVG/main" r:embed="rId6"/>
+              </a:ext>
+            </a:extLst>
+          </a:blip>
+          <a:srcRect/>
+          <a:stretch>
+            <a:fillRect/>
+          </a:stretch>
+        </a:blipFill>
+        <a:ln w="12700" cap="flat" cmpd="sng" algn="ctr">
+          <a:solidFill>
+            <a:schemeClr val="accent1">
+              <a:alpha val="90000"/>
+              <a:tint val="40000"/>
               <a:hueOff val="0"/>
               <a:satOff val="0"/>
               <a:lumOff val="0"/>
@@ -2906,7 +6446,2577 @@
 </dgm:layoutDef>
 </file>
 
+<file path=ppt/diagrams/layout2.xml><?xml version="1.0" encoding="utf-8"?>
+<dgm:layoutDef xmlns:dgm="http://schemas.openxmlformats.org/drawingml/2006/diagram" xmlns:a="http://schemas.openxmlformats.org/drawingml/2006/main" uniqueId="urn:microsoft.com/office/officeart/2009/3/layout/StepUpProcess">
+  <dgm:title val=""/>
+  <dgm:desc val=""/>
+  <dgm:catLst>
+    <dgm:cat type="process" pri="1300"/>
+  </dgm:catLst>
+  <dgm:sampData>
+    <dgm:dataModel>
+      <dgm:ptLst>
+        <dgm:pt modelId="0" type="doc"/>
+        <dgm:pt modelId="10">
+          <dgm:prSet phldr="1"/>
+        </dgm:pt>
+        <dgm:pt modelId="20">
+          <dgm:prSet phldr="1"/>
+        </dgm:pt>
+        <dgm:pt modelId="30">
+          <dgm:prSet phldr="1"/>
+        </dgm:pt>
+      </dgm:ptLst>
+      <dgm:cxnLst>
+        <dgm:cxn modelId="60" srcId="0" destId="10" srcOrd="0" destOrd="0"/>
+        <dgm:cxn modelId="70" srcId="0" destId="20" srcOrd="1" destOrd="0"/>
+        <dgm:cxn modelId="80" srcId="0" destId="30" srcOrd="2" destOrd="0"/>
+      </dgm:cxnLst>
+      <dgm:bg/>
+      <dgm:whole/>
+    </dgm:dataModel>
+  </dgm:sampData>
+  <dgm:styleData>
+    <dgm:dataModel>
+      <dgm:ptLst>
+        <dgm:pt modelId="0" type="doc"/>
+        <dgm:pt modelId="10">
+          <dgm:prSet phldr="1"/>
+        </dgm:pt>
+        <dgm:pt modelId="20">
+          <dgm:prSet phldr="1"/>
+        </dgm:pt>
+      </dgm:ptLst>
+      <dgm:cxnLst>
+        <dgm:cxn modelId="60" srcId="0" destId="10" srcOrd="0" destOrd="0"/>
+        <dgm:cxn modelId="70" srcId="0" destId="20" srcOrd="1" destOrd="0"/>
+      </dgm:cxnLst>
+      <dgm:bg/>
+      <dgm:whole/>
+    </dgm:dataModel>
+  </dgm:styleData>
+  <dgm:clrData>
+    <dgm:dataModel>
+      <dgm:ptLst>
+        <dgm:pt modelId="0" type="doc"/>
+        <dgm:pt modelId="10">
+          <dgm:prSet phldr="1"/>
+        </dgm:pt>
+        <dgm:pt modelId="20">
+          <dgm:prSet phldr="1"/>
+        </dgm:pt>
+        <dgm:pt modelId="30">
+          <dgm:prSet phldr="1"/>
+        </dgm:pt>
+        <dgm:pt modelId="40">
+          <dgm:prSet phldr="1"/>
+        </dgm:pt>
+      </dgm:ptLst>
+      <dgm:cxnLst>
+        <dgm:cxn modelId="60" srcId="0" destId="10" srcOrd="0" destOrd="0"/>
+        <dgm:cxn modelId="70" srcId="0" destId="20" srcOrd="1" destOrd="0"/>
+        <dgm:cxn modelId="80" srcId="0" destId="30" srcOrd="2" destOrd="0"/>
+        <dgm:cxn modelId="90" srcId="0" destId="40" srcOrd="3" destOrd="0"/>
+      </dgm:cxnLst>
+      <dgm:bg/>
+      <dgm:whole/>
+    </dgm:dataModel>
+  </dgm:clrData>
+  <dgm:layoutNode name="rootnode">
+    <dgm:varLst>
+      <dgm:chMax/>
+      <dgm:chPref/>
+      <dgm:dir/>
+      <dgm:animLvl val="lvl"/>
+    </dgm:varLst>
+    <dgm:choose name="Name0">
+      <dgm:if name="Name1" func="var" arg="dir" op="equ" val="norm">
+        <dgm:alg type="snake">
+          <dgm:param type="grDir" val="bL"/>
+          <dgm:param type="flowDir" val="row"/>
+          <dgm:param type="off" val="off"/>
+          <dgm:param type="bkpt" val="fixed"/>
+          <dgm:param type="bkPtFixedVal" val="1"/>
+        </dgm:alg>
+      </dgm:if>
+      <dgm:else name="Name2">
+        <dgm:alg type="snake">
+          <dgm:param type="grDir" val="bR"/>
+          <dgm:param type="flowDir" val="row"/>
+          <dgm:param type="off" val="off"/>
+          <dgm:param type="bkpt" val="fixed"/>
+          <dgm:param type="bkPtFixedVal" val="1"/>
+        </dgm:alg>
+      </dgm:else>
+    </dgm:choose>
+    <dgm:shape xmlns:r="http://schemas.openxmlformats.org/officeDocument/2006/relationships" r:blip="">
+      <dgm:adjLst/>
+    </dgm:shape>
+    <dgm:constrLst>
+      <dgm:constr type="alignOff" forName="rootnode" val="1"/>
+      <dgm:constr type="primFontSz" for="des" ptType="node" op="equ" val="65"/>
+      <dgm:constr type="w" for="ch" forName="composite" refType="w"/>
+      <dgm:constr type="h" for="ch" forName="composite" refType="h"/>
+      <dgm:constr type="sp" refType="h" refFor="ch" refForName="composite" op="equ" fact="-0.765"/>
+      <dgm:constr type="w" for="ch" forName="sibTrans" refType="w" fact="0.103"/>
+      <dgm:constr type="h" for="ch" forName="sibTrans" refType="h" fact="0.103"/>
+    </dgm:constrLst>
+    <dgm:forEach name="nodesForEach" axis="ch" ptType="node">
+      <dgm:layoutNode name="composite">
+        <dgm:alg type="composite">
+          <dgm:param type="ar" val="0.861"/>
+        </dgm:alg>
+        <dgm:shape xmlns:r="http://schemas.openxmlformats.org/officeDocument/2006/relationships" r:blip="">
+          <dgm:adjLst/>
+        </dgm:shape>
+        <dgm:choose name="Name3">
+          <dgm:if name="Name4" func="var" arg="dir" op="equ" val="norm">
+            <dgm:constrLst>
+              <dgm:constr type="l" for="ch" forName="LShape" refType="w" fact="0"/>
+              <dgm:constr type="t" for="ch" forName="LShape" refType="h" fact="0.2347"/>
+              <dgm:constr type="w" for="ch" forName="LShape" refType="w" fact="0.998"/>
+              <dgm:constr type="h" for="ch" forName="LShape" refType="h" fact="0.5164"/>
+              <dgm:constr type="r" for="ch" forName="ParentText" refType="w"/>
+              <dgm:constr type="t" for="ch" forName="ParentText" refType="h" fact="0.32"/>
+              <dgm:constr type="w" for="ch" forName="ParentText" refType="w" fact="0.901"/>
+              <dgm:constr type="h" for="ch" forName="ParentText" refType="h" fact="0.68"/>
+              <dgm:constr type="l" for="ch" forName="Triangle" refType="w" fact="0.83"/>
+              <dgm:constr type="t" for="ch" forName="Triangle" refType="h" fact="0"/>
+              <dgm:constr type="w" for="ch" forName="Triangle" refType="w" fact="0.17"/>
+              <dgm:constr type="h" for="ch" forName="Triangle" refType="w" refFor="ch" refForName="Triangle"/>
+            </dgm:constrLst>
+          </dgm:if>
+          <dgm:else name="Name5">
+            <dgm:constrLst>
+              <dgm:constr type="l" for="ch" forName="LShape" refType="w" fact="0.002"/>
+              <dgm:constr type="t" for="ch" forName="LShape" refType="h" fact="0.2347"/>
+              <dgm:constr type="w" for="ch" forName="LShape" refType="w"/>
+              <dgm:constr type="h" for="ch" forName="LShape" refType="h" fact="0.5164"/>
+              <dgm:constr type="l" for="ch" forName="ParentText" refType="w" fact="0"/>
+              <dgm:constr type="t" for="ch" forName="ParentText" refType="h" fact="0.32"/>
+              <dgm:constr type="w" for="ch" forName="ParentText" refType="w" fact="0.902"/>
+              <dgm:constr type="h" for="ch" forName="ParentText" refType="h" fact="0.68"/>
+              <dgm:constr type="l" for="ch" forName="Triangle" refType="w" fact="0"/>
+              <dgm:constr type="t" for="ch" forName="Triangle" refType="h" fact="0"/>
+              <dgm:constr type="w" for="ch" forName="Triangle" refType="w" fact="0.17"/>
+              <dgm:constr type="h" for="ch" forName="Triangle" refType="w" refFor="ch" refForName="Triangle"/>
+            </dgm:constrLst>
+          </dgm:else>
+        </dgm:choose>
+        <dgm:layoutNode name="LShape" styleLbl="alignNode1">
+          <dgm:alg type="sp"/>
+          <dgm:choose name="Name6">
+            <dgm:if name="Name7" func="var" arg="dir" op="equ" val="norm">
+              <dgm:shape xmlns:r="http://schemas.openxmlformats.org/officeDocument/2006/relationships" rot="90" type="corner" r:blip="">
+                <dgm:adjLst>
+                  <dgm:adj idx="1" val="0.1612"/>
+                  <dgm:adj idx="2" val="0.1611"/>
+                </dgm:adjLst>
+              </dgm:shape>
+            </dgm:if>
+            <dgm:else name="Name8">
+              <dgm:shape xmlns:r="http://schemas.openxmlformats.org/officeDocument/2006/relationships" rot="180" type="corner" r:blip="">
+                <dgm:adjLst>
+                  <dgm:adj idx="1" val="0.1612"/>
+                  <dgm:adj idx="2" val="0.1611"/>
+                </dgm:adjLst>
+              </dgm:shape>
+            </dgm:else>
+          </dgm:choose>
+          <dgm:presOf/>
+        </dgm:layoutNode>
+        <dgm:layoutNode name="ParentText" styleLbl="revTx">
+          <dgm:varLst>
+            <dgm:chMax val="0"/>
+            <dgm:chPref val="0"/>
+            <dgm:bulletEnabled val="1"/>
+          </dgm:varLst>
+          <dgm:alg type="tx">
+            <dgm:param type="parTxLTRAlign" val="l"/>
+            <dgm:param type="txAnchorVert" val="t"/>
+          </dgm:alg>
+          <dgm:shape xmlns:r="http://schemas.openxmlformats.org/officeDocument/2006/relationships" type="rect" r:blip="">
+            <dgm:adjLst/>
+          </dgm:shape>
+          <dgm:presOf axis="desOrSelf" ptType="node"/>
+          <dgm:constrLst>
+            <dgm:constr type="lMarg" refType="primFontSz" fact="0.3"/>
+            <dgm:constr type="rMarg" refType="primFontSz" fact="0.3"/>
+            <dgm:constr type="tMarg" refType="primFontSz" fact="0.3"/>
+            <dgm:constr type="bMarg" refType="primFontSz" fact="0.3"/>
+          </dgm:constrLst>
+          <dgm:ruleLst>
+            <dgm:rule type="primFontSz" val="5" fact="NaN" max="NaN"/>
+          </dgm:ruleLst>
+        </dgm:layoutNode>
+        <dgm:choose name="Name9">
+          <dgm:if name="Name10" axis="followSib" ptType="node" func="cnt" op="gte" val="1">
+            <dgm:layoutNode name="Triangle" styleLbl="alignNode1">
+              <dgm:alg type="sp"/>
+              <dgm:choose name="Name11">
+                <dgm:if name="Name12" func="var" arg="dir" op="equ" val="norm">
+                  <dgm:shape xmlns:r="http://schemas.openxmlformats.org/officeDocument/2006/relationships" type="triangle" r:blip="">
+                    <dgm:adjLst>
+                      <dgm:adj idx="1" val="1"/>
+                    </dgm:adjLst>
+                  </dgm:shape>
+                </dgm:if>
+                <dgm:else name="Name13">
+                  <dgm:shape xmlns:r="http://schemas.openxmlformats.org/officeDocument/2006/relationships" rot="90" type="triangle" r:blip="">
+                    <dgm:adjLst>
+                      <dgm:adj idx="1" val="1"/>
+                    </dgm:adjLst>
+                  </dgm:shape>
+                </dgm:else>
+              </dgm:choose>
+              <dgm:presOf/>
+            </dgm:layoutNode>
+          </dgm:if>
+          <dgm:else name="Name14"/>
+        </dgm:choose>
+      </dgm:layoutNode>
+      <dgm:forEach name="sibTransForEach" axis="followSib" ptType="sibTrans" cnt="1">
+        <dgm:layoutNode name="sibTrans">
+          <dgm:alg type="composite">
+            <dgm:param type="ar" val="0.861"/>
+          </dgm:alg>
+          <dgm:constrLst>
+            <dgm:constr type="w" for="ch" forName="space" refType="w"/>
+            <dgm:constr type="h" for="ch" forName="space" refType="w"/>
+          </dgm:constrLst>
+          <dgm:layoutNode name="space" styleLbl="alignNode1">
+            <dgm:alg type="sp"/>
+            <dgm:shape xmlns:r="http://schemas.openxmlformats.org/officeDocument/2006/relationships" r:blip="">
+              <dgm:adjLst/>
+            </dgm:shape>
+            <dgm:presOf/>
+          </dgm:layoutNode>
+        </dgm:layoutNode>
+      </dgm:forEach>
+    </dgm:forEach>
+  </dgm:layoutNode>
+</dgm:layoutDef>
+</file>
+
+<file path=ppt/diagrams/layout3.xml><?xml version="1.0" encoding="utf-8"?>
+<dgm:layoutDef xmlns:dgm="http://schemas.openxmlformats.org/drawingml/2006/diagram" xmlns:a="http://schemas.openxmlformats.org/drawingml/2006/main" uniqueId="urn:microsoft.com/office/officeart/2005/8/layout/bList2">
+  <dgm:title val=""/>
+  <dgm:desc val=""/>
+  <dgm:catLst>
+    <dgm:cat type="list" pri="7000"/>
+    <dgm:cat type="convert" pri="16000"/>
+    <dgm:cat type="picture" pri="28000"/>
+    <dgm:cat type="pictureconvert" pri="28000"/>
+  </dgm:catLst>
+  <dgm:sampData useDef="1">
+    <dgm:dataModel>
+      <dgm:ptLst/>
+      <dgm:bg/>
+      <dgm:whole/>
+    </dgm:dataModel>
+  </dgm:sampData>
+  <dgm:styleData>
+    <dgm:dataModel>
+      <dgm:ptLst>
+        <dgm:pt modelId="0" type="doc"/>
+        <dgm:pt modelId="1"/>
+        <dgm:pt modelId="11"/>
+        <dgm:pt modelId="2"/>
+        <dgm:pt modelId="21"/>
+      </dgm:ptLst>
+      <dgm:cxnLst>
+        <dgm:cxn modelId="4" srcId="0" destId="1" srcOrd="0" destOrd="0"/>
+        <dgm:cxn modelId="5" srcId="0" destId="2" srcOrd="1" destOrd="0"/>
+        <dgm:cxn modelId="13" srcId="1" destId="11" srcOrd="0" destOrd="0"/>
+        <dgm:cxn modelId="23" srcId="2" destId="21" srcOrd="0" destOrd="0"/>
+      </dgm:cxnLst>
+      <dgm:bg/>
+      <dgm:whole/>
+    </dgm:dataModel>
+  </dgm:styleData>
+  <dgm:clrData>
+    <dgm:dataModel>
+      <dgm:ptLst>
+        <dgm:pt modelId="0" type="doc"/>
+        <dgm:pt modelId="1"/>
+        <dgm:pt modelId="11"/>
+        <dgm:pt modelId="2"/>
+        <dgm:pt modelId="21"/>
+        <dgm:pt modelId="3"/>
+        <dgm:pt modelId="31"/>
+        <dgm:pt modelId="4"/>
+        <dgm:pt modelId="41"/>
+      </dgm:ptLst>
+      <dgm:cxnLst>
+        <dgm:cxn modelId="5" srcId="0" destId="1" srcOrd="0" destOrd="0"/>
+        <dgm:cxn modelId="6" srcId="0" destId="2" srcOrd="1" destOrd="0"/>
+        <dgm:cxn modelId="7" srcId="0" destId="3" srcOrd="2" destOrd="0"/>
+        <dgm:cxn modelId="8" srcId="0" destId="4" srcOrd="3" destOrd="0"/>
+        <dgm:cxn modelId="13" srcId="1" destId="11" srcOrd="0" destOrd="0"/>
+        <dgm:cxn modelId="23" srcId="2" destId="21" srcOrd="0" destOrd="0"/>
+        <dgm:cxn modelId="33" srcId="3" destId="31" srcOrd="0" destOrd="0"/>
+        <dgm:cxn modelId="43" srcId="4" destId="41" srcOrd="0" destOrd="0"/>
+      </dgm:cxnLst>
+      <dgm:bg/>
+      <dgm:whole/>
+    </dgm:dataModel>
+  </dgm:clrData>
+  <dgm:layoutNode name="diagram">
+    <dgm:varLst>
+      <dgm:dir/>
+      <dgm:animLvl val="lvl"/>
+      <dgm:resizeHandles val="exact"/>
+    </dgm:varLst>
+    <dgm:choose name="Name0">
+      <dgm:if name="Name1" axis="self" func="var" arg="dir" op="equ" val="norm">
+        <dgm:alg type="snake">
+          <dgm:param type="grDir" val="tL"/>
+          <dgm:param type="flowDir" val="row"/>
+          <dgm:param type="contDir" val="sameDir"/>
+          <dgm:param type="off" val="ctr"/>
+        </dgm:alg>
+      </dgm:if>
+      <dgm:else name="Name2">
+        <dgm:alg type="snake">
+          <dgm:param type="grDir" val="tR"/>
+          <dgm:param type="flowDir" val="row"/>
+          <dgm:param type="contDir" val="sameDir"/>
+          <dgm:param type="off" val="ctr"/>
+        </dgm:alg>
+      </dgm:else>
+    </dgm:choose>
+    <dgm:shape xmlns:r="http://schemas.openxmlformats.org/officeDocument/2006/relationships" r:blip="">
+      <dgm:adjLst/>
+    </dgm:shape>
+    <dgm:presOf/>
+    <dgm:constrLst>
+      <dgm:constr type="w" for="ch" forName="compNode" refType="w"/>
+      <dgm:constr type="w" for="ch" ptType="sibTrans" refType="w" refFor="ch" refForName="compNode" op="equ" fact="0.08"/>
+      <dgm:constr type="sp" refType="w" refFor="ch" refForName="compNode" op="equ" fact="0.16"/>
+      <dgm:constr type="primFontSz" for="des" forName="parentText" op="equ" val="65"/>
+      <dgm:constr type="primFontSz" for="des" forName="childRect" op="equ" val="65"/>
+    </dgm:constrLst>
+    <dgm:ruleLst/>
+    <dgm:forEach name="nodesForEach" axis="ch" ptType="node">
+      <dgm:layoutNode name="compNode">
+        <dgm:alg type="composite">
+          <dgm:param type="ar" val="0.943"/>
+        </dgm:alg>
+        <dgm:shape xmlns:r="http://schemas.openxmlformats.org/officeDocument/2006/relationships" r:blip="">
+          <dgm:adjLst/>
+        </dgm:shape>
+        <dgm:presOf/>
+        <dgm:choose name="Name3">
+          <dgm:if name="Name4" axis="self" func="var" arg="dir" op="equ" val="norm">
+            <dgm:constrLst>
+              <dgm:constr type="w" val="1"/>
+              <dgm:constr type="h" refType="w" fact="1.06"/>
+              <dgm:constr type="h" for="ch" forName="childRect" refType="h" fact="0.65"/>
+              <dgm:constr type="w" for="ch" forName="childRect" refType="w" fact="0.923"/>
+              <dgm:constr type="l" for="ch" forName="childRect"/>
+              <dgm:constr type="t" for="ch" forName="childRect"/>
+              <dgm:constr type="w" for="ch" forName="parentText" refType="w" fact="0.65"/>
+              <dgm:constr type="h" for="ch" forName="parentText" refType="h" refFor="ch" refForName="childRect" fact="0.43"/>
+              <dgm:constr type="l" for="ch" forName="parentText"/>
+              <dgm:constr type="t" for="ch" forName="parentText" refType="h" refFor="ch" refForName="childRect"/>
+              <dgm:constr type="w" for="ch" forName="parentRect" refType="w" fact="0.923"/>
+              <dgm:constr type="h" for="ch" forName="parentRect" refType="h" refFor="ch" refForName="parentText"/>
+              <dgm:constr type="l" for="ch" forName="parentRect"/>
+              <dgm:constr type="t" for="ch" forName="parentRect" refType="t" refFor="ch" refForName="parentText"/>
+              <dgm:constr type="w" for="ch" forName="adorn" refType="w" refFor="ch" refForName="parentRect" fact="0.35"/>
+              <dgm:constr type="h" for="ch" forName="adorn" refType="w" refFor="ch" refForName="parentRect" fact="0.35"/>
+              <dgm:constr type="b" for="ch" forName="adorn" refType="h"/>
+              <dgm:constr type="r" for="ch" forName="adorn" refType="w"/>
+            </dgm:constrLst>
+          </dgm:if>
+          <dgm:else name="Name5">
+            <dgm:constrLst>
+              <dgm:constr type="w" val="1"/>
+              <dgm:constr type="h" refType="w" fact="1.06"/>
+              <dgm:constr type="h" for="ch" forName="childRect" refType="h" fact="0.65"/>
+              <dgm:constr type="w" for="ch" forName="childRect" refType="w" fact="0.923"/>
+              <dgm:constr type="r" for="ch" forName="childRect" refType="w"/>
+              <dgm:constr type="t" for="ch" forName="childRect"/>
+              <dgm:constr type="w" for="ch" forName="parentText" refType="w" fact="0.65"/>
+              <dgm:constr type="h" for="ch" forName="parentText" refType="h" refFor="ch" refForName="childRect" fact="0.43"/>
+              <dgm:constr type="r" for="ch" forName="parentText" refType="w"/>
+              <dgm:constr type="t" for="ch" forName="parentText" refType="h" refFor="ch" refForName="childRect"/>
+              <dgm:constr type="w" for="ch" forName="parentRect" refType="w" fact="0.923"/>
+              <dgm:constr type="h" for="ch" forName="parentRect" refType="h" refFor="ch" refForName="parentText"/>
+              <dgm:constr type="r" for="ch" forName="parentRect" refType="w"/>
+              <dgm:constr type="t" for="ch" forName="parentRect" refType="t" refFor="ch" refForName="parentText"/>
+              <dgm:constr type="w" for="ch" forName="adorn" refType="w" refFor="ch" refForName="parentRect" fact="0.35"/>
+              <dgm:constr type="h" for="ch" forName="adorn" refType="w" refFor="ch" refForName="parentRect" fact="0.35"/>
+              <dgm:constr type="b" for="ch" forName="adorn" refType="h"/>
+              <dgm:constr type="l" for="ch" forName="adorn"/>
+            </dgm:constrLst>
+          </dgm:else>
+        </dgm:choose>
+        <dgm:ruleLst/>
+        <dgm:layoutNode name="childRect" styleLbl="bgAcc1">
+          <dgm:varLst>
+            <dgm:bulletEnabled val="1"/>
+          </dgm:varLst>
+          <dgm:alg type="tx">
+            <dgm:param type="stBulletLvl" val="1"/>
+          </dgm:alg>
+          <dgm:shape xmlns:r="http://schemas.openxmlformats.org/officeDocument/2006/relationships" type="round2SameRect" r:blip="">
+            <dgm:adjLst>
+              <dgm:adj idx="1" val="0.08"/>
+            </dgm:adjLst>
+          </dgm:shape>
+          <dgm:presOf axis="des" ptType="node"/>
+          <dgm:constrLst>
+            <dgm:constr type="secFontSz" refType="primFontSz"/>
+            <dgm:constr type="tMarg" refType="primFontSz" fact="0.3"/>
+            <dgm:constr type="bMarg" refType="primFontSz" fact="0.1"/>
+            <dgm:constr type="lMarg" refType="primFontSz" fact="0.1"/>
+            <dgm:constr type="rMarg" refType="primFontSz" fact="0.1"/>
+          </dgm:constrLst>
+          <dgm:ruleLst>
+            <dgm:rule type="primFontSz" val="5" fact="NaN" max="NaN"/>
+          </dgm:ruleLst>
+        </dgm:layoutNode>
+        <dgm:layoutNode name="parentText">
+          <dgm:varLst>
+            <dgm:chMax val="0"/>
+            <dgm:bulletEnabled val="1"/>
+          </dgm:varLst>
+          <dgm:choose name="Name6">
+            <dgm:if name="Name7" func="var" arg="dir" op="equ" val="norm">
+              <dgm:alg type="tx">
+                <dgm:param type="parTxLTRAlign" val="l"/>
+                <dgm:param type="parTxRTLAlign" val="l"/>
+              </dgm:alg>
+            </dgm:if>
+            <dgm:else name="Name8">
+              <dgm:alg type="tx">
+                <dgm:param type="parTxLTRAlign" val="r"/>
+                <dgm:param type="parTxRTLAlign" val="r"/>
+              </dgm:alg>
+            </dgm:else>
+          </dgm:choose>
+          <dgm:shape xmlns:r="http://schemas.openxmlformats.org/officeDocument/2006/relationships" type="rect" r:blip="" zOrderOff="1" hideGeom="1">
+            <dgm:adjLst/>
+          </dgm:shape>
+          <dgm:presOf axis="self" ptType="node"/>
+          <dgm:constrLst>
+            <dgm:constr type="tMarg"/>
+            <dgm:constr type="bMarg"/>
+            <dgm:constr type="lMarg" refType="primFontSz" fact="0.3"/>
+            <dgm:constr type="rMarg" refType="primFontSz" fact="0.1"/>
+          </dgm:constrLst>
+          <dgm:ruleLst>
+            <dgm:rule type="primFontSz" val="5" fact="NaN" max="NaN"/>
+          </dgm:ruleLst>
+        </dgm:layoutNode>
+        <dgm:layoutNode name="parentRect" styleLbl="alignNode1">
+          <dgm:alg type="sp"/>
+          <dgm:shape xmlns:r="http://schemas.openxmlformats.org/officeDocument/2006/relationships" type="rect" r:blip="">
+            <dgm:adjLst/>
+          </dgm:shape>
+          <dgm:presOf axis="self" ptType="node"/>
+          <dgm:constrLst/>
+          <dgm:ruleLst/>
+        </dgm:layoutNode>
+        <dgm:layoutNode name="adorn" styleLbl="fgAccFollowNode1">
+          <dgm:alg type="sp"/>
+          <dgm:shape xmlns:r="http://schemas.openxmlformats.org/officeDocument/2006/relationships" type="ellipse" r:blip="" blipPhldr="1">
+            <dgm:adjLst/>
+          </dgm:shape>
+          <dgm:presOf/>
+          <dgm:constrLst/>
+          <dgm:ruleLst/>
+        </dgm:layoutNode>
+      </dgm:layoutNode>
+      <dgm:forEach name="sibTransForEach" axis="followSib" ptType="sibTrans" cnt="1">
+        <dgm:layoutNode name="sibTrans">
+          <dgm:alg type="sp"/>
+          <dgm:shape xmlns:r="http://schemas.openxmlformats.org/officeDocument/2006/relationships" type="rect" r:blip="" hideGeom="1">
+            <dgm:adjLst/>
+          </dgm:shape>
+          <dgm:presOf axis="self"/>
+          <dgm:constrLst>
+            <dgm:constr type="w" val="1"/>
+            <dgm:constr type="h" refType="w"/>
+          </dgm:constrLst>
+          <dgm:ruleLst/>
+        </dgm:layoutNode>
+      </dgm:forEach>
+    </dgm:forEach>
+  </dgm:layoutNode>
+</dgm:layoutDef>
+</file>
+
 <file path=ppt/diagrams/quickStyle1.xml><?xml version="1.0" encoding="utf-8"?>
+<dgm:styleDef xmlns:dgm="http://schemas.openxmlformats.org/drawingml/2006/diagram" xmlns:a="http://schemas.openxmlformats.org/drawingml/2006/main" uniqueId="urn:microsoft.com/office/officeart/2005/8/quickstyle/simple1">
+  <dgm:title val=""/>
+  <dgm:desc val=""/>
+  <dgm:catLst>
+    <dgm:cat type="simple" pri="10100"/>
+  </dgm:catLst>
+  <dgm:scene3d>
+    <a:camera prst="orthographicFront"/>
+    <a:lightRig rig="threePt" dir="t"/>
+  </dgm:scene3d>
+  <dgm:styleLbl name="node0">
+    <dgm:scene3d>
+      <a:camera prst="orthographicFront"/>
+      <a:lightRig rig="threePt" dir="t"/>
+    </dgm:scene3d>
+    <dgm:sp3d/>
+    <dgm:txPr/>
+    <dgm:style>
+      <a:lnRef idx="2">
+        <a:scrgbClr r="0" g="0" b="0"/>
+      </a:lnRef>
+      <a:fillRef idx="1">
+        <a:scrgbClr r="0" g="0" b="0"/>
+      </a:fillRef>
+      <a:effectRef idx="0">
+        <a:scrgbClr r="0" g="0" b="0"/>
+      </a:effectRef>
+      <a:fontRef idx="minor">
+        <a:schemeClr val="lt1"/>
+      </a:fontRef>
+    </dgm:style>
+  </dgm:styleLbl>
+  <dgm:styleLbl name="lnNode1">
+    <dgm:scene3d>
+      <a:camera prst="orthographicFront"/>
+      <a:lightRig rig="threePt" dir="t"/>
+    </dgm:scene3d>
+    <dgm:sp3d/>
+    <dgm:txPr/>
+    <dgm:style>
+      <a:lnRef idx="2">
+        <a:scrgbClr r="0" g="0" b="0"/>
+      </a:lnRef>
+      <a:fillRef idx="1">
+        <a:scrgbClr r="0" g="0" b="0"/>
+      </a:fillRef>
+      <a:effectRef idx="0">
+        <a:scrgbClr r="0" g="0" b="0"/>
+      </a:effectRef>
+      <a:fontRef idx="minor">
+        <a:schemeClr val="lt1"/>
+      </a:fontRef>
+    </dgm:style>
+  </dgm:styleLbl>
+  <dgm:styleLbl name="vennNode1">
+    <dgm:scene3d>
+      <a:camera prst="orthographicFront"/>
+      <a:lightRig rig="threePt" dir="t"/>
+    </dgm:scene3d>
+    <dgm:sp3d/>
+    <dgm:txPr/>
+    <dgm:style>
+      <a:lnRef idx="2">
+        <a:scrgbClr r="0" g="0" b="0"/>
+      </a:lnRef>
+      <a:fillRef idx="1">
+        <a:scrgbClr r="0" g="0" b="0"/>
+      </a:fillRef>
+      <a:effectRef idx="0">
+        <a:scrgbClr r="0" g="0" b="0"/>
+      </a:effectRef>
+      <a:fontRef idx="minor">
+        <a:schemeClr val="tx1"/>
+      </a:fontRef>
+    </dgm:style>
+  </dgm:styleLbl>
+  <dgm:styleLbl name="alignNode1">
+    <dgm:scene3d>
+      <a:camera prst="orthographicFront"/>
+      <a:lightRig rig="threePt" dir="t"/>
+    </dgm:scene3d>
+    <dgm:sp3d/>
+    <dgm:txPr/>
+    <dgm:style>
+      <a:lnRef idx="2">
+        <a:scrgbClr r="0" g="0" b="0"/>
+      </a:lnRef>
+      <a:fillRef idx="1">
+        <a:scrgbClr r="0" g="0" b="0"/>
+      </a:fillRef>
+      <a:effectRef idx="0">
+        <a:scrgbClr r="0" g="0" b="0"/>
+      </a:effectRef>
+      <a:fontRef idx="minor">
+        <a:schemeClr val="lt1"/>
+      </a:fontRef>
+    </dgm:style>
+  </dgm:styleLbl>
+  <dgm:styleLbl name="node1">
+    <dgm:scene3d>
+      <a:camera prst="orthographicFront"/>
+      <a:lightRig rig="threePt" dir="t"/>
+    </dgm:scene3d>
+    <dgm:sp3d/>
+    <dgm:txPr/>
+    <dgm:style>
+      <a:lnRef idx="2">
+        <a:scrgbClr r="0" g="0" b="0"/>
+      </a:lnRef>
+      <a:fillRef idx="1">
+        <a:scrgbClr r="0" g="0" b="0"/>
+      </a:fillRef>
+      <a:effectRef idx="0">
+        <a:scrgbClr r="0" g="0" b="0"/>
+      </a:effectRef>
+      <a:fontRef idx="minor">
+        <a:schemeClr val="lt1"/>
+      </a:fontRef>
+    </dgm:style>
+  </dgm:styleLbl>
+  <dgm:styleLbl name="node2">
+    <dgm:scene3d>
+      <a:camera prst="orthographicFront"/>
+      <a:lightRig rig="threePt" dir="t"/>
+    </dgm:scene3d>
+    <dgm:sp3d/>
+    <dgm:txPr/>
+    <dgm:style>
+      <a:lnRef idx="2">
+        <a:scrgbClr r="0" g="0" b="0"/>
+      </a:lnRef>
+      <a:fillRef idx="1">
+        <a:scrgbClr r="0" g="0" b="0"/>
+      </a:fillRef>
+      <a:effectRef idx="0">
+        <a:scrgbClr r="0" g="0" b="0"/>
+      </a:effectRef>
+      <a:fontRef idx="minor">
+        <a:schemeClr val="lt1"/>
+      </a:fontRef>
+    </dgm:style>
+  </dgm:styleLbl>
+  <dgm:styleLbl name="node3">
+    <dgm:scene3d>
+      <a:camera prst="orthographicFront"/>
+      <a:lightRig rig="threePt" dir="t"/>
+    </dgm:scene3d>
+    <dgm:sp3d/>
+    <dgm:txPr/>
+    <dgm:style>
+      <a:lnRef idx="2">
+        <a:scrgbClr r="0" g="0" b="0"/>
+      </a:lnRef>
+      <a:fillRef idx="1">
+        <a:scrgbClr r="0" g="0" b="0"/>
+      </a:fillRef>
+      <a:effectRef idx="0">
+        <a:scrgbClr r="0" g="0" b="0"/>
+      </a:effectRef>
+      <a:fontRef idx="minor">
+        <a:schemeClr val="lt1"/>
+      </a:fontRef>
+    </dgm:style>
+  </dgm:styleLbl>
+  <dgm:styleLbl name="node4">
+    <dgm:scene3d>
+      <a:camera prst="orthographicFront"/>
+      <a:lightRig rig="threePt" dir="t"/>
+    </dgm:scene3d>
+    <dgm:sp3d/>
+    <dgm:txPr/>
+    <dgm:style>
+      <a:lnRef idx="2">
+        <a:scrgbClr r="0" g="0" b="0"/>
+      </a:lnRef>
+      <a:fillRef idx="1">
+        <a:scrgbClr r="0" g="0" b="0"/>
+      </a:fillRef>
+      <a:effectRef idx="0">
+        <a:scrgbClr r="0" g="0" b="0"/>
+      </a:effectRef>
+      <a:fontRef idx="minor">
+        <a:schemeClr val="lt1"/>
+      </a:fontRef>
+    </dgm:style>
+  </dgm:styleLbl>
+  <dgm:styleLbl name="fgImgPlace1">
+    <dgm:scene3d>
+      <a:camera prst="orthographicFront"/>
+      <a:lightRig rig="threePt" dir="t"/>
+    </dgm:scene3d>
+    <dgm:sp3d/>
+    <dgm:txPr/>
+    <dgm:style>
+      <a:lnRef idx="2">
+        <a:scrgbClr r="0" g="0" b="0"/>
+      </a:lnRef>
+      <a:fillRef idx="1">
+        <a:scrgbClr r="0" g="0" b="0"/>
+      </a:fillRef>
+      <a:effectRef idx="0">
+        <a:scrgbClr r="0" g="0" b="0"/>
+      </a:effectRef>
+      <a:fontRef idx="minor"/>
+    </dgm:style>
+  </dgm:styleLbl>
+  <dgm:styleLbl name="alignImgPlace1">
+    <dgm:scene3d>
+      <a:camera prst="orthographicFront"/>
+      <a:lightRig rig="threePt" dir="t"/>
+    </dgm:scene3d>
+    <dgm:sp3d/>
+    <dgm:txPr/>
+    <dgm:style>
+      <a:lnRef idx="2">
+        <a:scrgbClr r="0" g="0" b="0"/>
+      </a:lnRef>
+      <a:fillRef idx="1">
+        <a:scrgbClr r="0" g="0" b="0"/>
+      </a:fillRef>
+      <a:effectRef idx="0">
+        <a:scrgbClr r="0" g="0" b="0"/>
+      </a:effectRef>
+      <a:fontRef idx="minor"/>
+    </dgm:style>
+  </dgm:styleLbl>
+  <dgm:styleLbl name="bgImgPlace1">
+    <dgm:scene3d>
+      <a:camera prst="orthographicFront"/>
+      <a:lightRig rig="threePt" dir="t"/>
+    </dgm:scene3d>
+    <dgm:sp3d/>
+    <dgm:txPr/>
+    <dgm:style>
+      <a:lnRef idx="2">
+        <a:scrgbClr r="0" g="0" b="0"/>
+      </a:lnRef>
+      <a:fillRef idx="1">
+        <a:scrgbClr r="0" g="0" b="0"/>
+      </a:fillRef>
+      <a:effectRef idx="0">
+        <a:scrgbClr r="0" g="0" b="0"/>
+      </a:effectRef>
+      <a:fontRef idx="minor"/>
+    </dgm:style>
+  </dgm:styleLbl>
+  <dgm:styleLbl name="sibTrans2D1">
+    <dgm:scene3d>
+      <a:camera prst="orthographicFront"/>
+      <a:lightRig rig="threePt" dir="t"/>
+    </dgm:scene3d>
+    <dgm:sp3d/>
+    <dgm:txPr/>
+    <dgm:style>
+      <a:lnRef idx="0">
+        <a:scrgbClr r="0" g="0" b="0"/>
+      </a:lnRef>
+      <a:fillRef idx="1">
+        <a:scrgbClr r="0" g="0" b="0"/>
+      </a:fillRef>
+      <a:effectRef idx="0">
+        <a:scrgbClr r="0" g="0" b="0"/>
+      </a:effectRef>
+      <a:fontRef idx="minor">
+        <a:schemeClr val="lt1"/>
+      </a:fontRef>
+    </dgm:style>
+  </dgm:styleLbl>
+  <dgm:styleLbl name="fgSibTrans2D1">
+    <dgm:scene3d>
+      <a:camera prst="orthographicFront"/>
+      <a:lightRig rig="threePt" dir="t"/>
+    </dgm:scene3d>
+    <dgm:sp3d/>
+    <dgm:txPr/>
+    <dgm:style>
+      <a:lnRef idx="0">
+        <a:scrgbClr r="0" g="0" b="0"/>
+      </a:lnRef>
+      <a:fillRef idx="1">
+        <a:scrgbClr r="0" g="0" b="0"/>
+      </a:fillRef>
+      <a:effectRef idx="0">
+        <a:scrgbClr r="0" g="0" b="0"/>
+      </a:effectRef>
+      <a:fontRef idx="minor">
+        <a:schemeClr val="lt1"/>
+      </a:fontRef>
+    </dgm:style>
+  </dgm:styleLbl>
+  <dgm:styleLbl name="bgSibTrans2D1">
+    <dgm:scene3d>
+      <a:camera prst="orthographicFront"/>
+      <a:lightRig rig="threePt" dir="t"/>
+    </dgm:scene3d>
+    <dgm:sp3d/>
+    <dgm:txPr/>
+    <dgm:style>
+      <a:lnRef idx="0">
+        <a:scrgbClr r="0" g="0" b="0"/>
+      </a:lnRef>
+      <a:fillRef idx="1">
+        <a:scrgbClr r="0" g="0" b="0"/>
+      </a:fillRef>
+      <a:effectRef idx="0">
+        <a:scrgbClr r="0" g="0" b="0"/>
+      </a:effectRef>
+      <a:fontRef idx="minor">
+        <a:schemeClr val="lt1"/>
+      </a:fontRef>
+    </dgm:style>
+  </dgm:styleLbl>
+  <dgm:styleLbl name="sibTrans1D1">
+    <dgm:scene3d>
+      <a:camera prst="orthographicFront"/>
+      <a:lightRig rig="threePt" dir="t"/>
+    </dgm:scene3d>
+    <dgm:sp3d/>
+    <dgm:txPr/>
+    <dgm:style>
+      <a:lnRef idx="1">
+        <a:scrgbClr r="0" g="0" b="0"/>
+      </a:lnRef>
+      <a:fillRef idx="0">
+        <a:scrgbClr r="0" g="0" b="0"/>
+      </a:fillRef>
+      <a:effectRef idx="0">
+        <a:scrgbClr r="0" g="0" b="0"/>
+      </a:effectRef>
+      <a:fontRef idx="minor"/>
+    </dgm:style>
+  </dgm:styleLbl>
+  <dgm:styleLbl name="callout">
+    <dgm:scene3d>
+      <a:camera prst="orthographicFront"/>
+      <a:lightRig rig="threePt" dir="t"/>
+    </dgm:scene3d>
+    <dgm:sp3d/>
+    <dgm:txPr/>
+    <dgm:style>
+      <a:lnRef idx="2">
+        <a:scrgbClr r="0" g="0" b="0"/>
+      </a:lnRef>
+      <a:fillRef idx="1">
+        <a:scrgbClr r="0" g="0" b="0"/>
+      </a:fillRef>
+      <a:effectRef idx="0">
+        <a:scrgbClr r="0" g="0" b="0"/>
+      </a:effectRef>
+      <a:fontRef idx="minor"/>
+    </dgm:style>
+  </dgm:styleLbl>
+  <dgm:styleLbl name="asst0">
+    <dgm:scene3d>
+      <a:camera prst="orthographicFront"/>
+      <a:lightRig rig="threePt" dir="t"/>
+    </dgm:scene3d>
+    <dgm:sp3d/>
+    <dgm:txPr/>
+    <dgm:style>
+      <a:lnRef idx="2">
+        <a:scrgbClr r="0" g="0" b="0"/>
+      </a:lnRef>
+      <a:fillRef idx="1">
+        <a:scrgbClr r="0" g="0" b="0"/>
+      </a:fillRef>
+      <a:effectRef idx="0">
+        <a:scrgbClr r="0" g="0" b="0"/>
+      </a:effectRef>
+      <a:fontRef idx="minor">
+        <a:schemeClr val="lt1"/>
+      </a:fontRef>
+    </dgm:style>
+  </dgm:styleLbl>
+  <dgm:styleLbl name="asst1">
+    <dgm:scene3d>
+      <a:camera prst="orthographicFront"/>
+      <a:lightRig rig="threePt" dir="t"/>
+    </dgm:scene3d>
+    <dgm:sp3d/>
+    <dgm:txPr/>
+    <dgm:style>
+      <a:lnRef idx="2">
+        <a:scrgbClr r="0" g="0" b="0"/>
+      </a:lnRef>
+      <a:fillRef idx="1">
+        <a:scrgbClr r="0" g="0" b="0"/>
+      </a:fillRef>
+      <a:effectRef idx="0">
+        <a:scrgbClr r="0" g="0" b="0"/>
+      </a:effectRef>
+      <a:fontRef idx="minor">
+        <a:schemeClr val="lt1"/>
+      </a:fontRef>
+    </dgm:style>
+  </dgm:styleLbl>
+  <dgm:styleLbl name="asst2">
+    <dgm:scene3d>
+      <a:camera prst="orthographicFront"/>
+      <a:lightRig rig="threePt" dir="t"/>
+    </dgm:scene3d>
+    <dgm:sp3d/>
+    <dgm:txPr/>
+    <dgm:style>
+      <a:lnRef idx="2">
+        <a:scrgbClr r="0" g="0" b="0"/>
+      </a:lnRef>
+      <a:fillRef idx="1">
+        <a:scrgbClr r="0" g="0" b="0"/>
+      </a:fillRef>
+      <a:effectRef idx="0">
+        <a:scrgbClr r="0" g="0" b="0"/>
+      </a:effectRef>
+      <a:fontRef idx="minor">
+        <a:schemeClr val="lt1"/>
+      </a:fontRef>
+    </dgm:style>
+  </dgm:styleLbl>
+  <dgm:styleLbl name="asst3">
+    <dgm:scene3d>
+      <a:camera prst="orthographicFront"/>
+      <a:lightRig rig="threePt" dir="t"/>
+    </dgm:scene3d>
+    <dgm:sp3d/>
+    <dgm:txPr/>
+    <dgm:style>
+      <a:lnRef idx="2">
+        <a:scrgbClr r="0" g="0" b="0"/>
+      </a:lnRef>
+      <a:fillRef idx="1">
+        <a:scrgbClr r="0" g="0" b="0"/>
+      </a:fillRef>
+      <a:effectRef idx="0">
+        <a:scrgbClr r="0" g="0" b="0"/>
+      </a:effectRef>
+      <a:fontRef idx="minor">
+        <a:schemeClr val="lt1"/>
+      </a:fontRef>
+    </dgm:style>
+  </dgm:styleLbl>
+  <dgm:styleLbl name="asst4">
+    <dgm:scene3d>
+      <a:camera prst="orthographicFront"/>
+      <a:lightRig rig="threePt" dir="t"/>
+    </dgm:scene3d>
+    <dgm:sp3d/>
+    <dgm:txPr/>
+    <dgm:style>
+      <a:lnRef idx="2">
+        <a:scrgbClr r="0" g="0" b="0"/>
+      </a:lnRef>
+      <a:fillRef idx="1">
+        <a:scrgbClr r="0" g="0" b="0"/>
+      </a:fillRef>
+      <a:effectRef idx="0">
+        <a:scrgbClr r="0" g="0" b="0"/>
+      </a:effectRef>
+      <a:fontRef idx="minor">
+        <a:schemeClr val="lt1"/>
+      </a:fontRef>
+    </dgm:style>
+  </dgm:styleLbl>
+  <dgm:styleLbl name="parChTrans2D1">
+    <dgm:scene3d>
+      <a:camera prst="orthographicFront"/>
+      <a:lightRig rig="threePt" dir="t"/>
+    </dgm:scene3d>
+    <dgm:sp3d/>
+    <dgm:txPr/>
+    <dgm:style>
+      <a:lnRef idx="2">
+        <a:scrgbClr r="0" g="0" b="0"/>
+      </a:lnRef>
+      <a:fillRef idx="1">
+        <a:scrgbClr r="0" g="0" b="0"/>
+      </a:fillRef>
+      <a:effectRef idx="0">
+        <a:scrgbClr r="0" g="0" b="0"/>
+      </a:effectRef>
+      <a:fontRef idx="minor">
+        <a:schemeClr val="lt1"/>
+      </a:fontRef>
+    </dgm:style>
+  </dgm:styleLbl>
+  <dgm:styleLbl name="parChTrans2D2">
+    <dgm:scene3d>
+      <a:camera prst="orthographicFront"/>
+      <a:lightRig rig="threePt" dir="t"/>
+    </dgm:scene3d>
+    <dgm:sp3d/>
+    <dgm:txPr/>
+    <dgm:style>
+      <a:lnRef idx="2">
+        <a:scrgbClr r="0" g="0" b="0"/>
+      </a:lnRef>
+      <a:fillRef idx="1">
+        <a:scrgbClr r="0" g="0" b="0"/>
+      </a:fillRef>
+      <a:effectRef idx="0">
+        <a:scrgbClr r="0" g="0" b="0"/>
+      </a:effectRef>
+      <a:fontRef idx="minor">
+        <a:schemeClr val="lt1"/>
+      </a:fontRef>
+    </dgm:style>
+  </dgm:styleLbl>
+  <dgm:styleLbl name="parChTrans2D3">
+    <dgm:scene3d>
+      <a:camera prst="orthographicFront"/>
+      <a:lightRig rig="threePt" dir="t"/>
+    </dgm:scene3d>
+    <dgm:sp3d/>
+    <dgm:txPr/>
+    <dgm:style>
+      <a:lnRef idx="2">
+        <a:scrgbClr r="0" g="0" b="0"/>
+      </a:lnRef>
+      <a:fillRef idx="1">
+        <a:scrgbClr r="0" g="0" b="0"/>
+      </a:fillRef>
+      <a:effectRef idx="0">
+        <a:scrgbClr r="0" g="0" b="0"/>
+      </a:effectRef>
+      <a:fontRef idx="minor">
+        <a:schemeClr val="lt1"/>
+      </a:fontRef>
+    </dgm:style>
+  </dgm:styleLbl>
+  <dgm:styleLbl name="parChTrans2D4">
+    <dgm:scene3d>
+      <a:camera prst="orthographicFront"/>
+      <a:lightRig rig="threePt" dir="t"/>
+    </dgm:scene3d>
+    <dgm:sp3d/>
+    <dgm:txPr/>
+    <dgm:style>
+      <a:lnRef idx="2">
+        <a:scrgbClr r="0" g="0" b="0"/>
+      </a:lnRef>
+      <a:fillRef idx="1">
+        <a:scrgbClr r="0" g="0" b="0"/>
+      </a:fillRef>
+      <a:effectRef idx="0">
+        <a:scrgbClr r="0" g="0" b="0"/>
+      </a:effectRef>
+      <a:fontRef idx="minor">
+        <a:schemeClr val="lt1"/>
+      </a:fontRef>
+    </dgm:style>
+  </dgm:styleLbl>
+  <dgm:styleLbl name="parChTrans1D1">
+    <dgm:scene3d>
+      <a:camera prst="orthographicFront"/>
+      <a:lightRig rig="threePt" dir="t"/>
+    </dgm:scene3d>
+    <dgm:sp3d/>
+    <dgm:txPr/>
+    <dgm:style>
+      <a:lnRef idx="2">
+        <a:scrgbClr r="0" g="0" b="0"/>
+      </a:lnRef>
+      <a:fillRef idx="0">
+        <a:scrgbClr r="0" g="0" b="0"/>
+      </a:fillRef>
+      <a:effectRef idx="0">
+        <a:scrgbClr r="0" g="0" b="0"/>
+      </a:effectRef>
+      <a:fontRef idx="minor"/>
+    </dgm:style>
+  </dgm:styleLbl>
+  <dgm:styleLbl name="parChTrans1D2">
+    <dgm:scene3d>
+      <a:camera prst="orthographicFront"/>
+      <a:lightRig rig="threePt" dir="t"/>
+    </dgm:scene3d>
+    <dgm:sp3d/>
+    <dgm:txPr/>
+    <dgm:style>
+      <a:lnRef idx="2">
+        <a:scrgbClr r="0" g="0" b="0"/>
+      </a:lnRef>
+      <a:fillRef idx="0">
+        <a:scrgbClr r="0" g="0" b="0"/>
+      </a:fillRef>
+      <a:effectRef idx="0">
+        <a:scrgbClr r="0" g="0" b="0"/>
+      </a:effectRef>
+      <a:fontRef idx="minor"/>
+    </dgm:style>
+  </dgm:styleLbl>
+  <dgm:styleLbl name="parChTrans1D3">
+    <dgm:scene3d>
+      <a:camera prst="orthographicFront"/>
+      <a:lightRig rig="threePt" dir="t"/>
+    </dgm:scene3d>
+    <dgm:sp3d/>
+    <dgm:txPr/>
+    <dgm:style>
+      <a:lnRef idx="2">
+        <a:scrgbClr r="0" g="0" b="0"/>
+      </a:lnRef>
+      <a:fillRef idx="0">
+        <a:scrgbClr r="0" g="0" b="0"/>
+      </a:fillRef>
+      <a:effectRef idx="0">
+        <a:scrgbClr r="0" g="0" b="0"/>
+      </a:effectRef>
+      <a:fontRef idx="minor"/>
+    </dgm:style>
+  </dgm:styleLbl>
+  <dgm:styleLbl name="parChTrans1D4">
+    <dgm:scene3d>
+      <a:camera prst="orthographicFront"/>
+      <a:lightRig rig="threePt" dir="t"/>
+    </dgm:scene3d>
+    <dgm:sp3d/>
+    <dgm:txPr/>
+    <dgm:style>
+      <a:lnRef idx="2">
+        <a:scrgbClr r="0" g="0" b="0"/>
+      </a:lnRef>
+      <a:fillRef idx="0">
+        <a:scrgbClr r="0" g="0" b="0"/>
+      </a:fillRef>
+      <a:effectRef idx="0">
+        <a:scrgbClr r="0" g="0" b="0"/>
+      </a:effectRef>
+      <a:fontRef idx="minor"/>
+    </dgm:style>
+  </dgm:styleLbl>
+  <dgm:styleLbl name="fgAcc1">
+    <dgm:scene3d>
+      <a:camera prst="orthographicFront"/>
+      <a:lightRig rig="threePt" dir="t"/>
+    </dgm:scene3d>
+    <dgm:sp3d/>
+    <dgm:txPr/>
+    <dgm:style>
+      <a:lnRef idx="2">
+        <a:scrgbClr r="0" g="0" b="0"/>
+      </a:lnRef>
+      <a:fillRef idx="1">
+        <a:scrgbClr r="0" g="0" b="0"/>
+      </a:fillRef>
+      <a:effectRef idx="0">
+        <a:scrgbClr r="0" g="0" b="0"/>
+      </a:effectRef>
+      <a:fontRef idx="minor"/>
+    </dgm:style>
+  </dgm:styleLbl>
+  <dgm:styleLbl name="conFgAcc1">
+    <dgm:scene3d>
+      <a:camera prst="orthographicFront"/>
+      <a:lightRig rig="threePt" dir="t"/>
+    </dgm:scene3d>
+    <dgm:sp3d/>
+    <dgm:txPr/>
+    <dgm:style>
+      <a:lnRef idx="2">
+        <a:scrgbClr r="0" g="0" b="0"/>
+      </a:lnRef>
+      <a:fillRef idx="1">
+        <a:scrgbClr r="0" g="0" b="0"/>
+      </a:fillRef>
+      <a:effectRef idx="0">
+        <a:scrgbClr r="0" g="0" b="0"/>
+      </a:effectRef>
+      <a:fontRef idx="minor"/>
+    </dgm:style>
+  </dgm:styleLbl>
+  <dgm:styleLbl name="alignAcc1">
+    <dgm:scene3d>
+      <a:camera prst="orthographicFront"/>
+      <a:lightRig rig="threePt" dir="t"/>
+    </dgm:scene3d>
+    <dgm:sp3d/>
+    <dgm:txPr/>
+    <dgm:style>
+      <a:lnRef idx="2">
+        <a:scrgbClr r="0" g="0" b="0"/>
+      </a:lnRef>
+      <a:fillRef idx="1">
+        <a:scrgbClr r="0" g="0" b="0"/>
+      </a:fillRef>
+      <a:effectRef idx="0">
+        <a:scrgbClr r="0" g="0" b="0"/>
+      </a:effectRef>
+      <a:fontRef idx="minor"/>
+    </dgm:style>
+  </dgm:styleLbl>
+  <dgm:styleLbl name="trAlignAcc1">
+    <dgm:scene3d>
+      <a:camera prst="orthographicFront"/>
+      <a:lightRig rig="threePt" dir="t"/>
+    </dgm:scene3d>
+    <dgm:sp3d/>
+    <dgm:txPr/>
+    <dgm:style>
+      <a:lnRef idx="1">
+        <a:scrgbClr r="0" g="0" b="0"/>
+      </a:lnRef>
+      <a:fillRef idx="1">
+        <a:scrgbClr r="0" g="0" b="0"/>
+      </a:fillRef>
+      <a:effectRef idx="0">
+        <a:scrgbClr r="0" g="0" b="0"/>
+      </a:effectRef>
+      <a:fontRef idx="minor"/>
+    </dgm:style>
+  </dgm:styleLbl>
+  <dgm:styleLbl name="bgAcc1">
+    <dgm:scene3d>
+      <a:camera prst="orthographicFront"/>
+      <a:lightRig rig="threePt" dir="t"/>
+    </dgm:scene3d>
+    <dgm:sp3d/>
+    <dgm:txPr/>
+    <dgm:style>
+      <a:lnRef idx="2">
+        <a:scrgbClr r="0" g="0" b="0"/>
+      </a:lnRef>
+      <a:fillRef idx="1">
+        <a:scrgbClr r="0" g="0" b="0"/>
+      </a:fillRef>
+      <a:effectRef idx="0">
+        <a:scrgbClr r="0" g="0" b="0"/>
+      </a:effectRef>
+      <a:fontRef idx="minor"/>
+    </dgm:style>
+  </dgm:styleLbl>
+  <dgm:styleLbl name="solidFgAcc1">
+    <dgm:scene3d>
+      <a:camera prst="orthographicFront"/>
+      <a:lightRig rig="threePt" dir="t"/>
+    </dgm:scene3d>
+    <dgm:sp3d/>
+    <dgm:txPr/>
+    <dgm:style>
+      <a:lnRef idx="2">
+        <a:scrgbClr r="0" g="0" b="0"/>
+      </a:lnRef>
+      <a:fillRef idx="1">
+        <a:scrgbClr r="0" g="0" b="0"/>
+      </a:fillRef>
+      <a:effectRef idx="0">
+        <a:scrgbClr r="0" g="0" b="0"/>
+      </a:effectRef>
+      <a:fontRef idx="minor"/>
+    </dgm:style>
+  </dgm:styleLbl>
+  <dgm:styleLbl name="solidAlignAcc1">
+    <dgm:scene3d>
+      <a:camera prst="orthographicFront"/>
+      <a:lightRig rig="threePt" dir="t"/>
+    </dgm:scene3d>
+    <dgm:sp3d/>
+    <dgm:txPr/>
+    <dgm:style>
+      <a:lnRef idx="2">
+        <a:scrgbClr r="0" g="0" b="0"/>
+      </a:lnRef>
+      <a:fillRef idx="1">
+        <a:scrgbClr r="0" g="0" b="0"/>
+      </a:fillRef>
+      <a:effectRef idx="0">
+        <a:scrgbClr r="0" g="0" b="0"/>
+      </a:effectRef>
+      <a:fontRef idx="minor"/>
+    </dgm:style>
+  </dgm:styleLbl>
+  <dgm:styleLbl name="solidBgAcc1">
+    <dgm:scene3d>
+      <a:camera prst="orthographicFront"/>
+      <a:lightRig rig="threePt" dir="t"/>
+    </dgm:scene3d>
+    <dgm:sp3d/>
+    <dgm:txPr/>
+    <dgm:style>
+      <a:lnRef idx="2">
+        <a:scrgbClr r="0" g="0" b="0"/>
+      </a:lnRef>
+      <a:fillRef idx="1">
+        <a:scrgbClr r="0" g="0" b="0"/>
+      </a:fillRef>
+      <a:effectRef idx="0">
+        <a:scrgbClr r="0" g="0" b="0"/>
+      </a:effectRef>
+      <a:fontRef idx="minor"/>
+    </dgm:style>
+  </dgm:styleLbl>
+  <dgm:styleLbl name="fgAccFollowNode1">
+    <dgm:scene3d>
+      <a:camera prst="orthographicFront"/>
+      <a:lightRig rig="threePt" dir="t"/>
+    </dgm:scene3d>
+    <dgm:sp3d/>
+    <dgm:txPr/>
+    <dgm:style>
+      <a:lnRef idx="2">
+        <a:scrgbClr r="0" g="0" b="0"/>
+      </a:lnRef>
+      <a:fillRef idx="1">
+        <a:scrgbClr r="0" g="0" b="0"/>
+      </a:fillRef>
+      <a:effectRef idx="0">
+        <a:scrgbClr r="0" g="0" b="0"/>
+      </a:effectRef>
+      <a:fontRef idx="minor"/>
+    </dgm:style>
+  </dgm:styleLbl>
+  <dgm:styleLbl name="alignAccFollowNode1">
+    <dgm:scene3d>
+      <a:camera prst="orthographicFront"/>
+      <a:lightRig rig="threePt" dir="t"/>
+    </dgm:scene3d>
+    <dgm:sp3d/>
+    <dgm:txPr/>
+    <dgm:style>
+      <a:lnRef idx="2">
+        <a:scrgbClr r="0" g="0" b="0"/>
+      </a:lnRef>
+      <a:fillRef idx="1">
+        <a:scrgbClr r="0" g="0" b="0"/>
+      </a:fillRef>
+      <a:effectRef idx="0">
+        <a:scrgbClr r="0" g="0" b="0"/>
+      </a:effectRef>
+      <a:fontRef idx="minor"/>
+    </dgm:style>
+  </dgm:styleLbl>
+  <dgm:styleLbl name="bgAccFollowNode1">
+    <dgm:scene3d>
+      <a:camera prst="orthographicFront"/>
+      <a:lightRig rig="threePt" dir="t"/>
+    </dgm:scene3d>
+    <dgm:sp3d/>
+    <dgm:txPr/>
+    <dgm:style>
+      <a:lnRef idx="2">
+        <a:scrgbClr r="0" g="0" b="0"/>
+      </a:lnRef>
+      <a:fillRef idx="1">
+        <a:scrgbClr r="0" g="0" b="0"/>
+      </a:fillRef>
+      <a:effectRef idx="0">
+        <a:scrgbClr r="0" g="0" b="0"/>
+      </a:effectRef>
+      <a:fontRef idx="minor"/>
+    </dgm:style>
+  </dgm:styleLbl>
+  <dgm:styleLbl name="fgAcc0">
+    <dgm:scene3d>
+      <a:camera prst="orthographicFront"/>
+      <a:lightRig rig="threePt" dir="t"/>
+    </dgm:scene3d>
+    <dgm:sp3d/>
+    <dgm:txPr/>
+    <dgm:style>
+      <a:lnRef idx="2">
+        <a:scrgbClr r="0" g="0" b="0"/>
+      </a:lnRef>
+      <a:fillRef idx="1">
+        <a:scrgbClr r="0" g="0" b="0"/>
+      </a:fillRef>
+      <a:effectRef idx="0">
+        <a:scrgbClr r="0" g="0" b="0"/>
+      </a:effectRef>
+      <a:fontRef idx="minor"/>
+    </dgm:style>
+  </dgm:styleLbl>
+  <dgm:styleLbl name="fgAcc2">
+    <dgm:scene3d>
+      <a:camera prst="orthographicFront"/>
+      <a:lightRig rig="threePt" dir="t"/>
+    </dgm:scene3d>
+    <dgm:sp3d/>
+    <dgm:txPr/>
+    <dgm:style>
+      <a:lnRef idx="2">
+        <a:scrgbClr r="0" g="0" b="0"/>
+      </a:lnRef>
+      <a:fillRef idx="1">
+        <a:scrgbClr r="0" g="0" b="0"/>
+      </a:fillRef>
+      <a:effectRef idx="0">
+        <a:scrgbClr r="0" g="0" b="0"/>
+      </a:effectRef>
+      <a:fontRef idx="minor"/>
+    </dgm:style>
+  </dgm:styleLbl>
+  <dgm:styleLbl name="fgAcc3">
+    <dgm:scene3d>
+      <a:camera prst="orthographicFront"/>
+      <a:lightRig rig="threePt" dir="t"/>
+    </dgm:scene3d>
+    <dgm:sp3d/>
+    <dgm:txPr/>
+    <dgm:style>
+      <a:lnRef idx="2">
+        <a:scrgbClr r="0" g="0" b="0"/>
+      </a:lnRef>
+      <a:fillRef idx="1">
+        <a:scrgbClr r="0" g="0" b="0"/>
+      </a:fillRef>
+      <a:effectRef idx="0">
+        <a:scrgbClr r="0" g="0" b="0"/>
+      </a:effectRef>
+      <a:fontRef idx="minor"/>
+    </dgm:style>
+  </dgm:styleLbl>
+  <dgm:styleLbl name="fgAcc4">
+    <dgm:scene3d>
+      <a:camera prst="orthographicFront"/>
+      <a:lightRig rig="threePt" dir="t"/>
+    </dgm:scene3d>
+    <dgm:sp3d/>
+    <dgm:txPr/>
+    <dgm:style>
+      <a:lnRef idx="2">
+        <a:scrgbClr r="0" g="0" b="0"/>
+      </a:lnRef>
+      <a:fillRef idx="1">
+        <a:scrgbClr r="0" g="0" b="0"/>
+      </a:fillRef>
+      <a:effectRef idx="0">
+        <a:scrgbClr r="0" g="0" b="0"/>
+      </a:effectRef>
+      <a:fontRef idx="minor"/>
+    </dgm:style>
+  </dgm:styleLbl>
+  <dgm:styleLbl name="bgShp">
+    <dgm:scene3d>
+      <a:camera prst="orthographicFront"/>
+      <a:lightRig rig="threePt" dir="t"/>
+    </dgm:scene3d>
+    <dgm:sp3d/>
+    <dgm:txPr/>
+    <dgm:style>
+      <a:lnRef idx="0">
+        <a:scrgbClr r="0" g="0" b="0"/>
+      </a:lnRef>
+      <a:fillRef idx="1">
+        <a:scrgbClr r="0" g="0" b="0"/>
+      </a:fillRef>
+      <a:effectRef idx="0">
+        <a:scrgbClr r="0" g="0" b="0"/>
+      </a:effectRef>
+      <a:fontRef idx="minor"/>
+    </dgm:style>
+  </dgm:styleLbl>
+  <dgm:styleLbl name="dkBgShp">
+    <dgm:scene3d>
+      <a:camera prst="orthographicFront"/>
+      <a:lightRig rig="threePt" dir="t"/>
+    </dgm:scene3d>
+    <dgm:sp3d/>
+    <dgm:txPr/>
+    <dgm:style>
+      <a:lnRef idx="0">
+        <a:scrgbClr r="0" g="0" b="0"/>
+      </a:lnRef>
+      <a:fillRef idx="1">
+        <a:scrgbClr r="0" g="0" b="0"/>
+      </a:fillRef>
+      <a:effectRef idx="0">
+        <a:scrgbClr r="0" g="0" b="0"/>
+      </a:effectRef>
+      <a:fontRef idx="minor"/>
+    </dgm:style>
+  </dgm:styleLbl>
+  <dgm:styleLbl name="trBgShp">
+    <dgm:scene3d>
+      <a:camera prst="orthographicFront"/>
+      <a:lightRig rig="threePt" dir="t"/>
+    </dgm:scene3d>
+    <dgm:sp3d/>
+    <dgm:txPr/>
+    <dgm:style>
+      <a:lnRef idx="0">
+        <a:scrgbClr r="0" g="0" b="0"/>
+      </a:lnRef>
+      <a:fillRef idx="1">
+        <a:scrgbClr r="0" g="0" b="0"/>
+      </a:fillRef>
+      <a:effectRef idx="0">
+        <a:scrgbClr r="0" g="0" b="0"/>
+      </a:effectRef>
+      <a:fontRef idx="minor"/>
+    </dgm:style>
+  </dgm:styleLbl>
+  <dgm:styleLbl name="fgShp">
+    <dgm:scene3d>
+      <a:camera prst="orthographicFront"/>
+      <a:lightRig rig="threePt" dir="t"/>
+    </dgm:scene3d>
+    <dgm:sp3d/>
+    <dgm:txPr/>
+    <dgm:style>
+      <a:lnRef idx="2">
+        <a:scrgbClr r="0" g="0" b="0"/>
+      </a:lnRef>
+      <a:fillRef idx="1">
+        <a:scrgbClr r="0" g="0" b="0"/>
+      </a:fillRef>
+      <a:effectRef idx="0">
+        <a:scrgbClr r="0" g="0" b="0"/>
+      </a:effectRef>
+      <a:fontRef idx="minor"/>
+    </dgm:style>
+  </dgm:styleLbl>
+  <dgm:styleLbl name="revTx">
+    <dgm:scene3d>
+      <a:camera prst="orthographicFront"/>
+      <a:lightRig rig="threePt" dir="t"/>
+    </dgm:scene3d>
+    <dgm:sp3d/>
+    <dgm:txPr/>
+    <dgm:style>
+      <a:lnRef idx="0">
+        <a:scrgbClr r="0" g="0" b="0"/>
+      </a:lnRef>
+      <a:fillRef idx="0">
+        <a:scrgbClr r="0" g="0" b="0"/>
+      </a:fillRef>
+      <a:effectRef idx="0">
+        <a:scrgbClr r="0" g="0" b="0"/>
+      </a:effectRef>
+      <a:fontRef idx="minor"/>
+    </dgm:style>
+  </dgm:styleLbl>
+</dgm:styleDef>
+</file>
+
+<file path=ppt/diagrams/quickStyle2.xml><?xml version="1.0" encoding="utf-8"?>
+<dgm:styleDef xmlns:dgm="http://schemas.openxmlformats.org/drawingml/2006/diagram" xmlns:a="http://schemas.openxmlformats.org/drawingml/2006/main" uniqueId="urn:microsoft.com/office/officeart/2005/8/quickstyle/simple1">
+  <dgm:title val=""/>
+  <dgm:desc val=""/>
+  <dgm:catLst>
+    <dgm:cat type="simple" pri="10100"/>
+  </dgm:catLst>
+  <dgm:scene3d>
+    <a:camera prst="orthographicFront"/>
+    <a:lightRig rig="threePt" dir="t"/>
+  </dgm:scene3d>
+  <dgm:styleLbl name="node0">
+    <dgm:scene3d>
+      <a:camera prst="orthographicFront"/>
+      <a:lightRig rig="threePt" dir="t"/>
+    </dgm:scene3d>
+    <dgm:sp3d/>
+    <dgm:txPr/>
+    <dgm:style>
+      <a:lnRef idx="2">
+        <a:scrgbClr r="0" g="0" b="0"/>
+      </a:lnRef>
+      <a:fillRef idx="1">
+        <a:scrgbClr r="0" g="0" b="0"/>
+      </a:fillRef>
+      <a:effectRef idx="0">
+        <a:scrgbClr r="0" g="0" b="0"/>
+      </a:effectRef>
+      <a:fontRef idx="minor">
+        <a:schemeClr val="lt1"/>
+      </a:fontRef>
+    </dgm:style>
+  </dgm:styleLbl>
+  <dgm:styleLbl name="lnNode1">
+    <dgm:scene3d>
+      <a:camera prst="orthographicFront"/>
+      <a:lightRig rig="threePt" dir="t"/>
+    </dgm:scene3d>
+    <dgm:sp3d/>
+    <dgm:txPr/>
+    <dgm:style>
+      <a:lnRef idx="2">
+        <a:scrgbClr r="0" g="0" b="0"/>
+      </a:lnRef>
+      <a:fillRef idx="1">
+        <a:scrgbClr r="0" g="0" b="0"/>
+      </a:fillRef>
+      <a:effectRef idx="0">
+        <a:scrgbClr r="0" g="0" b="0"/>
+      </a:effectRef>
+      <a:fontRef idx="minor">
+        <a:schemeClr val="lt1"/>
+      </a:fontRef>
+    </dgm:style>
+  </dgm:styleLbl>
+  <dgm:styleLbl name="vennNode1">
+    <dgm:scene3d>
+      <a:camera prst="orthographicFront"/>
+      <a:lightRig rig="threePt" dir="t"/>
+    </dgm:scene3d>
+    <dgm:sp3d/>
+    <dgm:txPr/>
+    <dgm:style>
+      <a:lnRef idx="2">
+        <a:scrgbClr r="0" g="0" b="0"/>
+      </a:lnRef>
+      <a:fillRef idx="1">
+        <a:scrgbClr r="0" g="0" b="0"/>
+      </a:fillRef>
+      <a:effectRef idx="0">
+        <a:scrgbClr r="0" g="0" b="0"/>
+      </a:effectRef>
+      <a:fontRef idx="minor">
+        <a:schemeClr val="tx1"/>
+      </a:fontRef>
+    </dgm:style>
+  </dgm:styleLbl>
+  <dgm:styleLbl name="alignNode1">
+    <dgm:scene3d>
+      <a:camera prst="orthographicFront"/>
+      <a:lightRig rig="threePt" dir="t"/>
+    </dgm:scene3d>
+    <dgm:sp3d/>
+    <dgm:txPr/>
+    <dgm:style>
+      <a:lnRef idx="2">
+        <a:scrgbClr r="0" g="0" b="0"/>
+      </a:lnRef>
+      <a:fillRef idx="1">
+        <a:scrgbClr r="0" g="0" b="0"/>
+      </a:fillRef>
+      <a:effectRef idx="0">
+        <a:scrgbClr r="0" g="0" b="0"/>
+      </a:effectRef>
+      <a:fontRef idx="minor">
+        <a:schemeClr val="lt1"/>
+      </a:fontRef>
+    </dgm:style>
+  </dgm:styleLbl>
+  <dgm:styleLbl name="node1">
+    <dgm:scene3d>
+      <a:camera prst="orthographicFront"/>
+      <a:lightRig rig="threePt" dir="t"/>
+    </dgm:scene3d>
+    <dgm:sp3d/>
+    <dgm:txPr/>
+    <dgm:style>
+      <a:lnRef idx="2">
+        <a:scrgbClr r="0" g="0" b="0"/>
+      </a:lnRef>
+      <a:fillRef idx="1">
+        <a:scrgbClr r="0" g="0" b="0"/>
+      </a:fillRef>
+      <a:effectRef idx="0">
+        <a:scrgbClr r="0" g="0" b="0"/>
+      </a:effectRef>
+      <a:fontRef idx="minor">
+        <a:schemeClr val="lt1"/>
+      </a:fontRef>
+    </dgm:style>
+  </dgm:styleLbl>
+  <dgm:styleLbl name="node2">
+    <dgm:scene3d>
+      <a:camera prst="orthographicFront"/>
+      <a:lightRig rig="threePt" dir="t"/>
+    </dgm:scene3d>
+    <dgm:sp3d/>
+    <dgm:txPr/>
+    <dgm:style>
+      <a:lnRef idx="2">
+        <a:scrgbClr r="0" g="0" b="0"/>
+      </a:lnRef>
+      <a:fillRef idx="1">
+        <a:scrgbClr r="0" g="0" b="0"/>
+      </a:fillRef>
+      <a:effectRef idx="0">
+        <a:scrgbClr r="0" g="0" b="0"/>
+      </a:effectRef>
+      <a:fontRef idx="minor">
+        <a:schemeClr val="lt1"/>
+      </a:fontRef>
+    </dgm:style>
+  </dgm:styleLbl>
+  <dgm:styleLbl name="node3">
+    <dgm:scene3d>
+      <a:camera prst="orthographicFront"/>
+      <a:lightRig rig="threePt" dir="t"/>
+    </dgm:scene3d>
+    <dgm:sp3d/>
+    <dgm:txPr/>
+    <dgm:style>
+      <a:lnRef idx="2">
+        <a:scrgbClr r="0" g="0" b="0"/>
+      </a:lnRef>
+      <a:fillRef idx="1">
+        <a:scrgbClr r="0" g="0" b="0"/>
+      </a:fillRef>
+      <a:effectRef idx="0">
+        <a:scrgbClr r="0" g="0" b="0"/>
+      </a:effectRef>
+      <a:fontRef idx="minor">
+        <a:schemeClr val="lt1"/>
+      </a:fontRef>
+    </dgm:style>
+  </dgm:styleLbl>
+  <dgm:styleLbl name="node4">
+    <dgm:scene3d>
+      <a:camera prst="orthographicFront"/>
+      <a:lightRig rig="threePt" dir="t"/>
+    </dgm:scene3d>
+    <dgm:sp3d/>
+    <dgm:txPr/>
+    <dgm:style>
+      <a:lnRef idx="2">
+        <a:scrgbClr r="0" g="0" b="0"/>
+      </a:lnRef>
+      <a:fillRef idx="1">
+        <a:scrgbClr r="0" g="0" b="0"/>
+      </a:fillRef>
+      <a:effectRef idx="0">
+        <a:scrgbClr r="0" g="0" b="0"/>
+      </a:effectRef>
+      <a:fontRef idx="minor">
+        <a:schemeClr val="lt1"/>
+      </a:fontRef>
+    </dgm:style>
+  </dgm:styleLbl>
+  <dgm:styleLbl name="fgImgPlace1">
+    <dgm:scene3d>
+      <a:camera prst="orthographicFront"/>
+      <a:lightRig rig="threePt" dir="t"/>
+    </dgm:scene3d>
+    <dgm:sp3d/>
+    <dgm:txPr/>
+    <dgm:style>
+      <a:lnRef idx="2">
+        <a:scrgbClr r="0" g="0" b="0"/>
+      </a:lnRef>
+      <a:fillRef idx="1">
+        <a:scrgbClr r="0" g="0" b="0"/>
+      </a:fillRef>
+      <a:effectRef idx="0">
+        <a:scrgbClr r="0" g="0" b="0"/>
+      </a:effectRef>
+      <a:fontRef idx="minor"/>
+    </dgm:style>
+  </dgm:styleLbl>
+  <dgm:styleLbl name="alignImgPlace1">
+    <dgm:scene3d>
+      <a:camera prst="orthographicFront"/>
+      <a:lightRig rig="threePt" dir="t"/>
+    </dgm:scene3d>
+    <dgm:sp3d/>
+    <dgm:txPr/>
+    <dgm:style>
+      <a:lnRef idx="2">
+        <a:scrgbClr r="0" g="0" b="0"/>
+      </a:lnRef>
+      <a:fillRef idx="1">
+        <a:scrgbClr r="0" g="0" b="0"/>
+      </a:fillRef>
+      <a:effectRef idx="0">
+        <a:scrgbClr r="0" g="0" b="0"/>
+      </a:effectRef>
+      <a:fontRef idx="minor"/>
+    </dgm:style>
+  </dgm:styleLbl>
+  <dgm:styleLbl name="bgImgPlace1">
+    <dgm:scene3d>
+      <a:camera prst="orthographicFront"/>
+      <a:lightRig rig="threePt" dir="t"/>
+    </dgm:scene3d>
+    <dgm:sp3d/>
+    <dgm:txPr/>
+    <dgm:style>
+      <a:lnRef idx="2">
+        <a:scrgbClr r="0" g="0" b="0"/>
+      </a:lnRef>
+      <a:fillRef idx="1">
+        <a:scrgbClr r="0" g="0" b="0"/>
+      </a:fillRef>
+      <a:effectRef idx="0">
+        <a:scrgbClr r="0" g="0" b="0"/>
+      </a:effectRef>
+      <a:fontRef idx="minor"/>
+    </dgm:style>
+  </dgm:styleLbl>
+  <dgm:styleLbl name="sibTrans2D1">
+    <dgm:scene3d>
+      <a:camera prst="orthographicFront"/>
+      <a:lightRig rig="threePt" dir="t"/>
+    </dgm:scene3d>
+    <dgm:sp3d/>
+    <dgm:txPr/>
+    <dgm:style>
+      <a:lnRef idx="0">
+        <a:scrgbClr r="0" g="0" b="0"/>
+      </a:lnRef>
+      <a:fillRef idx="1">
+        <a:scrgbClr r="0" g="0" b="0"/>
+      </a:fillRef>
+      <a:effectRef idx="0">
+        <a:scrgbClr r="0" g="0" b="0"/>
+      </a:effectRef>
+      <a:fontRef idx="minor">
+        <a:schemeClr val="lt1"/>
+      </a:fontRef>
+    </dgm:style>
+  </dgm:styleLbl>
+  <dgm:styleLbl name="fgSibTrans2D1">
+    <dgm:scene3d>
+      <a:camera prst="orthographicFront"/>
+      <a:lightRig rig="threePt" dir="t"/>
+    </dgm:scene3d>
+    <dgm:sp3d/>
+    <dgm:txPr/>
+    <dgm:style>
+      <a:lnRef idx="0">
+        <a:scrgbClr r="0" g="0" b="0"/>
+      </a:lnRef>
+      <a:fillRef idx="1">
+        <a:scrgbClr r="0" g="0" b="0"/>
+      </a:fillRef>
+      <a:effectRef idx="0">
+        <a:scrgbClr r="0" g="0" b="0"/>
+      </a:effectRef>
+      <a:fontRef idx="minor">
+        <a:schemeClr val="lt1"/>
+      </a:fontRef>
+    </dgm:style>
+  </dgm:styleLbl>
+  <dgm:styleLbl name="bgSibTrans2D1">
+    <dgm:scene3d>
+      <a:camera prst="orthographicFront"/>
+      <a:lightRig rig="threePt" dir="t"/>
+    </dgm:scene3d>
+    <dgm:sp3d/>
+    <dgm:txPr/>
+    <dgm:style>
+      <a:lnRef idx="0">
+        <a:scrgbClr r="0" g="0" b="0"/>
+      </a:lnRef>
+      <a:fillRef idx="1">
+        <a:scrgbClr r="0" g="0" b="0"/>
+      </a:fillRef>
+      <a:effectRef idx="0">
+        <a:scrgbClr r="0" g="0" b="0"/>
+      </a:effectRef>
+      <a:fontRef idx="minor">
+        <a:schemeClr val="lt1"/>
+      </a:fontRef>
+    </dgm:style>
+  </dgm:styleLbl>
+  <dgm:styleLbl name="sibTrans1D1">
+    <dgm:scene3d>
+      <a:camera prst="orthographicFront"/>
+      <a:lightRig rig="threePt" dir="t"/>
+    </dgm:scene3d>
+    <dgm:sp3d/>
+    <dgm:txPr/>
+    <dgm:style>
+      <a:lnRef idx="1">
+        <a:scrgbClr r="0" g="0" b="0"/>
+      </a:lnRef>
+      <a:fillRef idx="0">
+        <a:scrgbClr r="0" g="0" b="0"/>
+      </a:fillRef>
+      <a:effectRef idx="0">
+        <a:scrgbClr r="0" g="0" b="0"/>
+      </a:effectRef>
+      <a:fontRef idx="minor"/>
+    </dgm:style>
+  </dgm:styleLbl>
+  <dgm:styleLbl name="callout">
+    <dgm:scene3d>
+      <a:camera prst="orthographicFront"/>
+      <a:lightRig rig="threePt" dir="t"/>
+    </dgm:scene3d>
+    <dgm:sp3d/>
+    <dgm:txPr/>
+    <dgm:style>
+      <a:lnRef idx="2">
+        <a:scrgbClr r="0" g="0" b="0"/>
+      </a:lnRef>
+      <a:fillRef idx="1">
+        <a:scrgbClr r="0" g="0" b="0"/>
+      </a:fillRef>
+      <a:effectRef idx="0">
+        <a:scrgbClr r="0" g="0" b="0"/>
+      </a:effectRef>
+      <a:fontRef idx="minor"/>
+    </dgm:style>
+  </dgm:styleLbl>
+  <dgm:styleLbl name="asst0">
+    <dgm:scene3d>
+      <a:camera prst="orthographicFront"/>
+      <a:lightRig rig="threePt" dir="t"/>
+    </dgm:scene3d>
+    <dgm:sp3d/>
+    <dgm:txPr/>
+    <dgm:style>
+      <a:lnRef idx="2">
+        <a:scrgbClr r="0" g="0" b="0"/>
+      </a:lnRef>
+      <a:fillRef idx="1">
+        <a:scrgbClr r="0" g="0" b="0"/>
+      </a:fillRef>
+      <a:effectRef idx="0">
+        <a:scrgbClr r="0" g="0" b="0"/>
+      </a:effectRef>
+      <a:fontRef idx="minor">
+        <a:schemeClr val="lt1"/>
+      </a:fontRef>
+    </dgm:style>
+  </dgm:styleLbl>
+  <dgm:styleLbl name="asst1">
+    <dgm:scene3d>
+      <a:camera prst="orthographicFront"/>
+      <a:lightRig rig="threePt" dir="t"/>
+    </dgm:scene3d>
+    <dgm:sp3d/>
+    <dgm:txPr/>
+    <dgm:style>
+      <a:lnRef idx="2">
+        <a:scrgbClr r="0" g="0" b="0"/>
+      </a:lnRef>
+      <a:fillRef idx="1">
+        <a:scrgbClr r="0" g="0" b="0"/>
+      </a:fillRef>
+      <a:effectRef idx="0">
+        <a:scrgbClr r="0" g="0" b="0"/>
+      </a:effectRef>
+      <a:fontRef idx="minor">
+        <a:schemeClr val="lt1"/>
+      </a:fontRef>
+    </dgm:style>
+  </dgm:styleLbl>
+  <dgm:styleLbl name="asst2">
+    <dgm:scene3d>
+      <a:camera prst="orthographicFront"/>
+      <a:lightRig rig="threePt" dir="t"/>
+    </dgm:scene3d>
+    <dgm:sp3d/>
+    <dgm:txPr/>
+    <dgm:style>
+      <a:lnRef idx="2">
+        <a:scrgbClr r="0" g="0" b="0"/>
+      </a:lnRef>
+      <a:fillRef idx="1">
+        <a:scrgbClr r="0" g="0" b="0"/>
+      </a:fillRef>
+      <a:effectRef idx="0">
+        <a:scrgbClr r="0" g="0" b="0"/>
+      </a:effectRef>
+      <a:fontRef idx="minor">
+        <a:schemeClr val="lt1"/>
+      </a:fontRef>
+    </dgm:style>
+  </dgm:styleLbl>
+  <dgm:styleLbl name="asst3">
+    <dgm:scene3d>
+      <a:camera prst="orthographicFront"/>
+      <a:lightRig rig="threePt" dir="t"/>
+    </dgm:scene3d>
+    <dgm:sp3d/>
+    <dgm:txPr/>
+    <dgm:style>
+      <a:lnRef idx="2">
+        <a:scrgbClr r="0" g="0" b="0"/>
+      </a:lnRef>
+      <a:fillRef idx="1">
+        <a:scrgbClr r="0" g="0" b="0"/>
+      </a:fillRef>
+      <a:effectRef idx="0">
+        <a:scrgbClr r="0" g="0" b="0"/>
+      </a:effectRef>
+      <a:fontRef idx="minor">
+        <a:schemeClr val="lt1"/>
+      </a:fontRef>
+    </dgm:style>
+  </dgm:styleLbl>
+  <dgm:styleLbl name="asst4">
+    <dgm:scene3d>
+      <a:camera prst="orthographicFront"/>
+      <a:lightRig rig="threePt" dir="t"/>
+    </dgm:scene3d>
+    <dgm:sp3d/>
+    <dgm:txPr/>
+    <dgm:style>
+      <a:lnRef idx="2">
+        <a:scrgbClr r="0" g="0" b="0"/>
+      </a:lnRef>
+      <a:fillRef idx="1">
+        <a:scrgbClr r="0" g="0" b="0"/>
+      </a:fillRef>
+      <a:effectRef idx="0">
+        <a:scrgbClr r="0" g="0" b="0"/>
+      </a:effectRef>
+      <a:fontRef idx="minor">
+        <a:schemeClr val="lt1"/>
+      </a:fontRef>
+    </dgm:style>
+  </dgm:styleLbl>
+  <dgm:styleLbl name="parChTrans2D1">
+    <dgm:scene3d>
+      <a:camera prst="orthographicFront"/>
+      <a:lightRig rig="threePt" dir="t"/>
+    </dgm:scene3d>
+    <dgm:sp3d/>
+    <dgm:txPr/>
+    <dgm:style>
+      <a:lnRef idx="2">
+        <a:scrgbClr r="0" g="0" b="0"/>
+      </a:lnRef>
+      <a:fillRef idx="1">
+        <a:scrgbClr r="0" g="0" b="0"/>
+      </a:fillRef>
+      <a:effectRef idx="0">
+        <a:scrgbClr r="0" g="0" b="0"/>
+      </a:effectRef>
+      <a:fontRef idx="minor">
+        <a:schemeClr val="lt1"/>
+      </a:fontRef>
+    </dgm:style>
+  </dgm:styleLbl>
+  <dgm:styleLbl name="parChTrans2D2">
+    <dgm:scene3d>
+      <a:camera prst="orthographicFront"/>
+      <a:lightRig rig="threePt" dir="t"/>
+    </dgm:scene3d>
+    <dgm:sp3d/>
+    <dgm:txPr/>
+    <dgm:style>
+      <a:lnRef idx="2">
+        <a:scrgbClr r="0" g="0" b="0"/>
+      </a:lnRef>
+      <a:fillRef idx="1">
+        <a:scrgbClr r="0" g="0" b="0"/>
+      </a:fillRef>
+      <a:effectRef idx="0">
+        <a:scrgbClr r="0" g="0" b="0"/>
+      </a:effectRef>
+      <a:fontRef idx="minor">
+        <a:schemeClr val="lt1"/>
+      </a:fontRef>
+    </dgm:style>
+  </dgm:styleLbl>
+  <dgm:styleLbl name="parChTrans2D3">
+    <dgm:scene3d>
+      <a:camera prst="orthographicFront"/>
+      <a:lightRig rig="threePt" dir="t"/>
+    </dgm:scene3d>
+    <dgm:sp3d/>
+    <dgm:txPr/>
+    <dgm:style>
+      <a:lnRef idx="2">
+        <a:scrgbClr r="0" g="0" b="0"/>
+      </a:lnRef>
+      <a:fillRef idx="1">
+        <a:scrgbClr r="0" g="0" b="0"/>
+      </a:fillRef>
+      <a:effectRef idx="0">
+        <a:scrgbClr r="0" g="0" b="0"/>
+      </a:effectRef>
+      <a:fontRef idx="minor">
+        <a:schemeClr val="lt1"/>
+      </a:fontRef>
+    </dgm:style>
+  </dgm:styleLbl>
+  <dgm:styleLbl name="parChTrans2D4">
+    <dgm:scene3d>
+      <a:camera prst="orthographicFront"/>
+      <a:lightRig rig="threePt" dir="t"/>
+    </dgm:scene3d>
+    <dgm:sp3d/>
+    <dgm:txPr/>
+    <dgm:style>
+      <a:lnRef idx="2">
+        <a:scrgbClr r="0" g="0" b="0"/>
+      </a:lnRef>
+      <a:fillRef idx="1">
+        <a:scrgbClr r="0" g="0" b="0"/>
+      </a:fillRef>
+      <a:effectRef idx="0">
+        <a:scrgbClr r="0" g="0" b="0"/>
+      </a:effectRef>
+      <a:fontRef idx="minor">
+        <a:schemeClr val="lt1"/>
+      </a:fontRef>
+    </dgm:style>
+  </dgm:styleLbl>
+  <dgm:styleLbl name="parChTrans1D1">
+    <dgm:scene3d>
+      <a:camera prst="orthographicFront"/>
+      <a:lightRig rig="threePt" dir="t"/>
+    </dgm:scene3d>
+    <dgm:sp3d/>
+    <dgm:txPr/>
+    <dgm:style>
+      <a:lnRef idx="2">
+        <a:scrgbClr r="0" g="0" b="0"/>
+      </a:lnRef>
+      <a:fillRef idx="0">
+        <a:scrgbClr r="0" g="0" b="0"/>
+      </a:fillRef>
+      <a:effectRef idx="0">
+        <a:scrgbClr r="0" g="0" b="0"/>
+      </a:effectRef>
+      <a:fontRef idx="minor"/>
+    </dgm:style>
+  </dgm:styleLbl>
+  <dgm:styleLbl name="parChTrans1D2">
+    <dgm:scene3d>
+      <a:camera prst="orthographicFront"/>
+      <a:lightRig rig="threePt" dir="t"/>
+    </dgm:scene3d>
+    <dgm:sp3d/>
+    <dgm:txPr/>
+    <dgm:style>
+      <a:lnRef idx="2">
+        <a:scrgbClr r="0" g="0" b="0"/>
+      </a:lnRef>
+      <a:fillRef idx="0">
+        <a:scrgbClr r="0" g="0" b="0"/>
+      </a:fillRef>
+      <a:effectRef idx="0">
+        <a:scrgbClr r="0" g="0" b="0"/>
+      </a:effectRef>
+      <a:fontRef idx="minor"/>
+    </dgm:style>
+  </dgm:styleLbl>
+  <dgm:styleLbl name="parChTrans1D3">
+    <dgm:scene3d>
+      <a:camera prst="orthographicFront"/>
+      <a:lightRig rig="threePt" dir="t"/>
+    </dgm:scene3d>
+    <dgm:sp3d/>
+    <dgm:txPr/>
+    <dgm:style>
+      <a:lnRef idx="2">
+        <a:scrgbClr r="0" g="0" b="0"/>
+      </a:lnRef>
+      <a:fillRef idx="0">
+        <a:scrgbClr r="0" g="0" b="0"/>
+      </a:fillRef>
+      <a:effectRef idx="0">
+        <a:scrgbClr r="0" g="0" b="0"/>
+      </a:effectRef>
+      <a:fontRef idx="minor"/>
+    </dgm:style>
+  </dgm:styleLbl>
+  <dgm:styleLbl name="parChTrans1D4">
+    <dgm:scene3d>
+      <a:camera prst="orthographicFront"/>
+      <a:lightRig rig="threePt" dir="t"/>
+    </dgm:scene3d>
+    <dgm:sp3d/>
+    <dgm:txPr/>
+    <dgm:style>
+      <a:lnRef idx="2">
+        <a:scrgbClr r="0" g="0" b="0"/>
+      </a:lnRef>
+      <a:fillRef idx="0">
+        <a:scrgbClr r="0" g="0" b="0"/>
+      </a:fillRef>
+      <a:effectRef idx="0">
+        <a:scrgbClr r="0" g="0" b="0"/>
+      </a:effectRef>
+      <a:fontRef idx="minor"/>
+    </dgm:style>
+  </dgm:styleLbl>
+  <dgm:styleLbl name="fgAcc1">
+    <dgm:scene3d>
+      <a:camera prst="orthographicFront"/>
+      <a:lightRig rig="threePt" dir="t"/>
+    </dgm:scene3d>
+    <dgm:sp3d/>
+    <dgm:txPr/>
+    <dgm:style>
+      <a:lnRef idx="2">
+        <a:scrgbClr r="0" g="0" b="0"/>
+      </a:lnRef>
+      <a:fillRef idx="1">
+        <a:scrgbClr r="0" g="0" b="0"/>
+      </a:fillRef>
+      <a:effectRef idx="0">
+        <a:scrgbClr r="0" g="0" b="0"/>
+      </a:effectRef>
+      <a:fontRef idx="minor"/>
+    </dgm:style>
+  </dgm:styleLbl>
+  <dgm:styleLbl name="conFgAcc1">
+    <dgm:scene3d>
+      <a:camera prst="orthographicFront"/>
+      <a:lightRig rig="threePt" dir="t"/>
+    </dgm:scene3d>
+    <dgm:sp3d/>
+    <dgm:txPr/>
+    <dgm:style>
+      <a:lnRef idx="2">
+        <a:scrgbClr r="0" g="0" b="0"/>
+      </a:lnRef>
+      <a:fillRef idx="1">
+        <a:scrgbClr r="0" g="0" b="0"/>
+      </a:fillRef>
+      <a:effectRef idx="0">
+        <a:scrgbClr r="0" g="0" b="0"/>
+      </a:effectRef>
+      <a:fontRef idx="minor"/>
+    </dgm:style>
+  </dgm:styleLbl>
+  <dgm:styleLbl name="alignAcc1">
+    <dgm:scene3d>
+      <a:camera prst="orthographicFront"/>
+      <a:lightRig rig="threePt" dir="t"/>
+    </dgm:scene3d>
+    <dgm:sp3d/>
+    <dgm:txPr/>
+    <dgm:style>
+      <a:lnRef idx="2">
+        <a:scrgbClr r="0" g="0" b="0"/>
+      </a:lnRef>
+      <a:fillRef idx="1">
+        <a:scrgbClr r="0" g="0" b="0"/>
+      </a:fillRef>
+      <a:effectRef idx="0">
+        <a:scrgbClr r="0" g="0" b="0"/>
+      </a:effectRef>
+      <a:fontRef idx="minor"/>
+    </dgm:style>
+  </dgm:styleLbl>
+  <dgm:styleLbl name="trAlignAcc1">
+    <dgm:scene3d>
+      <a:camera prst="orthographicFront"/>
+      <a:lightRig rig="threePt" dir="t"/>
+    </dgm:scene3d>
+    <dgm:sp3d/>
+    <dgm:txPr/>
+    <dgm:style>
+      <a:lnRef idx="1">
+        <a:scrgbClr r="0" g="0" b="0"/>
+      </a:lnRef>
+      <a:fillRef idx="1">
+        <a:scrgbClr r="0" g="0" b="0"/>
+      </a:fillRef>
+      <a:effectRef idx="0">
+        <a:scrgbClr r="0" g="0" b="0"/>
+      </a:effectRef>
+      <a:fontRef idx="minor"/>
+    </dgm:style>
+  </dgm:styleLbl>
+  <dgm:styleLbl name="bgAcc1">
+    <dgm:scene3d>
+      <a:camera prst="orthographicFront"/>
+      <a:lightRig rig="threePt" dir="t"/>
+    </dgm:scene3d>
+    <dgm:sp3d/>
+    <dgm:txPr/>
+    <dgm:style>
+      <a:lnRef idx="2">
+        <a:scrgbClr r="0" g="0" b="0"/>
+      </a:lnRef>
+      <a:fillRef idx="1">
+        <a:scrgbClr r="0" g="0" b="0"/>
+      </a:fillRef>
+      <a:effectRef idx="0">
+        <a:scrgbClr r="0" g="0" b="0"/>
+      </a:effectRef>
+      <a:fontRef idx="minor"/>
+    </dgm:style>
+  </dgm:styleLbl>
+  <dgm:styleLbl name="solidFgAcc1">
+    <dgm:scene3d>
+      <a:camera prst="orthographicFront"/>
+      <a:lightRig rig="threePt" dir="t"/>
+    </dgm:scene3d>
+    <dgm:sp3d/>
+    <dgm:txPr/>
+    <dgm:style>
+      <a:lnRef idx="2">
+        <a:scrgbClr r="0" g="0" b="0"/>
+      </a:lnRef>
+      <a:fillRef idx="1">
+        <a:scrgbClr r="0" g="0" b="0"/>
+      </a:fillRef>
+      <a:effectRef idx="0">
+        <a:scrgbClr r="0" g="0" b="0"/>
+      </a:effectRef>
+      <a:fontRef idx="minor"/>
+    </dgm:style>
+  </dgm:styleLbl>
+  <dgm:styleLbl name="solidAlignAcc1">
+    <dgm:scene3d>
+      <a:camera prst="orthographicFront"/>
+      <a:lightRig rig="threePt" dir="t"/>
+    </dgm:scene3d>
+    <dgm:sp3d/>
+    <dgm:txPr/>
+    <dgm:style>
+      <a:lnRef idx="2">
+        <a:scrgbClr r="0" g="0" b="0"/>
+      </a:lnRef>
+      <a:fillRef idx="1">
+        <a:scrgbClr r="0" g="0" b="0"/>
+      </a:fillRef>
+      <a:effectRef idx="0">
+        <a:scrgbClr r="0" g="0" b="0"/>
+      </a:effectRef>
+      <a:fontRef idx="minor"/>
+    </dgm:style>
+  </dgm:styleLbl>
+  <dgm:styleLbl name="solidBgAcc1">
+    <dgm:scene3d>
+      <a:camera prst="orthographicFront"/>
+      <a:lightRig rig="threePt" dir="t"/>
+    </dgm:scene3d>
+    <dgm:sp3d/>
+    <dgm:txPr/>
+    <dgm:style>
+      <a:lnRef idx="2">
+        <a:scrgbClr r="0" g="0" b="0"/>
+      </a:lnRef>
+      <a:fillRef idx="1">
+        <a:scrgbClr r="0" g="0" b="0"/>
+      </a:fillRef>
+      <a:effectRef idx="0">
+        <a:scrgbClr r="0" g="0" b="0"/>
+      </a:effectRef>
+      <a:fontRef idx="minor"/>
+    </dgm:style>
+  </dgm:styleLbl>
+  <dgm:styleLbl name="fgAccFollowNode1">
+    <dgm:scene3d>
+      <a:camera prst="orthographicFront"/>
+      <a:lightRig rig="threePt" dir="t"/>
+    </dgm:scene3d>
+    <dgm:sp3d/>
+    <dgm:txPr/>
+    <dgm:style>
+      <a:lnRef idx="2">
+        <a:scrgbClr r="0" g="0" b="0"/>
+      </a:lnRef>
+      <a:fillRef idx="1">
+        <a:scrgbClr r="0" g="0" b="0"/>
+      </a:fillRef>
+      <a:effectRef idx="0">
+        <a:scrgbClr r="0" g="0" b="0"/>
+      </a:effectRef>
+      <a:fontRef idx="minor"/>
+    </dgm:style>
+  </dgm:styleLbl>
+  <dgm:styleLbl name="alignAccFollowNode1">
+    <dgm:scene3d>
+      <a:camera prst="orthographicFront"/>
+      <a:lightRig rig="threePt" dir="t"/>
+    </dgm:scene3d>
+    <dgm:sp3d/>
+    <dgm:txPr/>
+    <dgm:style>
+      <a:lnRef idx="2">
+        <a:scrgbClr r="0" g="0" b="0"/>
+      </a:lnRef>
+      <a:fillRef idx="1">
+        <a:scrgbClr r="0" g="0" b="0"/>
+      </a:fillRef>
+      <a:effectRef idx="0">
+        <a:scrgbClr r="0" g="0" b="0"/>
+      </a:effectRef>
+      <a:fontRef idx="minor"/>
+    </dgm:style>
+  </dgm:styleLbl>
+  <dgm:styleLbl name="bgAccFollowNode1">
+    <dgm:scene3d>
+      <a:camera prst="orthographicFront"/>
+      <a:lightRig rig="threePt" dir="t"/>
+    </dgm:scene3d>
+    <dgm:sp3d/>
+    <dgm:txPr/>
+    <dgm:style>
+      <a:lnRef idx="2">
+        <a:scrgbClr r="0" g="0" b="0"/>
+      </a:lnRef>
+      <a:fillRef idx="1">
+        <a:scrgbClr r="0" g="0" b="0"/>
+      </a:fillRef>
+      <a:effectRef idx="0">
+        <a:scrgbClr r="0" g="0" b="0"/>
+      </a:effectRef>
+      <a:fontRef idx="minor"/>
+    </dgm:style>
+  </dgm:styleLbl>
+  <dgm:styleLbl name="fgAcc0">
+    <dgm:scene3d>
+      <a:camera prst="orthographicFront"/>
+      <a:lightRig rig="threePt" dir="t"/>
+    </dgm:scene3d>
+    <dgm:sp3d/>
+    <dgm:txPr/>
+    <dgm:style>
+      <a:lnRef idx="2">
+        <a:scrgbClr r="0" g="0" b="0"/>
+      </a:lnRef>
+      <a:fillRef idx="1">
+        <a:scrgbClr r="0" g="0" b="0"/>
+      </a:fillRef>
+      <a:effectRef idx="0">
+        <a:scrgbClr r="0" g="0" b="0"/>
+      </a:effectRef>
+      <a:fontRef idx="minor"/>
+    </dgm:style>
+  </dgm:styleLbl>
+  <dgm:styleLbl name="fgAcc2">
+    <dgm:scene3d>
+      <a:camera prst="orthographicFront"/>
+      <a:lightRig rig="threePt" dir="t"/>
+    </dgm:scene3d>
+    <dgm:sp3d/>
+    <dgm:txPr/>
+    <dgm:style>
+      <a:lnRef idx="2">
+        <a:scrgbClr r="0" g="0" b="0"/>
+      </a:lnRef>
+      <a:fillRef idx="1">
+        <a:scrgbClr r="0" g="0" b="0"/>
+      </a:fillRef>
+      <a:effectRef idx="0">
+        <a:scrgbClr r="0" g="0" b="0"/>
+      </a:effectRef>
+      <a:fontRef idx="minor"/>
+    </dgm:style>
+  </dgm:styleLbl>
+  <dgm:styleLbl name="fgAcc3">
+    <dgm:scene3d>
+      <a:camera prst="orthographicFront"/>
+      <a:lightRig rig="threePt" dir="t"/>
+    </dgm:scene3d>
+    <dgm:sp3d/>
+    <dgm:txPr/>
+    <dgm:style>
+      <a:lnRef idx="2">
+        <a:scrgbClr r="0" g="0" b="0"/>
+      </a:lnRef>
+      <a:fillRef idx="1">
+        <a:scrgbClr r="0" g="0" b="0"/>
+      </a:fillRef>
+      <a:effectRef idx="0">
+        <a:scrgbClr r="0" g="0" b="0"/>
+      </a:effectRef>
+      <a:fontRef idx="minor"/>
+    </dgm:style>
+  </dgm:styleLbl>
+  <dgm:styleLbl name="fgAcc4">
+    <dgm:scene3d>
+      <a:camera prst="orthographicFront"/>
+      <a:lightRig rig="threePt" dir="t"/>
+    </dgm:scene3d>
+    <dgm:sp3d/>
+    <dgm:txPr/>
+    <dgm:style>
+      <a:lnRef idx="2">
+        <a:scrgbClr r="0" g="0" b="0"/>
+      </a:lnRef>
+      <a:fillRef idx="1">
+        <a:scrgbClr r="0" g="0" b="0"/>
+      </a:fillRef>
+      <a:effectRef idx="0">
+        <a:scrgbClr r="0" g="0" b="0"/>
+      </a:effectRef>
+      <a:fontRef idx="minor"/>
+    </dgm:style>
+  </dgm:styleLbl>
+  <dgm:styleLbl name="bgShp">
+    <dgm:scene3d>
+      <a:camera prst="orthographicFront"/>
+      <a:lightRig rig="threePt" dir="t"/>
+    </dgm:scene3d>
+    <dgm:sp3d/>
+    <dgm:txPr/>
+    <dgm:style>
+      <a:lnRef idx="0">
+        <a:scrgbClr r="0" g="0" b="0"/>
+      </a:lnRef>
+      <a:fillRef idx="1">
+        <a:scrgbClr r="0" g="0" b="0"/>
+      </a:fillRef>
+      <a:effectRef idx="0">
+        <a:scrgbClr r="0" g="0" b="0"/>
+      </a:effectRef>
+      <a:fontRef idx="minor"/>
+    </dgm:style>
+  </dgm:styleLbl>
+  <dgm:styleLbl name="dkBgShp">
+    <dgm:scene3d>
+      <a:camera prst="orthographicFront"/>
+      <a:lightRig rig="threePt" dir="t"/>
+    </dgm:scene3d>
+    <dgm:sp3d/>
+    <dgm:txPr/>
+    <dgm:style>
+      <a:lnRef idx="0">
+        <a:scrgbClr r="0" g="0" b="0"/>
+      </a:lnRef>
+      <a:fillRef idx="1">
+        <a:scrgbClr r="0" g="0" b="0"/>
+      </a:fillRef>
+      <a:effectRef idx="0">
+        <a:scrgbClr r="0" g="0" b="0"/>
+      </a:effectRef>
+      <a:fontRef idx="minor"/>
+    </dgm:style>
+  </dgm:styleLbl>
+  <dgm:styleLbl name="trBgShp">
+    <dgm:scene3d>
+      <a:camera prst="orthographicFront"/>
+      <a:lightRig rig="threePt" dir="t"/>
+    </dgm:scene3d>
+    <dgm:sp3d/>
+    <dgm:txPr/>
+    <dgm:style>
+      <a:lnRef idx="0">
+        <a:scrgbClr r="0" g="0" b="0"/>
+      </a:lnRef>
+      <a:fillRef idx="1">
+        <a:scrgbClr r="0" g="0" b="0"/>
+      </a:fillRef>
+      <a:effectRef idx="0">
+        <a:scrgbClr r="0" g="0" b="0"/>
+      </a:effectRef>
+      <a:fontRef idx="minor"/>
+    </dgm:style>
+  </dgm:styleLbl>
+  <dgm:styleLbl name="fgShp">
+    <dgm:scene3d>
+      <a:camera prst="orthographicFront"/>
+      <a:lightRig rig="threePt" dir="t"/>
+    </dgm:scene3d>
+    <dgm:sp3d/>
+    <dgm:txPr/>
+    <dgm:style>
+      <a:lnRef idx="2">
+        <a:scrgbClr r="0" g="0" b="0"/>
+      </a:lnRef>
+      <a:fillRef idx="1">
+        <a:scrgbClr r="0" g="0" b="0"/>
+      </a:fillRef>
+      <a:effectRef idx="0">
+        <a:scrgbClr r="0" g="0" b="0"/>
+      </a:effectRef>
+      <a:fontRef idx="minor"/>
+    </dgm:style>
+  </dgm:styleLbl>
+  <dgm:styleLbl name="revTx">
+    <dgm:scene3d>
+      <a:camera prst="orthographicFront"/>
+      <a:lightRig rig="threePt" dir="t"/>
+    </dgm:scene3d>
+    <dgm:sp3d/>
+    <dgm:txPr/>
+    <dgm:style>
+      <a:lnRef idx="0">
+        <a:scrgbClr r="0" g="0" b="0"/>
+      </a:lnRef>
+      <a:fillRef idx="0">
+        <a:scrgbClr r="0" g="0" b="0"/>
+      </a:fillRef>
+      <a:effectRef idx="0">
+        <a:scrgbClr r="0" g="0" b="0"/>
+      </a:effectRef>
+      <a:fontRef idx="minor"/>
+    </dgm:style>
+  </dgm:styleLbl>
+</dgm:styleDef>
+</file>
+
+<file path=ppt/diagrams/quickStyle3.xml><?xml version="1.0" encoding="utf-8"?>
 <dgm:styleDef xmlns:dgm="http://schemas.openxmlformats.org/drawingml/2006/diagram" xmlns:a="http://schemas.openxmlformats.org/drawingml/2006/main" uniqueId="urn:microsoft.com/office/officeart/2005/8/quickstyle/simple1">
   <dgm:title val=""/>
   <dgm:desc val=""/>
@@ -4089,7 +10199,7 @@
           <a:p>
             <a:fld id="{8E5F6515-8B43-4D1B-B7F9-9085B35C2D31}" type="datetimeFigureOut">
               <a:rPr lang="en-IN" smtClean="0"/>
-              <a:t>14-11-2025</a:t>
+              <a:t>15-11-2025</a:t>
             </a:fld>
             <a:endParaRPr lang="en-IN"/>
           </a:p>
@@ -4289,7 +10399,7 @@
           <a:p>
             <a:fld id="{8E5F6515-8B43-4D1B-B7F9-9085B35C2D31}" type="datetimeFigureOut">
               <a:rPr lang="en-IN" smtClean="0"/>
-              <a:t>14-11-2025</a:t>
+              <a:t>15-11-2025</a:t>
             </a:fld>
             <a:endParaRPr lang="en-IN"/>
           </a:p>
@@ -4499,7 +10609,7 @@
           <a:p>
             <a:fld id="{8E5F6515-8B43-4D1B-B7F9-9085B35C2D31}" type="datetimeFigureOut">
               <a:rPr lang="en-IN" smtClean="0"/>
-              <a:t>14-11-2025</a:t>
+              <a:t>15-11-2025</a:t>
             </a:fld>
             <a:endParaRPr lang="en-IN"/>
           </a:p>
@@ -4699,7 +10809,7 @@
           <a:p>
             <a:fld id="{8E5F6515-8B43-4D1B-B7F9-9085B35C2D31}" type="datetimeFigureOut">
               <a:rPr lang="en-IN" smtClean="0"/>
-              <a:t>14-11-2025</a:t>
+              <a:t>15-11-2025</a:t>
             </a:fld>
             <a:endParaRPr lang="en-IN"/>
           </a:p>
@@ -4975,7 +11085,7 @@
           <a:p>
             <a:fld id="{8E5F6515-8B43-4D1B-B7F9-9085B35C2D31}" type="datetimeFigureOut">
               <a:rPr lang="en-IN" smtClean="0"/>
-              <a:t>14-11-2025</a:t>
+              <a:t>15-11-2025</a:t>
             </a:fld>
             <a:endParaRPr lang="en-IN"/>
           </a:p>
@@ -5243,7 +11353,7 @@
           <a:p>
             <a:fld id="{8E5F6515-8B43-4D1B-B7F9-9085B35C2D31}" type="datetimeFigureOut">
               <a:rPr lang="en-IN" smtClean="0"/>
-              <a:t>14-11-2025</a:t>
+              <a:t>15-11-2025</a:t>
             </a:fld>
             <a:endParaRPr lang="en-IN"/>
           </a:p>
@@ -5658,7 +11768,7 @@
           <a:p>
             <a:fld id="{8E5F6515-8B43-4D1B-B7F9-9085B35C2D31}" type="datetimeFigureOut">
               <a:rPr lang="en-IN" smtClean="0"/>
-              <a:t>14-11-2025</a:t>
+              <a:t>15-11-2025</a:t>
             </a:fld>
             <a:endParaRPr lang="en-IN"/>
           </a:p>
@@ -5800,7 +11910,7 @@
           <a:p>
             <a:fld id="{8E5F6515-8B43-4D1B-B7F9-9085B35C2D31}" type="datetimeFigureOut">
               <a:rPr lang="en-IN" smtClean="0"/>
-              <a:t>14-11-2025</a:t>
+              <a:t>15-11-2025</a:t>
             </a:fld>
             <a:endParaRPr lang="en-IN"/>
           </a:p>
@@ -5913,7 +12023,7 @@
           <a:p>
             <a:fld id="{8E5F6515-8B43-4D1B-B7F9-9085B35C2D31}" type="datetimeFigureOut">
               <a:rPr lang="en-IN" smtClean="0"/>
-              <a:t>14-11-2025</a:t>
+              <a:t>15-11-2025</a:t>
             </a:fld>
             <a:endParaRPr lang="en-IN"/>
           </a:p>
@@ -6226,7 +12336,7 @@
           <a:p>
             <a:fld id="{8E5F6515-8B43-4D1B-B7F9-9085B35C2D31}" type="datetimeFigureOut">
               <a:rPr lang="en-IN" smtClean="0"/>
-              <a:t>14-11-2025</a:t>
+              <a:t>15-11-2025</a:t>
             </a:fld>
             <a:endParaRPr lang="en-IN"/>
           </a:p>
@@ -6515,7 +12625,7 @@
           <a:p>
             <a:fld id="{8E5F6515-8B43-4D1B-B7F9-9085B35C2D31}" type="datetimeFigureOut">
               <a:rPr lang="en-IN" smtClean="0"/>
-              <a:t>14-11-2025</a:t>
+              <a:t>15-11-2025</a:t>
             </a:fld>
             <a:endParaRPr lang="en-IN"/>
           </a:p>
@@ -6758,7 +12868,7 @@
           <a:p>
             <a:fld id="{8E5F6515-8B43-4D1B-B7F9-9085B35C2D31}" type="datetimeFigureOut">
               <a:rPr lang="en-IN" smtClean="0"/>
-              <a:t>14-11-2025</a:t>
+              <a:t>15-11-2025</a:t>
             </a:fld>
             <a:endParaRPr lang="en-IN"/>
           </a:p>
@@ -7237,8 +13347,8 @@
         </p:nvSpPr>
         <p:spPr>
           <a:xfrm>
-            <a:off x="-111760" y="0"/>
-            <a:ext cx="7274560" cy="6463308"/>
+            <a:off x="101600" y="-193040"/>
+            <a:ext cx="7274560" cy="7017306"/>
           </a:xfrm>
           <a:prstGeom prst="rect">
             <a:avLst/>
@@ -7266,7 +13376,7 @@
                 </a:solidFill>
                 <a:latin typeface="Aptos Display" panose="020B0004020202020204" pitchFamily="34" charset="0"/>
               </a:rPr>
-              <a:t>Heart Disease Prediction Project</a:t>
+              <a:t>  Heart Disease      	Prediction Project</a:t>
             </a:r>
           </a:p>
           <a:p>
@@ -7290,6 +13400,24 @@
               <a:solidFill>
                 <a:schemeClr val="bg1"/>
               </a:solidFill>
+            </a:endParaRPr>
+          </a:p>
+          <a:p>
+            <a:endParaRPr lang="en-US" dirty="0">
+              <a:solidFill>
+                <a:schemeClr val="bg1"/>
+              </a:solidFill>
+              <a:latin typeface="Cambria" panose="02040503050406030204" pitchFamily="18" charset="0"/>
+              <a:ea typeface="Cambria" panose="02040503050406030204" pitchFamily="18" charset="0"/>
+            </a:endParaRPr>
+          </a:p>
+          <a:p>
+            <a:endParaRPr lang="en-US" dirty="0">
+              <a:solidFill>
+                <a:schemeClr val="bg1"/>
+              </a:solidFill>
+              <a:latin typeface="Cambria" panose="02040503050406030204" pitchFamily="18" charset="0"/>
+              <a:ea typeface="Cambria" panose="02040503050406030204" pitchFamily="18" charset="0"/>
             </a:endParaRPr>
           </a:p>
           <a:p>
@@ -7926,6 +14054,1246 @@
 </p:sld>
 </file>
 
+<file path=ppt/slides/slide4.xml><?xml version="1.0" encoding="utf-8"?>
+<p:sld xmlns:a="http://schemas.openxmlformats.org/drawingml/2006/main" xmlns:r="http://schemas.openxmlformats.org/officeDocument/2006/relationships" xmlns:p="http://schemas.openxmlformats.org/presentationml/2006/main">
+  <p:cSld>
+    <p:spTree>
+      <p:nvGrpSpPr>
+        <p:cNvPr id="1" name="">
+          <a:extLst>
+            <a:ext uri="{FF2B5EF4-FFF2-40B4-BE49-F238E27FC236}">
+              <a16:creationId xmlns:a16="http://schemas.microsoft.com/office/drawing/2014/main" id="{55890235-5331-72EC-FF2E-C82B9C2D113C}"/>
+            </a:ext>
+          </a:extLst>
+        </p:cNvPr>
+        <p:cNvGrpSpPr/>
+        <p:nvPr/>
+      </p:nvGrpSpPr>
+      <p:grpSpPr>
+        <a:xfrm>
+          <a:off x="0" y="0"/>
+          <a:ext cx="0" cy="0"/>
+          <a:chOff x="0" y="0"/>
+          <a:chExt cx="0" cy="0"/>
+        </a:xfrm>
+      </p:grpSpPr>
+      <p:pic>
+        <p:nvPicPr>
+          <p:cNvPr id="9" name="Picture 8">
+            <a:extLst>
+              <a:ext uri="{FF2B5EF4-FFF2-40B4-BE49-F238E27FC236}">
+                <a16:creationId xmlns:a16="http://schemas.microsoft.com/office/drawing/2014/main" id="{9D3D2865-0253-8215-AF65-10CD3B5E6CD5}"/>
+              </a:ext>
+            </a:extLst>
+          </p:cNvPr>
+          <p:cNvPicPr>
+            <a:picLocks noChangeAspect="1"/>
+          </p:cNvPicPr>
+          <p:nvPr/>
+        </p:nvPicPr>
+        <p:blipFill>
+          <a:blip r:embed="rId2">
+            <a:extLst>
+              <a:ext uri="{28A0092B-C50C-407E-A947-70E740481C1C}">
+                <a14:useLocalDpi xmlns:a14="http://schemas.microsoft.com/office/drawing/2010/main" val="0"/>
+              </a:ext>
+              <a:ext uri="{837473B0-CC2E-450A-ABE3-18F120FF3D39}">
+                <a1611:picAttrSrcUrl xmlns:a1611="http://schemas.microsoft.com/office/drawing/2016/11/main" r:id="rId3"/>
+              </a:ext>
+            </a:extLst>
+          </a:blip>
+          <a:stretch>
+            <a:fillRect/>
+          </a:stretch>
+        </p:blipFill>
+        <p:spPr>
+          <a:xfrm>
+            <a:off x="-132080" y="-121920"/>
+            <a:ext cx="12456160" cy="7142480"/>
+          </a:xfrm>
+          <a:prstGeom prst="rect">
+            <a:avLst/>
+          </a:prstGeom>
+        </p:spPr>
+      </p:pic>
+      <p:sp>
+        <p:nvSpPr>
+          <p:cNvPr id="4" name="TextBox 3">
+            <a:extLst>
+              <a:ext uri="{FF2B5EF4-FFF2-40B4-BE49-F238E27FC236}">
+                <a16:creationId xmlns:a16="http://schemas.microsoft.com/office/drawing/2014/main" id="{6AD857E2-1485-1D2C-C9CE-C41D8401D803}"/>
+              </a:ext>
+            </a:extLst>
+          </p:cNvPr>
+          <p:cNvSpPr txBox="1"/>
+          <p:nvPr/>
+        </p:nvSpPr>
+        <p:spPr>
+          <a:xfrm>
+            <a:off x="1811867" y="626533"/>
+            <a:ext cx="7806266" cy="1323439"/>
+          </a:xfrm>
+          <a:prstGeom prst="rect">
+            <a:avLst/>
+          </a:prstGeom>
+          <a:noFill/>
+        </p:spPr>
+        <p:txBody>
+          <a:bodyPr wrap="square" rtlCol="0">
+            <a:spAutoFit/>
+          </a:bodyPr>
+          <a:lstStyle/>
+          <a:p>
+            <a:pPr algn="ctr"/>
+            <a:r>
+              <a:rPr lang="en-IN" sz="4000" b="1" dirty="0">
+                <a:solidFill>
+                  <a:schemeClr val="bg1"/>
+                </a:solidFill>
+                <a:latin typeface="Aptos Display" panose="020B0004020202020204" pitchFamily="34" charset="0"/>
+              </a:rPr>
+              <a:t>Model Creation Process</a:t>
+            </a:r>
+          </a:p>
+          <a:p>
+            <a:pPr algn="ctr"/>
+            <a:endParaRPr lang="en-IN" sz="4000" dirty="0">
+              <a:solidFill>
+                <a:schemeClr val="bg1"/>
+              </a:solidFill>
+              <a:latin typeface="Aptos Display" panose="020B0004020202020204" pitchFamily="34" charset="0"/>
+            </a:endParaRPr>
+          </a:p>
+        </p:txBody>
+      </p:sp>
+      <p:graphicFrame>
+        <p:nvGraphicFramePr>
+          <p:cNvPr id="6" name="Diagram 5">
+            <a:extLst>
+              <a:ext uri="{FF2B5EF4-FFF2-40B4-BE49-F238E27FC236}">
+                <a16:creationId xmlns:a16="http://schemas.microsoft.com/office/drawing/2014/main" id="{C2FA00F9-BF92-189A-5772-16FC82F3BE41}"/>
+              </a:ext>
+            </a:extLst>
+          </p:cNvPr>
+          <p:cNvGraphicFramePr/>
+          <p:nvPr>
+            <p:extLst>
+              <p:ext uri="{D42A27DB-BD31-4B8C-83A1-F6EECF244321}">
+                <p14:modId xmlns:p14="http://schemas.microsoft.com/office/powerpoint/2010/main" val="3662754378"/>
+              </p:ext>
+            </p:extLst>
+          </p:nvPr>
+        </p:nvGraphicFramePr>
+        <p:xfrm>
+          <a:off x="1361439" y="1439333"/>
+          <a:ext cx="9203267" cy="5418667"/>
+        </p:xfrm>
+        <a:graphic>
+          <a:graphicData uri="http://schemas.openxmlformats.org/drawingml/2006/diagram">
+            <dgm:relIds xmlns:dgm="http://schemas.openxmlformats.org/drawingml/2006/diagram" xmlns:r="http://schemas.openxmlformats.org/officeDocument/2006/relationships" r:dm="rId4" r:lo="rId5" r:qs="rId6" r:cs="rId7"/>
+          </a:graphicData>
+        </a:graphic>
+      </p:graphicFrame>
+    </p:spTree>
+    <p:extLst>
+      <p:ext uri="{BB962C8B-B14F-4D97-AF65-F5344CB8AC3E}">
+        <p14:creationId xmlns:p14="http://schemas.microsoft.com/office/powerpoint/2010/main" val="2556961895"/>
+      </p:ext>
+    </p:extLst>
+  </p:cSld>
+  <p:clrMapOvr>
+    <a:masterClrMapping/>
+  </p:clrMapOvr>
+</p:sld>
+</file>
+
+<file path=ppt/slides/slide5.xml><?xml version="1.0" encoding="utf-8"?>
+<p:sld xmlns:a="http://schemas.openxmlformats.org/drawingml/2006/main" xmlns:r="http://schemas.openxmlformats.org/officeDocument/2006/relationships" xmlns:p="http://schemas.openxmlformats.org/presentationml/2006/main">
+  <p:cSld>
+    <p:spTree>
+      <p:nvGrpSpPr>
+        <p:cNvPr id="1" name="">
+          <a:extLst>
+            <a:ext uri="{FF2B5EF4-FFF2-40B4-BE49-F238E27FC236}">
+              <a16:creationId xmlns:a16="http://schemas.microsoft.com/office/drawing/2014/main" id="{084F8C47-1150-5AB2-8F8D-3783809E0939}"/>
+            </a:ext>
+          </a:extLst>
+        </p:cNvPr>
+        <p:cNvGrpSpPr/>
+        <p:nvPr/>
+      </p:nvGrpSpPr>
+      <p:grpSpPr>
+        <a:xfrm>
+          <a:off x="0" y="0"/>
+          <a:ext cx="0" cy="0"/>
+          <a:chOff x="0" y="0"/>
+          <a:chExt cx="0" cy="0"/>
+        </a:xfrm>
+      </p:grpSpPr>
+      <p:pic>
+        <p:nvPicPr>
+          <p:cNvPr id="9" name="Picture 8">
+            <a:extLst>
+              <a:ext uri="{FF2B5EF4-FFF2-40B4-BE49-F238E27FC236}">
+                <a16:creationId xmlns:a16="http://schemas.microsoft.com/office/drawing/2014/main" id="{90C1BBEB-612F-46E3-F57F-476539CBE0B8}"/>
+              </a:ext>
+            </a:extLst>
+          </p:cNvPr>
+          <p:cNvPicPr>
+            <a:picLocks noChangeAspect="1"/>
+          </p:cNvPicPr>
+          <p:nvPr/>
+        </p:nvPicPr>
+        <p:blipFill>
+          <a:blip r:embed="rId2">
+            <a:extLst>
+              <a:ext uri="{28A0092B-C50C-407E-A947-70E740481C1C}">
+                <a14:useLocalDpi xmlns:a14="http://schemas.microsoft.com/office/drawing/2010/main" val="0"/>
+              </a:ext>
+              <a:ext uri="{837473B0-CC2E-450A-ABE3-18F120FF3D39}">
+                <a1611:picAttrSrcUrl xmlns:a1611="http://schemas.microsoft.com/office/drawing/2016/11/main" r:id="rId3"/>
+              </a:ext>
+            </a:extLst>
+          </a:blip>
+          <a:stretch>
+            <a:fillRect/>
+          </a:stretch>
+        </p:blipFill>
+        <p:spPr>
+          <a:xfrm>
+            <a:off x="-132080" y="-121920"/>
+            <a:ext cx="12456160" cy="7142480"/>
+          </a:xfrm>
+          <a:prstGeom prst="rect">
+            <a:avLst/>
+          </a:prstGeom>
+        </p:spPr>
+      </p:pic>
+      <p:sp>
+        <p:nvSpPr>
+          <p:cNvPr id="2" name="TextBox 1">
+            <a:extLst>
+              <a:ext uri="{FF2B5EF4-FFF2-40B4-BE49-F238E27FC236}">
+                <a16:creationId xmlns:a16="http://schemas.microsoft.com/office/drawing/2014/main" id="{EC7D0836-408E-6DAB-DFA5-9CD2341B75D0}"/>
+              </a:ext>
+            </a:extLst>
+          </p:cNvPr>
+          <p:cNvSpPr txBox="1"/>
+          <p:nvPr/>
+        </p:nvSpPr>
+        <p:spPr>
+          <a:xfrm>
+            <a:off x="2326640" y="348079"/>
+            <a:ext cx="7172960" cy="1323439"/>
+          </a:xfrm>
+          <a:prstGeom prst="rect">
+            <a:avLst/>
+          </a:prstGeom>
+          <a:noFill/>
+        </p:spPr>
+        <p:txBody>
+          <a:bodyPr wrap="square" rtlCol="0">
+            <a:spAutoFit/>
+          </a:bodyPr>
+          <a:lstStyle/>
+          <a:p>
+            <a:pPr algn="ctr"/>
+            <a:r>
+              <a:rPr lang="en-IN" sz="4000" b="1" dirty="0">
+                <a:solidFill>
+                  <a:schemeClr val="bg1"/>
+                </a:solidFill>
+                <a:latin typeface="Aptos Display" panose="020B0004020202020204" pitchFamily="34" charset="0"/>
+              </a:rPr>
+              <a:t>Data Visualizations &amp; Insights</a:t>
+            </a:r>
+          </a:p>
+          <a:p>
+            <a:pPr algn="ctr"/>
+            <a:endParaRPr lang="en-IN" sz="4000" dirty="0">
+              <a:solidFill>
+                <a:schemeClr val="bg1"/>
+              </a:solidFill>
+              <a:latin typeface="Aptos Display" panose="020B0004020202020204" pitchFamily="34" charset="0"/>
+            </a:endParaRPr>
+          </a:p>
+        </p:txBody>
+      </p:sp>
+      <p:pic>
+        <p:nvPicPr>
+          <p:cNvPr id="5" name="Picture 4">
+            <a:extLst>
+              <a:ext uri="{FF2B5EF4-FFF2-40B4-BE49-F238E27FC236}">
+                <a16:creationId xmlns:a16="http://schemas.microsoft.com/office/drawing/2014/main" id="{903C7275-8961-440D-5D23-4834FCDBE17E}"/>
+              </a:ext>
+            </a:extLst>
+          </p:cNvPr>
+          <p:cNvPicPr>
+            <a:picLocks noChangeAspect="1"/>
+          </p:cNvPicPr>
+          <p:nvPr/>
+        </p:nvPicPr>
+        <p:blipFill>
+          <a:blip r:embed="rId4"/>
+          <a:stretch>
+            <a:fillRect/>
+          </a:stretch>
+        </p:blipFill>
+        <p:spPr>
+          <a:xfrm>
+            <a:off x="7475354" y="1375336"/>
+            <a:ext cx="4353204" cy="2333064"/>
+          </a:xfrm>
+          <a:prstGeom prst="rect">
+            <a:avLst/>
+          </a:prstGeom>
+        </p:spPr>
+      </p:pic>
+      <p:pic>
+        <p:nvPicPr>
+          <p:cNvPr id="8" name="Picture 7">
+            <a:extLst>
+              <a:ext uri="{FF2B5EF4-FFF2-40B4-BE49-F238E27FC236}">
+                <a16:creationId xmlns:a16="http://schemas.microsoft.com/office/drawing/2014/main" id="{67F6C124-6EFC-0C6C-3B7D-7051B7A1CBC6}"/>
+              </a:ext>
+            </a:extLst>
+          </p:cNvPr>
+          <p:cNvPicPr>
+            <a:picLocks noChangeAspect="1"/>
+          </p:cNvPicPr>
+          <p:nvPr/>
+        </p:nvPicPr>
+        <p:blipFill>
+          <a:blip r:embed="rId5"/>
+          <a:stretch>
+            <a:fillRect/>
+          </a:stretch>
+        </p:blipFill>
+        <p:spPr>
+          <a:xfrm>
+            <a:off x="467358" y="3952240"/>
+            <a:ext cx="4318002" cy="2814320"/>
+          </a:xfrm>
+          <a:prstGeom prst="rect">
+            <a:avLst/>
+          </a:prstGeom>
+        </p:spPr>
+      </p:pic>
+      <p:sp>
+        <p:nvSpPr>
+          <p:cNvPr id="10" name="TextBox 9">
+            <a:extLst>
+              <a:ext uri="{FF2B5EF4-FFF2-40B4-BE49-F238E27FC236}">
+                <a16:creationId xmlns:a16="http://schemas.microsoft.com/office/drawing/2014/main" id="{30EC71F7-4D61-4120-9492-FC07F1B1AEF3}"/>
+              </a:ext>
+            </a:extLst>
+          </p:cNvPr>
+          <p:cNvSpPr txBox="1"/>
+          <p:nvPr/>
+        </p:nvSpPr>
+        <p:spPr>
+          <a:xfrm>
+            <a:off x="882717" y="2141517"/>
+            <a:ext cx="6097115" cy="461665"/>
+          </a:xfrm>
+          <a:prstGeom prst="rect">
+            <a:avLst/>
+          </a:prstGeom>
+          <a:noFill/>
+        </p:spPr>
+        <p:txBody>
+          <a:bodyPr wrap="square" rtlCol="0">
+            <a:spAutoFit/>
+          </a:bodyPr>
+          <a:lstStyle/>
+          <a:p>
+            <a:r>
+              <a:rPr lang="en-US" sz="2400" dirty="0">
+                <a:solidFill>
+                  <a:schemeClr val="bg1"/>
+                </a:solidFill>
+                <a:latin typeface="Cambria" panose="02040503050406030204" pitchFamily="18" charset="0"/>
+                <a:ea typeface="Cambria" panose="02040503050406030204" pitchFamily="18" charset="0"/>
+              </a:rPr>
+              <a:t>Bar Chart of Heart Disease Probability by Age</a:t>
+            </a:r>
+            <a:endParaRPr lang="en-IN" sz="2400" dirty="0">
+              <a:solidFill>
+                <a:schemeClr val="bg1"/>
+              </a:solidFill>
+              <a:latin typeface="Cambria" panose="02040503050406030204" pitchFamily="18" charset="0"/>
+              <a:ea typeface="Cambria" panose="02040503050406030204" pitchFamily="18" charset="0"/>
+            </a:endParaRPr>
+          </a:p>
+        </p:txBody>
+      </p:sp>
+      <p:sp>
+        <p:nvSpPr>
+          <p:cNvPr id="11" name="TextBox 10">
+            <a:extLst>
+              <a:ext uri="{FF2B5EF4-FFF2-40B4-BE49-F238E27FC236}">
+                <a16:creationId xmlns:a16="http://schemas.microsoft.com/office/drawing/2014/main" id="{6EC5F27A-24CC-7B02-B31B-850A78241064}"/>
+              </a:ext>
+            </a:extLst>
+          </p:cNvPr>
+          <p:cNvSpPr txBox="1"/>
+          <p:nvPr/>
+        </p:nvSpPr>
+        <p:spPr>
+          <a:xfrm>
+            <a:off x="5506162" y="5133647"/>
+            <a:ext cx="6421678" cy="830997"/>
+          </a:xfrm>
+          <a:prstGeom prst="rect">
+            <a:avLst/>
+          </a:prstGeom>
+          <a:noFill/>
+        </p:spPr>
+        <p:txBody>
+          <a:bodyPr wrap="square" rtlCol="0">
+            <a:spAutoFit/>
+          </a:bodyPr>
+          <a:lstStyle/>
+          <a:p>
+            <a:r>
+              <a:rPr lang="en-US" sz="2400" dirty="0">
+                <a:solidFill>
+                  <a:schemeClr val="bg1"/>
+                </a:solidFill>
+                <a:latin typeface="Cambria" panose="02040503050406030204" pitchFamily="18" charset="0"/>
+                <a:ea typeface="Cambria" panose="02040503050406030204" pitchFamily="18" charset="0"/>
+              </a:rPr>
+              <a:t>Proportion of Heart Disease vs No Heart Disease — Donut Chart</a:t>
+            </a:r>
+            <a:endParaRPr lang="en-IN" sz="2400" dirty="0">
+              <a:solidFill>
+                <a:schemeClr val="bg1"/>
+              </a:solidFill>
+              <a:latin typeface="Cambria" panose="02040503050406030204" pitchFamily="18" charset="0"/>
+              <a:ea typeface="Cambria" panose="02040503050406030204" pitchFamily="18" charset="0"/>
+            </a:endParaRPr>
+          </a:p>
+        </p:txBody>
+      </p:sp>
+    </p:spTree>
+    <p:extLst>
+      <p:ext uri="{BB962C8B-B14F-4D97-AF65-F5344CB8AC3E}">
+        <p14:creationId xmlns:p14="http://schemas.microsoft.com/office/powerpoint/2010/main" val="2401934182"/>
+      </p:ext>
+    </p:extLst>
+  </p:cSld>
+  <p:clrMapOvr>
+    <a:masterClrMapping/>
+  </p:clrMapOvr>
+</p:sld>
+</file>
+
+<file path=ppt/slides/slide6.xml><?xml version="1.0" encoding="utf-8"?>
+<p:sld xmlns:a="http://schemas.openxmlformats.org/drawingml/2006/main" xmlns:r="http://schemas.openxmlformats.org/officeDocument/2006/relationships" xmlns:p="http://schemas.openxmlformats.org/presentationml/2006/main">
+  <p:cSld>
+    <p:spTree>
+      <p:nvGrpSpPr>
+        <p:cNvPr id="1" name="">
+          <a:extLst>
+            <a:ext uri="{FF2B5EF4-FFF2-40B4-BE49-F238E27FC236}">
+              <a16:creationId xmlns:a16="http://schemas.microsoft.com/office/drawing/2014/main" id="{CBCA3A13-191D-F2CA-A109-849EB78C6F90}"/>
+            </a:ext>
+          </a:extLst>
+        </p:cNvPr>
+        <p:cNvGrpSpPr/>
+        <p:nvPr/>
+      </p:nvGrpSpPr>
+      <p:grpSpPr>
+        <a:xfrm>
+          <a:off x="0" y="0"/>
+          <a:ext cx="0" cy="0"/>
+          <a:chOff x="0" y="0"/>
+          <a:chExt cx="0" cy="0"/>
+        </a:xfrm>
+      </p:grpSpPr>
+      <p:pic>
+        <p:nvPicPr>
+          <p:cNvPr id="9" name="Picture 8">
+            <a:extLst>
+              <a:ext uri="{FF2B5EF4-FFF2-40B4-BE49-F238E27FC236}">
+                <a16:creationId xmlns:a16="http://schemas.microsoft.com/office/drawing/2014/main" id="{DD0895D9-B74B-5C68-DA0C-A2240B1253EC}"/>
+              </a:ext>
+            </a:extLst>
+          </p:cNvPr>
+          <p:cNvPicPr>
+            <a:picLocks noChangeAspect="1"/>
+          </p:cNvPicPr>
+          <p:nvPr/>
+        </p:nvPicPr>
+        <p:blipFill>
+          <a:blip r:embed="rId2">
+            <a:extLst>
+              <a:ext uri="{28A0092B-C50C-407E-A947-70E740481C1C}">
+                <a14:useLocalDpi xmlns:a14="http://schemas.microsoft.com/office/drawing/2010/main" val="0"/>
+              </a:ext>
+              <a:ext uri="{837473B0-CC2E-450A-ABE3-18F120FF3D39}">
+                <a1611:picAttrSrcUrl xmlns:a1611="http://schemas.microsoft.com/office/drawing/2016/11/main" r:id="rId3"/>
+              </a:ext>
+            </a:extLst>
+          </a:blip>
+          <a:stretch>
+            <a:fillRect/>
+          </a:stretch>
+        </p:blipFill>
+        <p:spPr>
+          <a:xfrm>
+            <a:off x="-132080" y="-121920"/>
+            <a:ext cx="12456160" cy="7142480"/>
+          </a:xfrm>
+          <a:prstGeom prst="rect">
+            <a:avLst/>
+          </a:prstGeom>
+        </p:spPr>
+      </p:pic>
+      <p:sp>
+        <p:nvSpPr>
+          <p:cNvPr id="2" name="TextBox 1">
+            <a:extLst>
+              <a:ext uri="{FF2B5EF4-FFF2-40B4-BE49-F238E27FC236}">
+                <a16:creationId xmlns:a16="http://schemas.microsoft.com/office/drawing/2014/main" id="{8DBB8FFD-E741-6CF9-F238-20D22C2C254D}"/>
+              </a:ext>
+            </a:extLst>
+          </p:cNvPr>
+          <p:cNvSpPr txBox="1"/>
+          <p:nvPr/>
+        </p:nvSpPr>
+        <p:spPr>
+          <a:xfrm>
+            <a:off x="2326640" y="348079"/>
+            <a:ext cx="7172960" cy="1323439"/>
+          </a:xfrm>
+          <a:prstGeom prst="rect">
+            <a:avLst/>
+          </a:prstGeom>
+          <a:noFill/>
+        </p:spPr>
+        <p:txBody>
+          <a:bodyPr wrap="square" rtlCol="0">
+            <a:spAutoFit/>
+          </a:bodyPr>
+          <a:lstStyle/>
+          <a:p>
+            <a:pPr algn="ctr"/>
+            <a:r>
+              <a:rPr lang="en-IN" sz="4000" b="1" dirty="0">
+                <a:solidFill>
+                  <a:schemeClr val="bg1"/>
+                </a:solidFill>
+                <a:latin typeface="Aptos Display" panose="020B0004020202020204" pitchFamily="34" charset="0"/>
+              </a:rPr>
+              <a:t>Data Visualizations &amp; Insights</a:t>
+            </a:r>
+          </a:p>
+          <a:p>
+            <a:pPr algn="ctr"/>
+            <a:endParaRPr lang="en-IN" sz="4000" dirty="0">
+              <a:solidFill>
+                <a:schemeClr val="bg1"/>
+              </a:solidFill>
+              <a:latin typeface="Aptos Display" panose="020B0004020202020204" pitchFamily="34" charset="0"/>
+            </a:endParaRPr>
+          </a:p>
+        </p:txBody>
+      </p:sp>
+      <p:sp>
+        <p:nvSpPr>
+          <p:cNvPr id="10" name="TextBox 9">
+            <a:extLst>
+              <a:ext uri="{FF2B5EF4-FFF2-40B4-BE49-F238E27FC236}">
+                <a16:creationId xmlns:a16="http://schemas.microsoft.com/office/drawing/2014/main" id="{A99D705D-53B6-227B-5E07-0785F7844143}"/>
+              </a:ext>
+            </a:extLst>
+          </p:cNvPr>
+          <p:cNvSpPr txBox="1"/>
+          <p:nvPr/>
+        </p:nvSpPr>
+        <p:spPr>
+          <a:xfrm>
+            <a:off x="882717" y="2002848"/>
+            <a:ext cx="6097115" cy="830997"/>
+          </a:xfrm>
+          <a:prstGeom prst="rect">
+            <a:avLst/>
+          </a:prstGeom>
+          <a:noFill/>
+        </p:spPr>
+        <p:txBody>
+          <a:bodyPr wrap="square" rtlCol="0">
+            <a:spAutoFit/>
+          </a:bodyPr>
+          <a:lstStyle/>
+          <a:p>
+            <a:r>
+              <a:rPr lang="en-US" sz="2400" dirty="0">
+                <a:solidFill>
+                  <a:schemeClr val="bg1"/>
+                </a:solidFill>
+                <a:latin typeface="Cambria" panose="02040503050406030204" pitchFamily="18" charset="0"/>
+                <a:ea typeface="Cambria" panose="02040503050406030204" pitchFamily="18" charset="0"/>
+              </a:rPr>
+              <a:t>Chest Pain Type vs Predicted Heart Disease Probability — Bar Chart</a:t>
+            </a:r>
+            <a:endParaRPr lang="en-IN" sz="2400" dirty="0">
+              <a:solidFill>
+                <a:schemeClr val="bg1"/>
+              </a:solidFill>
+              <a:latin typeface="Cambria" panose="02040503050406030204" pitchFamily="18" charset="0"/>
+              <a:ea typeface="Cambria" panose="02040503050406030204" pitchFamily="18" charset="0"/>
+            </a:endParaRPr>
+          </a:p>
+        </p:txBody>
+      </p:sp>
+      <p:sp>
+        <p:nvSpPr>
+          <p:cNvPr id="11" name="TextBox 10">
+            <a:extLst>
+              <a:ext uri="{FF2B5EF4-FFF2-40B4-BE49-F238E27FC236}">
+                <a16:creationId xmlns:a16="http://schemas.microsoft.com/office/drawing/2014/main" id="{89648A80-305A-3614-6AD2-F1AAC47A1021}"/>
+              </a:ext>
+            </a:extLst>
+          </p:cNvPr>
+          <p:cNvSpPr txBox="1"/>
+          <p:nvPr/>
+        </p:nvSpPr>
+        <p:spPr>
+          <a:xfrm>
+            <a:off x="5947799" y="5089238"/>
+            <a:ext cx="6421678" cy="830997"/>
+          </a:xfrm>
+          <a:prstGeom prst="rect">
+            <a:avLst/>
+          </a:prstGeom>
+          <a:noFill/>
+        </p:spPr>
+        <p:txBody>
+          <a:bodyPr wrap="square" rtlCol="0">
+            <a:spAutoFit/>
+          </a:bodyPr>
+          <a:lstStyle/>
+          <a:p>
+            <a:r>
+              <a:rPr lang="en-US" sz="2400" dirty="0">
+                <a:solidFill>
+                  <a:schemeClr val="bg1"/>
+                </a:solidFill>
+                <a:latin typeface="Cambria" panose="02040503050406030204" pitchFamily="18" charset="0"/>
+                <a:ea typeface="Cambria" panose="02040503050406030204" pitchFamily="18" charset="0"/>
+              </a:rPr>
+              <a:t>Proportion of Heart Disease Cases by Sex </a:t>
+            </a:r>
+          </a:p>
+          <a:p>
+            <a:r>
+              <a:rPr lang="en-US" sz="2400" dirty="0">
+                <a:solidFill>
+                  <a:schemeClr val="bg1"/>
+                </a:solidFill>
+                <a:latin typeface="Cambria" panose="02040503050406030204" pitchFamily="18" charset="0"/>
+                <a:ea typeface="Cambria" panose="02040503050406030204" pitchFamily="18" charset="0"/>
+              </a:rPr>
+              <a:t>— Pie Chart</a:t>
+            </a:r>
+            <a:endParaRPr lang="en-IN" sz="2400" dirty="0">
+              <a:solidFill>
+                <a:schemeClr val="bg1"/>
+              </a:solidFill>
+              <a:latin typeface="Cambria" panose="02040503050406030204" pitchFamily="18" charset="0"/>
+              <a:ea typeface="Cambria" panose="02040503050406030204" pitchFamily="18" charset="0"/>
+            </a:endParaRPr>
+          </a:p>
+        </p:txBody>
+      </p:sp>
+      <p:pic>
+        <p:nvPicPr>
+          <p:cNvPr id="4" name="Picture 3">
+            <a:extLst>
+              <a:ext uri="{FF2B5EF4-FFF2-40B4-BE49-F238E27FC236}">
+                <a16:creationId xmlns:a16="http://schemas.microsoft.com/office/drawing/2014/main" id="{B24FAD76-25F5-1325-B563-936227AE5952}"/>
+              </a:ext>
+            </a:extLst>
+          </p:cNvPr>
+          <p:cNvPicPr>
+            <a:picLocks noChangeAspect="1"/>
+          </p:cNvPicPr>
+          <p:nvPr/>
+        </p:nvPicPr>
+        <p:blipFill>
+          <a:blip r:embed="rId4"/>
+          <a:stretch>
+            <a:fillRect/>
+          </a:stretch>
+        </p:blipFill>
+        <p:spPr>
+          <a:xfrm>
+            <a:off x="471559" y="3545840"/>
+            <a:ext cx="4872601" cy="3253429"/>
+          </a:xfrm>
+          <a:prstGeom prst="rect">
+            <a:avLst/>
+          </a:prstGeom>
+        </p:spPr>
+      </p:pic>
+      <p:pic>
+        <p:nvPicPr>
+          <p:cNvPr id="7" name="Picture 6">
+            <a:extLst>
+              <a:ext uri="{FF2B5EF4-FFF2-40B4-BE49-F238E27FC236}">
+                <a16:creationId xmlns:a16="http://schemas.microsoft.com/office/drawing/2014/main" id="{FB39CF08-304B-9200-82F0-626A6413696B}"/>
+              </a:ext>
+            </a:extLst>
+          </p:cNvPr>
+          <p:cNvPicPr>
+            <a:picLocks noChangeAspect="1"/>
+          </p:cNvPicPr>
+          <p:nvPr/>
+        </p:nvPicPr>
+        <p:blipFill>
+          <a:blip r:embed="rId5"/>
+          <a:stretch>
+            <a:fillRect/>
+          </a:stretch>
+        </p:blipFill>
+        <p:spPr>
+          <a:xfrm>
+            <a:off x="7051040" y="1177801"/>
+            <a:ext cx="4805592" cy="2649077"/>
+          </a:xfrm>
+          <a:prstGeom prst="rect">
+            <a:avLst/>
+          </a:prstGeom>
+        </p:spPr>
+      </p:pic>
+    </p:spTree>
+    <p:extLst>
+      <p:ext uri="{BB962C8B-B14F-4D97-AF65-F5344CB8AC3E}">
+        <p14:creationId xmlns:p14="http://schemas.microsoft.com/office/powerpoint/2010/main" val="889087367"/>
+      </p:ext>
+    </p:extLst>
+  </p:cSld>
+  <p:clrMapOvr>
+    <a:masterClrMapping/>
+  </p:clrMapOvr>
+</p:sld>
+</file>
+
+<file path=ppt/slides/slide7.xml><?xml version="1.0" encoding="utf-8"?>
+<p:sld xmlns:a="http://schemas.openxmlformats.org/drawingml/2006/main" xmlns:r="http://schemas.openxmlformats.org/officeDocument/2006/relationships" xmlns:p="http://schemas.openxmlformats.org/presentationml/2006/main">
+  <p:cSld>
+    <p:spTree>
+      <p:nvGrpSpPr>
+        <p:cNvPr id="1" name="">
+          <a:extLst>
+            <a:ext uri="{FF2B5EF4-FFF2-40B4-BE49-F238E27FC236}">
+              <a16:creationId xmlns:a16="http://schemas.microsoft.com/office/drawing/2014/main" id="{14236421-AF18-DAE8-037F-247E268EEEDF}"/>
+            </a:ext>
+          </a:extLst>
+        </p:cNvPr>
+        <p:cNvGrpSpPr/>
+        <p:nvPr/>
+      </p:nvGrpSpPr>
+      <p:grpSpPr>
+        <a:xfrm>
+          <a:off x="0" y="0"/>
+          <a:ext cx="0" cy="0"/>
+          <a:chOff x="0" y="0"/>
+          <a:chExt cx="0" cy="0"/>
+        </a:xfrm>
+      </p:grpSpPr>
+      <p:pic>
+        <p:nvPicPr>
+          <p:cNvPr id="9" name="Picture 8">
+            <a:extLst>
+              <a:ext uri="{FF2B5EF4-FFF2-40B4-BE49-F238E27FC236}">
+                <a16:creationId xmlns:a16="http://schemas.microsoft.com/office/drawing/2014/main" id="{A09B8AFF-D60E-2D19-39F1-FEB7CC97883B}"/>
+              </a:ext>
+            </a:extLst>
+          </p:cNvPr>
+          <p:cNvPicPr>
+            <a:picLocks noChangeAspect="1"/>
+          </p:cNvPicPr>
+          <p:nvPr/>
+        </p:nvPicPr>
+        <p:blipFill>
+          <a:blip r:embed="rId2">
+            <a:extLst>
+              <a:ext uri="{28A0092B-C50C-407E-A947-70E740481C1C}">
+                <a14:useLocalDpi xmlns:a14="http://schemas.microsoft.com/office/drawing/2010/main" val="0"/>
+              </a:ext>
+              <a:ext uri="{837473B0-CC2E-450A-ABE3-18F120FF3D39}">
+                <a1611:picAttrSrcUrl xmlns:a1611="http://schemas.microsoft.com/office/drawing/2016/11/main" r:id="rId3"/>
+              </a:ext>
+            </a:extLst>
+          </a:blip>
+          <a:stretch>
+            <a:fillRect/>
+          </a:stretch>
+        </p:blipFill>
+        <p:spPr>
+          <a:xfrm>
+            <a:off x="-132080" y="-121920"/>
+            <a:ext cx="12456160" cy="7142480"/>
+          </a:xfrm>
+          <a:prstGeom prst="rect">
+            <a:avLst/>
+          </a:prstGeom>
+        </p:spPr>
+      </p:pic>
+      <p:sp>
+        <p:nvSpPr>
+          <p:cNvPr id="2" name="TextBox 1">
+            <a:extLst>
+              <a:ext uri="{FF2B5EF4-FFF2-40B4-BE49-F238E27FC236}">
+                <a16:creationId xmlns:a16="http://schemas.microsoft.com/office/drawing/2014/main" id="{F8666B5F-1209-169F-98D4-0942B73EA780}"/>
+              </a:ext>
+            </a:extLst>
+          </p:cNvPr>
+          <p:cNvSpPr txBox="1"/>
+          <p:nvPr/>
+        </p:nvSpPr>
+        <p:spPr>
+          <a:xfrm>
+            <a:off x="2326640" y="348079"/>
+            <a:ext cx="7172960" cy="1323439"/>
+          </a:xfrm>
+          <a:prstGeom prst="rect">
+            <a:avLst/>
+          </a:prstGeom>
+          <a:noFill/>
+        </p:spPr>
+        <p:txBody>
+          <a:bodyPr wrap="square" rtlCol="0">
+            <a:spAutoFit/>
+          </a:bodyPr>
+          <a:lstStyle/>
+          <a:p>
+            <a:pPr algn="ctr"/>
+            <a:r>
+              <a:rPr lang="en-IN" sz="4000" b="1" dirty="0">
+                <a:solidFill>
+                  <a:schemeClr val="bg1"/>
+                </a:solidFill>
+                <a:latin typeface="Aptos Display" panose="020B0004020202020204" pitchFamily="34" charset="0"/>
+              </a:rPr>
+              <a:t>Data Visualizations &amp; Insights</a:t>
+            </a:r>
+          </a:p>
+          <a:p>
+            <a:pPr algn="ctr"/>
+            <a:endParaRPr lang="en-IN" sz="4000" dirty="0">
+              <a:solidFill>
+                <a:schemeClr val="bg1"/>
+              </a:solidFill>
+              <a:latin typeface="Aptos Display" panose="020B0004020202020204" pitchFamily="34" charset="0"/>
+            </a:endParaRPr>
+          </a:p>
+        </p:txBody>
+      </p:sp>
+      <p:sp>
+        <p:nvSpPr>
+          <p:cNvPr id="10" name="TextBox 9">
+            <a:extLst>
+              <a:ext uri="{FF2B5EF4-FFF2-40B4-BE49-F238E27FC236}">
+                <a16:creationId xmlns:a16="http://schemas.microsoft.com/office/drawing/2014/main" id="{6AD6C6A0-6EEC-6BF7-542B-7D802B2AE4D9}"/>
+              </a:ext>
+            </a:extLst>
+          </p:cNvPr>
+          <p:cNvSpPr txBox="1"/>
+          <p:nvPr/>
+        </p:nvSpPr>
+        <p:spPr>
+          <a:xfrm>
+            <a:off x="2122881" y="5678924"/>
+            <a:ext cx="7946235" cy="830997"/>
+          </a:xfrm>
+          <a:prstGeom prst="rect">
+            <a:avLst/>
+          </a:prstGeom>
+          <a:noFill/>
+        </p:spPr>
+        <p:txBody>
+          <a:bodyPr wrap="square" rtlCol="0">
+            <a:spAutoFit/>
+          </a:bodyPr>
+          <a:lstStyle/>
+          <a:p>
+            <a:pPr algn="ctr"/>
+            <a:r>
+              <a:rPr lang="en-US" sz="2400" dirty="0">
+                <a:solidFill>
+                  <a:schemeClr val="bg1"/>
+                </a:solidFill>
+                <a:latin typeface="Cambria" panose="02040503050406030204" pitchFamily="18" charset="0"/>
+                <a:ea typeface="Cambria" panose="02040503050406030204" pitchFamily="18" charset="0"/>
+              </a:rPr>
+              <a:t>Comparison of Cholesterol Distributions Across Heart Disease Classes — Histogram Plot</a:t>
+            </a:r>
+            <a:endParaRPr lang="en-IN" sz="2400" dirty="0">
+              <a:solidFill>
+                <a:schemeClr val="bg1"/>
+              </a:solidFill>
+              <a:latin typeface="Cambria" panose="02040503050406030204" pitchFamily="18" charset="0"/>
+              <a:ea typeface="Cambria" panose="02040503050406030204" pitchFamily="18" charset="0"/>
+            </a:endParaRPr>
+          </a:p>
+        </p:txBody>
+      </p:sp>
+      <p:pic>
+        <p:nvPicPr>
+          <p:cNvPr id="5" name="Picture 4">
+            <a:extLst>
+              <a:ext uri="{FF2B5EF4-FFF2-40B4-BE49-F238E27FC236}">
+                <a16:creationId xmlns:a16="http://schemas.microsoft.com/office/drawing/2014/main" id="{31FFF230-1E40-B34B-B1E0-CAD059A8E625}"/>
+              </a:ext>
+            </a:extLst>
+          </p:cNvPr>
+          <p:cNvPicPr>
+            <a:picLocks noChangeAspect="1"/>
+          </p:cNvPicPr>
+          <p:nvPr/>
+        </p:nvPicPr>
+        <p:blipFill>
+          <a:blip r:embed="rId4"/>
+          <a:stretch>
+            <a:fillRect/>
+          </a:stretch>
+        </p:blipFill>
+        <p:spPr>
+          <a:xfrm>
+            <a:off x="2886689" y="1321886"/>
+            <a:ext cx="6418621" cy="4026288"/>
+          </a:xfrm>
+          <a:prstGeom prst="rect">
+            <a:avLst/>
+          </a:prstGeom>
+        </p:spPr>
+      </p:pic>
+    </p:spTree>
+    <p:extLst>
+      <p:ext uri="{BB962C8B-B14F-4D97-AF65-F5344CB8AC3E}">
+        <p14:creationId xmlns:p14="http://schemas.microsoft.com/office/powerpoint/2010/main" val="4123666235"/>
+      </p:ext>
+    </p:extLst>
+  </p:cSld>
+  <p:clrMapOvr>
+    <a:masterClrMapping/>
+  </p:clrMapOvr>
+</p:sld>
+</file>
+
+<file path=ppt/slides/slide8.xml><?xml version="1.0" encoding="utf-8"?>
+<p:sld xmlns:a="http://schemas.openxmlformats.org/drawingml/2006/main" xmlns:r="http://schemas.openxmlformats.org/officeDocument/2006/relationships" xmlns:p="http://schemas.openxmlformats.org/presentationml/2006/main">
+  <p:cSld>
+    <p:spTree>
+      <p:nvGrpSpPr>
+        <p:cNvPr id="1" name="">
+          <a:extLst>
+            <a:ext uri="{FF2B5EF4-FFF2-40B4-BE49-F238E27FC236}">
+              <a16:creationId xmlns:a16="http://schemas.microsoft.com/office/drawing/2014/main" id="{59C2590A-6035-68E0-3E84-2203063B865B}"/>
+            </a:ext>
+          </a:extLst>
+        </p:cNvPr>
+        <p:cNvGrpSpPr/>
+        <p:nvPr/>
+      </p:nvGrpSpPr>
+      <p:grpSpPr>
+        <a:xfrm>
+          <a:off x="0" y="0"/>
+          <a:ext cx="0" cy="0"/>
+          <a:chOff x="0" y="0"/>
+          <a:chExt cx="0" cy="0"/>
+        </a:xfrm>
+      </p:grpSpPr>
+      <p:pic>
+        <p:nvPicPr>
+          <p:cNvPr id="9" name="Picture 8">
+            <a:extLst>
+              <a:ext uri="{FF2B5EF4-FFF2-40B4-BE49-F238E27FC236}">
+                <a16:creationId xmlns:a16="http://schemas.microsoft.com/office/drawing/2014/main" id="{E9AC8377-FDC5-AE79-7749-F08FBF210FF6}"/>
+              </a:ext>
+            </a:extLst>
+          </p:cNvPr>
+          <p:cNvPicPr>
+            <a:picLocks noChangeAspect="1"/>
+          </p:cNvPicPr>
+          <p:nvPr/>
+        </p:nvPicPr>
+        <p:blipFill>
+          <a:blip r:embed="rId2">
+            <a:extLst>
+              <a:ext uri="{28A0092B-C50C-407E-A947-70E740481C1C}">
+                <a14:useLocalDpi xmlns:a14="http://schemas.microsoft.com/office/drawing/2010/main" val="0"/>
+              </a:ext>
+              <a:ext uri="{837473B0-CC2E-450A-ABE3-18F120FF3D39}">
+                <a1611:picAttrSrcUrl xmlns:a1611="http://schemas.microsoft.com/office/drawing/2016/11/main" r:id="rId3"/>
+              </a:ext>
+            </a:extLst>
+          </a:blip>
+          <a:stretch>
+            <a:fillRect/>
+          </a:stretch>
+        </p:blipFill>
+        <p:spPr>
+          <a:xfrm>
+            <a:off x="-132080" y="-121920"/>
+            <a:ext cx="12456160" cy="7142480"/>
+          </a:xfrm>
+          <a:prstGeom prst="rect">
+            <a:avLst/>
+          </a:prstGeom>
+        </p:spPr>
+      </p:pic>
+      <p:sp>
+        <p:nvSpPr>
+          <p:cNvPr id="2" name="TextBox 1">
+            <a:extLst>
+              <a:ext uri="{FF2B5EF4-FFF2-40B4-BE49-F238E27FC236}">
+                <a16:creationId xmlns:a16="http://schemas.microsoft.com/office/drawing/2014/main" id="{25EFC8A2-A250-458A-0D6C-1826FF0BF6FF}"/>
+              </a:ext>
+            </a:extLst>
+          </p:cNvPr>
+          <p:cNvSpPr txBox="1"/>
+          <p:nvPr/>
+        </p:nvSpPr>
+        <p:spPr>
+          <a:xfrm>
+            <a:off x="2509518" y="632559"/>
+            <a:ext cx="7172960" cy="707886"/>
+          </a:xfrm>
+          <a:prstGeom prst="rect">
+            <a:avLst/>
+          </a:prstGeom>
+          <a:noFill/>
+        </p:spPr>
+        <p:txBody>
+          <a:bodyPr wrap="square" rtlCol="0">
+            <a:spAutoFit/>
+          </a:bodyPr>
+          <a:lstStyle/>
+          <a:p>
+            <a:pPr algn="ctr"/>
+            <a:r>
+              <a:rPr lang="en-IN" sz="4000" b="1" dirty="0">
+                <a:solidFill>
+                  <a:schemeClr val="bg1"/>
+                </a:solidFill>
+                <a:latin typeface="Aptos Display" panose="020B0004020202020204" pitchFamily="34" charset="0"/>
+              </a:rPr>
+              <a:t>Project Conclusions</a:t>
+            </a:r>
+          </a:p>
+        </p:txBody>
+      </p:sp>
+      <p:sp>
+        <p:nvSpPr>
+          <p:cNvPr id="10" name="TextBox 9">
+            <a:extLst>
+              <a:ext uri="{FF2B5EF4-FFF2-40B4-BE49-F238E27FC236}">
+                <a16:creationId xmlns:a16="http://schemas.microsoft.com/office/drawing/2014/main" id="{B6501271-A58E-B30C-1779-8751228955DA}"/>
+              </a:ext>
+            </a:extLst>
+          </p:cNvPr>
+          <p:cNvSpPr txBox="1"/>
+          <p:nvPr/>
+        </p:nvSpPr>
+        <p:spPr>
+          <a:xfrm>
+            <a:off x="2122881" y="5678924"/>
+            <a:ext cx="7946235" cy="830997"/>
+          </a:xfrm>
+          <a:prstGeom prst="rect">
+            <a:avLst/>
+          </a:prstGeom>
+          <a:noFill/>
+        </p:spPr>
+        <p:txBody>
+          <a:bodyPr wrap="square" rtlCol="0">
+            <a:spAutoFit/>
+          </a:bodyPr>
+          <a:lstStyle/>
+          <a:p>
+            <a:pPr algn="ctr"/>
+            <a:r>
+              <a:rPr lang="en-US" sz="2400" dirty="0">
+                <a:solidFill>
+                  <a:schemeClr val="bg1"/>
+                </a:solidFill>
+                <a:latin typeface="Cambria" panose="02040503050406030204" pitchFamily="18" charset="0"/>
+                <a:ea typeface="Cambria" panose="02040503050406030204" pitchFamily="18" charset="0"/>
+              </a:rPr>
+              <a:t>Comparison of Cholesterol Distributions Across Heart Disease Classes — Histogram Plot</a:t>
+            </a:r>
+            <a:endParaRPr lang="en-IN" sz="2400" dirty="0">
+              <a:solidFill>
+                <a:schemeClr val="bg1"/>
+              </a:solidFill>
+              <a:latin typeface="Cambria" panose="02040503050406030204" pitchFamily="18" charset="0"/>
+              <a:ea typeface="Cambria" panose="02040503050406030204" pitchFamily="18" charset="0"/>
+            </a:endParaRPr>
+          </a:p>
+        </p:txBody>
+      </p:sp>
+      <p:graphicFrame>
+        <p:nvGraphicFramePr>
+          <p:cNvPr id="3" name="Diagram 2">
+            <a:extLst>
+              <a:ext uri="{FF2B5EF4-FFF2-40B4-BE49-F238E27FC236}">
+                <a16:creationId xmlns:a16="http://schemas.microsoft.com/office/drawing/2014/main" id="{DF128046-9E38-4DCA-0DB8-C5BE62D713B4}"/>
+              </a:ext>
+            </a:extLst>
+          </p:cNvPr>
+          <p:cNvGraphicFramePr/>
+          <p:nvPr>
+            <p:extLst>
+              <p:ext uri="{D42A27DB-BD31-4B8C-83A1-F6EECF244321}">
+                <p14:modId xmlns:p14="http://schemas.microsoft.com/office/powerpoint/2010/main" val="4291333641"/>
+              </p:ext>
+            </p:extLst>
+          </p:nvPr>
+        </p:nvGraphicFramePr>
+        <p:xfrm>
+          <a:off x="2032000" y="719666"/>
+          <a:ext cx="8128000" cy="5418667"/>
+        </p:xfrm>
+        <a:graphic>
+          <a:graphicData uri="http://schemas.openxmlformats.org/drawingml/2006/diagram">
+            <dgm:relIds xmlns:dgm="http://schemas.openxmlformats.org/drawingml/2006/diagram" xmlns:r="http://schemas.openxmlformats.org/officeDocument/2006/relationships" r:dm="rId4" r:lo="rId5" r:qs="rId6" r:cs="rId7"/>
+          </a:graphicData>
+        </a:graphic>
+      </p:graphicFrame>
+    </p:spTree>
+    <p:extLst>
+      <p:ext uri="{BB962C8B-B14F-4D97-AF65-F5344CB8AC3E}">
+        <p14:creationId xmlns:p14="http://schemas.microsoft.com/office/powerpoint/2010/main" val="1143501726"/>
+      </p:ext>
+    </p:extLst>
+  </p:cSld>
+  <p:clrMapOvr>
+    <a:masterClrMapping/>
+  </p:clrMapOvr>
+</p:sld>
+</file>
+
+<file path=ppt/slides/slide9.xml><?xml version="1.0" encoding="utf-8"?>
+<p:sld xmlns:a="http://schemas.openxmlformats.org/drawingml/2006/main" xmlns:r="http://schemas.openxmlformats.org/officeDocument/2006/relationships" xmlns:p="http://schemas.openxmlformats.org/presentationml/2006/main">
+  <p:cSld>
+    <p:spTree>
+      <p:nvGrpSpPr>
+        <p:cNvPr id="1" name="">
+          <a:extLst>
+            <a:ext uri="{FF2B5EF4-FFF2-40B4-BE49-F238E27FC236}">
+              <a16:creationId xmlns:a16="http://schemas.microsoft.com/office/drawing/2014/main" id="{B3ED8508-AAB0-F307-B13B-8A4DBA7ED02C}"/>
+            </a:ext>
+          </a:extLst>
+        </p:cNvPr>
+        <p:cNvGrpSpPr/>
+        <p:nvPr/>
+      </p:nvGrpSpPr>
+      <p:grpSpPr>
+        <a:xfrm>
+          <a:off x="0" y="0"/>
+          <a:ext cx="0" cy="0"/>
+          <a:chOff x="0" y="0"/>
+          <a:chExt cx="0" cy="0"/>
+        </a:xfrm>
+      </p:grpSpPr>
+      <p:pic>
+        <p:nvPicPr>
+          <p:cNvPr id="9" name="Picture 8">
+            <a:extLst>
+              <a:ext uri="{FF2B5EF4-FFF2-40B4-BE49-F238E27FC236}">
+                <a16:creationId xmlns:a16="http://schemas.microsoft.com/office/drawing/2014/main" id="{639F50CA-BE6D-E23D-F720-7821536AD60F}"/>
+              </a:ext>
+            </a:extLst>
+          </p:cNvPr>
+          <p:cNvPicPr>
+            <a:picLocks noChangeAspect="1"/>
+          </p:cNvPicPr>
+          <p:nvPr/>
+        </p:nvPicPr>
+        <p:blipFill>
+          <a:blip r:embed="rId2">
+            <a:extLst>
+              <a:ext uri="{28A0092B-C50C-407E-A947-70E740481C1C}">
+                <a14:useLocalDpi xmlns:a14="http://schemas.microsoft.com/office/drawing/2010/main" val="0"/>
+              </a:ext>
+              <a:ext uri="{837473B0-CC2E-450A-ABE3-18F120FF3D39}">
+                <a1611:picAttrSrcUrl xmlns:a1611="http://schemas.microsoft.com/office/drawing/2016/11/main" r:id="rId3"/>
+              </a:ext>
+            </a:extLst>
+          </a:blip>
+          <a:stretch>
+            <a:fillRect/>
+          </a:stretch>
+        </p:blipFill>
+        <p:spPr>
+          <a:xfrm>
+            <a:off x="-132080" y="-121920"/>
+            <a:ext cx="12456160" cy="7142480"/>
+          </a:xfrm>
+          <a:prstGeom prst="rect">
+            <a:avLst/>
+          </a:prstGeom>
+        </p:spPr>
+      </p:pic>
+      <p:sp>
+        <p:nvSpPr>
+          <p:cNvPr id="2" name="TextBox 1">
+            <a:extLst>
+              <a:ext uri="{FF2B5EF4-FFF2-40B4-BE49-F238E27FC236}">
+                <a16:creationId xmlns:a16="http://schemas.microsoft.com/office/drawing/2014/main" id="{B4043DC3-F4FD-DDDC-C5AF-C0AA1B0C67B4}"/>
+              </a:ext>
+            </a:extLst>
+          </p:cNvPr>
+          <p:cNvSpPr txBox="1"/>
+          <p:nvPr/>
+        </p:nvSpPr>
+        <p:spPr>
+          <a:xfrm>
+            <a:off x="2509520" y="2928719"/>
+            <a:ext cx="7172960" cy="1015663"/>
+          </a:xfrm>
+          <a:prstGeom prst="rect">
+            <a:avLst/>
+          </a:prstGeom>
+          <a:noFill/>
+        </p:spPr>
+        <p:txBody>
+          <a:bodyPr wrap="square" rtlCol="0">
+            <a:spAutoFit/>
+          </a:bodyPr>
+          <a:lstStyle/>
+          <a:p>
+            <a:pPr algn="ctr"/>
+            <a:r>
+              <a:rPr lang="en-IN" sz="6000" b="1" dirty="0">
+                <a:solidFill>
+                  <a:schemeClr val="bg1"/>
+                </a:solidFill>
+                <a:latin typeface="Aptos Display" panose="020B0004020202020204" pitchFamily="34" charset="0"/>
+              </a:rPr>
+              <a:t>THANK YOU…</a:t>
+            </a:r>
+          </a:p>
+        </p:txBody>
+      </p:sp>
+    </p:spTree>
+    <p:extLst>
+      <p:ext uri="{BB962C8B-B14F-4D97-AF65-F5344CB8AC3E}">
+        <p14:creationId xmlns:p14="http://schemas.microsoft.com/office/powerpoint/2010/main" val="2292643569"/>
+      </p:ext>
+    </p:extLst>
+  </p:cSld>
+  <p:clrMapOvr>
+    <a:masterClrMapping/>
+  </p:clrMapOvr>
+</p:sld>
+</file>
+
 <file path=ppt/theme/theme1.xml><?xml version="1.0" encoding="utf-8"?>
 <a:theme xmlns:a="http://schemas.openxmlformats.org/drawingml/2006/main" name="Office Theme">
   <a:themeElements>
